--- a/Prototype-Pratique.pptx
+++ b/Prototype-Pratique.pptx
@@ -16885,7 +16885,7 @@
           <a:p>
             <a:fld id="{D635BA84-42E8-4463-95DD-BBF01969D626}" type="datetimeFigureOut">
               <a:rPr lang="fr-CH" smtClean="0"/>
-              <a:t>11.06.2019</a:t>
+              <a:t>12.06.2019</a:t>
             </a:fld>
             <a:endParaRPr lang="fr-CH"/>
           </a:p>
@@ -18630,7 +18630,7 @@
             <a:fld id="{B61BEF0D-F0BB-DE4B-95CE-6DB70DBA9567}" type="datetimeFigureOut">
               <a:rPr lang="en-US" dirty="0"/>
               <a:pPr/>
-              <a:t>6/11/2019</a:t>
+              <a:t>6/12/2019</a:t>
             </a:fld>
             <a:endParaRPr lang="en-US" dirty="0"/>
           </a:p>
@@ -18878,7 +18878,7 @@
             <a:fld id="{B61BEF0D-F0BB-DE4B-95CE-6DB70DBA9567}" type="datetimeFigureOut">
               <a:rPr lang="en-US" dirty="0"/>
               <a:pPr/>
-              <a:t>6/11/2019</a:t>
+              <a:t>6/12/2019</a:t>
             </a:fld>
             <a:endParaRPr lang="en-US" dirty="0"/>
           </a:p>
@@ -19189,7 +19189,7 @@
             <a:fld id="{B61BEF0D-F0BB-DE4B-95CE-6DB70DBA9567}" type="datetimeFigureOut">
               <a:rPr lang="en-US" dirty="0"/>
               <a:pPr/>
-              <a:t>6/11/2019</a:t>
+              <a:t>6/12/2019</a:t>
             </a:fld>
             <a:endParaRPr lang="en-US" dirty="0"/>
           </a:p>
@@ -19513,7 +19513,7 @@
             <a:fld id="{B61BEF0D-F0BB-DE4B-95CE-6DB70DBA9567}" type="datetimeFigureOut">
               <a:rPr lang="en-US" dirty="0"/>
               <a:pPr/>
-              <a:t>6/11/2019</a:t>
+              <a:t>6/12/2019</a:t>
             </a:fld>
             <a:endParaRPr lang="en-US" dirty="0"/>
           </a:p>
@@ -19824,7 +19824,7 @@
             <a:fld id="{B61BEF0D-F0BB-DE4B-95CE-6DB70DBA9567}" type="datetimeFigureOut">
               <a:rPr lang="en-US" dirty="0"/>
               <a:pPr/>
-              <a:t>6/11/2019</a:t>
+              <a:t>6/12/2019</a:t>
             </a:fld>
             <a:endParaRPr lang="en-US" dirty="0"/>
           </a:p>
@@ -20208,7 +20208,7 @@
             <a:fld id="{B61BEF0D-F0BB-DE4B-95CE-6DB70DBA9567}" type="datetimeFigureOut">
               <a:rPr lang="en-US" dirty="0"/>
               <a:pPr/>
-              <a:t>6/11/2019</a:t>
+              <a:t>6/12/2019</a:t>
             </a:fld>
             <a:endParaRPr lang="en-US" dirty="0"/>
           </a:p>
@@ -20374,7 +20374,7 @@
           <a:p>
             <a:fld id="{55C6B4A9-1611-4792-9094-5F34BCA07E0B}" type="datetimeFigureOut">
               <a:rPr lang="en-US" dirty="0"/>
-              <a:t>6/11/2019</a:t>
+              <a:t>6/12/2019</a:t>
             </a:fld>
             <a:endParaRPr lang="en-US" dirty="0"/>
           </a:p>
@@ -20550,7 +20550,7 @@
             <a:fld id="{B61BEF0D-F0BB-DE4B-95CE-6DB70DBA9567}" type="datetimeFigureOut">
               <a:rPr lang="en-US" dirty="0"/>
               <a:pPr/>
-              <a:t>6/11/2019</a:t>
+              <a:t>6/12/2019</a:t>
             </a:fld>
             <a:endParaRPr lang="en-US" dirty="0"/>
           </a:p>
@@ -20716,7 +20716,7 @@
           <a:p>
             <a:fld id="{42A54C80-263E-416B-A8E0-580EDEADCBDC}" type="datetimeFigureOut">
               <a:rPr lang="en-US" dirty="0"/>
-              <a:t>6/11/2019</a:t>
+              <a:t>6/12/2019</a:t>
             </a:fld>
             <a:endParaRPr lang="en-US" dirty="0"/>
           </a:p>
@@ -20959,7 +20959,7 @@
             <a:fld id="{B61BEF0D-F0BB-DE4B-95CE-6DB70DBA9567}" type="datetimeFigureOut">
               <a:rPr lang="en-US" dirty="0"/>
               <a:pPr/>
-              <a:t>6/11/2019</a:t>
+              <a:t>6/12/2019</a:t>
             </a:fld>
             <a:endParaRPr lang="en-US" dirty="0"/>
           </a:p>
@@ -21187,7 +21187,7 @@
           <a:p>
             <a:fld id="{42A54C80-263E-416B-A8E0-580EDEADCBDC}" type="datetimeFigureOut">
               <a:rPr lang="en-US" dirty="0"/>
-              <a:t>6/11/2019</a:t>
+              <a:t>6/12/2019</a:t>
             </a:fld>
             <a:endParaRPr lang="en-US" dirty="0"/>
           </a:p>
@@ -21557,7 +21557,7 @@
             <a:fld id="{B61BEF0D-F0BB-DE4B-95CE-6DB70DBA9567}" type="datetimeFigureOut">
               <a:rPr lang="en-US" dirty="0"/>
               <a:pPr/>
-              <a:t>6/11/2019</a:t>
+              <a:t>6/12/2019</a:t>
             </a:fld>
             <a:endParaRPr lang="en-US" dirty="0"/>
           </a:p>
@@ -21677,7 +21677,7 @@
             <a:fld id="{B61BEF0D-F0BB-DE4B-95CE-6DB70DBA9567}" type="datetimeFigureOut">
               <a:rPr lang="en-US" dirty="0"/>
               <a:pPr/>
-              <a:t>6/11/2019</a:t>
+              <a:t>6/12/2019</a:t>
             </a:fld>
             <a:endParaRPr lang="en-US" dirty="0"/>
           </a:p>
@@ -21769,7 +21769,7 @@
             <a:fld id="{B61BEF0D-F0BB-DE4B-95CE-6DB70DBA9567}" type="datetimeFigureOut">
               <a:rPr lang="en-US" dirty="0"/>
               <a:pPr/>
-              <a:t>6/11/2019</a:t>
+              <a:t>6/12/2019</a:t>
             </a:fld>
             <a:endParaRPr lang="en-US" dirty="0"/>
           </a:p>
@@ -22020,7 +22020,7 @@
           <a:p>
             <a:fld id="{42A54C80-263E-416B-A8E0-580EDEADCBDC}" type="datetimeFigureOut">
               <a:rPr lang="en-US" dirty="0"/>
-              <a:t>6/11/2019</a:t>
+              <a:t>6/12/2019</a:t>
             </a:fld>
             <a:endParaRPr lang="en-US" dirty="0"/>
           </a:p>
@@ -22279,7 +22279,7 @@
             <a:fld id="{B61BEF0D-F0BB-DE4B-95CE-6DB70DBA9567}" type="datetimeFigureOut">
               <a:rPr lang="en-US" dirty="0"/>
               <a:pPr/>
-              <a:t>6/11/2019</a:t>
+              <a:t>6/12/2019</a:t>
             </a:fld>
             <a:endParaRPr lang="en-US" dirty="0"/>
           </a:p>
@@ -23021,7 +23021,7 @@
             <a:fld id="{B61BEF0D-F0BB-DE4B-95CE-6DB70DBA9567}" type="datetimeFigureOut">
               <a:rPr lang="en-US" dirty="0"/>
               <a:pPr/>
-              <a:t>6/11/2019</a:t>
+              <a:t>6/12/2019</a:t>
             </a:fld>
             <a:endParaRPr lang="en-US" dirty="0"/>
           </a:p>
@@ -28283,6 +28283,60 @@
           </a:prstGeom>
         </p:spPr>
       </p:pic>
+      <p:sp>
+        <p:nvSpPr>
+          <p:cNvPr id="3" name="Rectangle 2">
+            <a:extLst>
+              <a:ext uri="{FF2B5EF4-FFF2-40B4-BE49-F238E27FC236}">
+                <a16:creationId xmlns:a16="http://schemas.microsoft.com/office/drawing/2014/main" id="{76917A69-4012-4620-936A-B98780390C9A}"/>
+              </a:ext>
+            </a:extLst>
+          </p:cNvPr>
+          <p:cNvSpPr/>
+          <p:nvPr/>
+        </p:nvSpPr>
+        <p:spPr>
+          <a:xfrm>
+            <a:off x="5018049" y="4761571"/>
+            <a:ext cx="1077951" cy="624468"/>
+          </a:xfrm>
+          <a:prstGeom prst="rect">
+            <a:avLst/>
+          </a:prstGeom>
+          <a:solidFill>
+            <a:schemeClr val="bg1"/>
+          </a:solidFill>
+          <a:ln>
+            <a:solidFill>
+              <a:schemeClr val="bg1"/>
+            </a:solidFill>
+          </a:ln>
+        </p:spPr>
+        <p:style>
+          <a:lnRef idx="2">
+            <a:schemeClr val="accent1">
+              <a:shade val="50000"/>
+            </a:schemeClr>
+          </a:lnRef>
+          <a:fillRef idx="1">
+            <a:schemeClr val="accent1"/>
+          </a:fillRef>
+          <a:effectRef idx="0">
+            <a:schemeClr val="accent1"/>
+          </a:effectRef>
+          <a:fontRef idx="minor">
+            <a:schemeClr val="lt1"/>
+          </a:fontRef>
+        </p:style>
+        <p:txBody>
+          <a:bodyPr rtlCol="0" anchor="ctr"/>
+          <a:lstStyle/>
+          <a:p>
+            <a:pPr algn="ctr"/>
+            <a:endParaRPr lang="fr-CH"/>
+          </a:p>
+        </p:txBody>
+      </p:sp>
       <p:pic>
         <p:nvPicPr>
           <p:cNvPr id="21" name="Image 20">
@@ -28305,7 +28359,7 @@
         </p:blipFill>
         <p:spPr>
           <a:xfrm>
-            <a:off x="4867079" y="4108944"/>
+            <a:off x="4883408" y="4187003"/>
             <a:ext cx="1498592" cy="1546934"/>
           </a:xfrm>
           <a:prstGeom prst="rect">
@@ -28323,6 +28377,77 @@
   <p:clrMapOvr>
     <a:masterClrMapping/>
   </p:clrMapOvr>
+  <p:timing>
+    <p:tnLst>
+      <p:par>
+        <p:cTn id="1" dur="indefinite" restart="never" nodeType="tmRoot">
+          <p:childTnLst>
+            <p:seq concurrent="1" nextAc="seek">
+              <p:cTn id="2" dur="indefinite" nodeType="mainSeq">
+                <p:childTnLst>
+                  <p:par>
+                    <p:cTn id="3" fill="hold">
+                      <p:stCondLst>
+                        <p:cond delay="indefinite"/>
+                        <p:cond evt="onBegin" delay="0">
+                          <p:tn val="2"/>
+                        </p:cond>
+                      </p:stCondLst>
+                      <p:childTnLst>
+                        <p:par>
+                          <p:cTn id="4" fill="hold">
+                            <p:stCondLst>
+                              <p:cond delay="0"/>
+                            </p:stCondLst>
+                            <p:childTnLst>
+                              <p:par>
+                                <p:cTn id="5" presetID="8" presetClass="emph" presetSubtype="0" repeatCount="indefinite" fill="hold" nodeType="withEffect">
+                                  <p:stCondLst>
+                                    <p:cond delay="0"/>
+                                  </p:stCondLst>
+                                  <p:childTnLst>
+                                    <p:animRot by="21600000">
+                                      <p:cBhvr>
+                                        <p:cTn id="6" dur="2000" fill="hold"/>
+                                        <p:tgtEl>
+                                          <p:spTgt spid="21"/>
+                                        </p:tgtEl>
+                                        <p:attrNameLst>
+                                          <p:attrName>r</p:attrName>
+                                        </p:attrNameLst>
+                                      </p:cBhvr>
+                                    </p:animRot>
+                                  </p:childTnLst>
+                                </p:cTn>
+                              </p:par>
+                            </p:childTnLst>
+                          </p:cTn>
+                        </p:par>
+                      </p:childTnLst>
+                    </p:cTn>
+                  </p:par>
+                </p:childTnLst>
+              </p:cTn>
+              <p:prevCondLst>
+                <p:cond evt="onPrev" delay="0">
+                  <p:tgtEl>
+                    <p:sldTgt/>
+                  </p:tgtEl>
+                </p:cond>
+              </p:prevCondLst>
+              <p:nextCondLst>
+                <p:cond evt="onNext" delay="0">
+                  <p:tgtEl>
+                    <p:sldTgt/>
+                  </p:tgtEl>
+                </p:cond>
+              </p:nextCondLst>
+            </p:seq>
+          </p:childTnLst>
+        </p:cTn>
+      </p:par>
+    </p:tnLst>
+  </p:timing>
 </p:sld>
 </file>
 

--- a/Prototype-Pratique.pptx
+++ b/Prototype-Pratique.pptx
@@ -5,7 +5,7 @@
     <p:sldMasterId id="2147483648" r:id="rId1"/>
   </p:sldMasterIdLst>
   <p:notesMasterIdLst>
-    <p:notesMasterId r:id="rId14"/>
+    <p:notesMasterId r:id="rId15"/>
   </p:notesMasterIdLst>
   <p:sldIdLst>
     <p:sldId id="256" r:id="rId2"/>
@@ -16,10 +16,11 @@
     <p:sldId id="262" r:id="rId7"/>
     <p:sldId id="263" r:id="rId8"/>
     <p:sldId id="269" r:id="rId9"/>
-    <p:sldId id="267" r:id="rId10"/>
-    <p:sldId id="271" r:id="rId11"/>
-    <p:sldId id="272" r:id="rId12"/>
-    <p:sldId id="268" r:id="rId13"/>
+    <p:sldId id="273" r:id="rId10"/>
+    <p:sldId id="267" r:id="rId11"/>
+    <p:sldId id="271" r:id="rId12"/>
+    <p:sldId id="272" r:id="rId13"/>
+    <p:sldId id="268" r:id="rId14"/>
   </p:sldIdLst>
   <p:sldSz cx="12192000" cy="6858000"/>
   <p:notesSz cx="6858000" cy="9144000"/>
@@ -3862,6 +3863,753 @@
 </file>
 
 <file path=ppt/diagrams/colors6.xml><?xml version="1.0" encoding="utf-8"?>
+<dgm:colorsDef xmlns:dgm="http://schemas.openxmlformats.org/drawingml/2006/diagram" xmlns:a="http://schemas.openxmlformats.org/drawingml/2006/main" uniqueId="urn:microsoft.com/office/officeart/2005/8/colors/accent2_2">
+  <dgm:title val=""/>
+  <dgm:desc val=""/>
+  <dgm:catLst>
+    <dgm:cat type="accent2" pri="11200"/>
+  </dgm:catLst>
+  <dgm:styleLbl name="node0">
+    <dgm:fillClrLst meth="repeat">
+      <a:schemeClr val="accent2"/>
+    </dgm:fillClrLst>
+    <dgm:linClrLst meth="repeat">
+      <a:schemeClr val="lt1"/>
+    </dgm:linClrLst>
+    <dgm:effectClrLst/>
+    <dgm:txLinClrLst/>
+    <dgm:txFillClrLst/>
+    <dgm:txEffectClrLst/>
+  </dgm:styleLbl>
+  <dgm:styleLbl name="node1">
+    <dgm:fillClrLst meth="repeat">
+      <a:schemeClr val="accent2"/>
+    </dgm:fillClrLst>
+    <dgm:linClrLst meth="repeat">
+      <a:schemeClr val="lt1"/>
+    </dgm:linClrLst>
+    <dgm:effectClrLst/>
+    <dgm:txLinClrLst/>
+    <dgm:txFillClrLst/>
+    <dgm:txEffectClrLst/>
+  </dgm:styleLbl>
+  <dgm:styleLbl name="alignNode1">
+    <dgm:fillClrLst meth="repeat">
+      <a:schemeClr val="accent2"/>
+    </dgm:fillClrLst>
+    <dgm:linClrLst meth="repeat">
+      <a:schemeClr val="accent2"/>
+    </dgm:linClrLst>
+    <dgm:effectClrLst/>
+    <dgm:txLinClrLst/>
+    <dgm:txFillClrLst/>
+    <dgm:txEffectClrLst/>
+  </dgm:styleLbl>
+  <dgm:styleLbl name="lnNode1">
+    <dgm:fillClrLst meth="repeat">
+      <a:schemeClr val="accent2"/>
+    </dgm:fillClrLst>
+    <dgm:linClrLst meth="repeat">
+      <a:schemeClr val="lt1"/>
+    </dgm:linClrLst>
+    <dgm:effectClrLst/>
+    <dgm:txLinClrLst/>
+    <dgm:txFillClrLst/>
+    <dgm:txEffectClrLst/>
+  </dgm:styleLbl>
+  <dgm:styleLbl name="vennNode1">
+    <dgm:fillClrLst meth="repeat">
+      <a:schemeClr val="accent2">
+        <a:alpha val="50000"/>
+      </a:schemeClr>
+    </dgm:fillClrLst>
+    <dgm:linClrLst meth="repeat">
+      <a:schemeClr val="lt1"/>
+    </dgm:linClrLst>
+    <dgm:effectClrLst/>
+    <dgm:txLinClrLst/>
+    <dgm:txFillClrLst/>
+    <dgm:txEffectClrLst/>
+  </dgm:styleLbl>
+  <dgm:styleLbl name="node2">
+    <dgm:fillClrLst meth="repeat">
+      <a:schemeClr val="accent2"/>
+    </dgm:fillClrLst>
+    <dgm:linClrLst meth="repeat">
+      <a:schemeClr val="lt1"/>
+    </dgm:linClrLst>
+    <dgm:effectClrLst/>
+    <dgm:txLinClrLst/>
+    <dgm:txFillClrLst/>
+    <dgm:txEffectClrLst/>
+  </dgm:styleLbl>
+  <dgm:styleLbl name="node3">
+    <dgm:fillClrLst meth="repeat">
+      <a:schemeClr val="accent2"/>
+    </dgm:fillClrLst>
+    <dgm:linClrLst meth="repeat">
+      <a:schemeClr val="lt1"/>
+    </dgm:linClrLst>
+    <dgm:effectClrLst/>
+    <dgm:txLinClrLst/>
+    <dgm:txFillClrLst/>
+    <dgm:txEffectClrLst/>
+  </dgm:styleLbl>
+  <dgm:styleLbl name="node4">
+    <dgm:fillClrLst meth="repeat">
+      <a:schemeClr val="accent2"/>
+    </dgm:fillClrLst>
+    <dgm:linClrLst meth="repeat">
+      <a:schemeClr val="lt1"/>
+    </dgm:linClrLst>
+    <dgm:effectClrLst/>
+    <dgm:txLinClrLst/>
+    <dgm:txFillClrLst/>
+    <dgm:txEffectClrLst/>
+  </dgm:styleLbl>
+  <dgm:styleLbl name="fgImgPlace1">
+    <dgm:fillClrLst meth="repeat">
+      <a:schemeClr val="accent2">
+        <a:tint val="50000"/>
+      </a:schemeClr>
+    </dgm:fillClrLst>
+    <dgm:linClrLst meth="repeat">
+      <a:schemeClr val="lt1"/>
+    </dgm:linClrLst>
+    <dgm:effectClrLst/>
+    <dgm:txLinClrLst/>
+    <dgm:txFillClrLst meth="repeat">
+      <a:schemeClr val="lt1"/>
+    </dgm:txFillClrLst>
+    <dgm:txEffectClrLst/>
+  </dgm:styleLbl>
+  <dgm:styleLbl name="alignImgPlace1">
+    <dgm:fillClrLst meth="repeat">
+      <a:schemeClr val="accent2">
+        <a:tint val="50000"/>
+      </a:schemeClr>
+    </dgm:fillClrLst>
+    <dgm:linClrLst meth="repeat">
+      <a:schemeClr val="lt1"/>
+    </dgm:linClrLst>
+    <dgm:effectClrLst/>
+    <dgm:txLinClrLst/>
+    <dgm:txFillClrLst meth="repeat">
+      <a:schemeClr val="lt1"/>
+    </dgm:txFillClrLst>
+    <dgm:txEffectClrLst/>
+  </dgm:styleLbl>
+  <dgm:styleLbl name="bgImgPlace1">
+    <dgm:fillClrLst meth="repeat">
+      <a:schemeClr val="accent2">
+        <a:tint val="50000"/>
+      </a:schemeClr>
+    </dgm:fillClrLst>
+    <dgm:linClrLst meth="repeat">
+      <a:schemeClr val="lt1"/>
+    </dgm:linClrLst>
+    <dgm:effectClrLst/>
+    <dgm:txLinClrLst/>
+    <dgm:txFillClrLst meth="repeat">
+      <a:schemeClr val="lt1"/>
+    </dgm:txFillClrLst>
+    <dgm:txEffectClrLst/>
+  </dgm:styleLbl>
+  <dgm:styleLbl name="sibTrans2D1">
+    <dgm:fillClrLst meth="repeat">
+      <a:schemeClr val="accent2">
+        <a:tint val="60000"/>
+      </a:schemeClr>
+    </dgm:fillClrLst>
+    <dgm:linClrLst meth="repeat">
+      <a:schemeClr val="accent2">
+        <a:tint val="60000"/>
+      </a:schemeClr>
+    </dgm:linClrLst>
+    <dgm:effectClrLst/>
+    <dgm:txLinClrLst/>
+    <dgm:txFillClrLst/>
+    <dgm:txEffectClrLst/>
+  </dgm:styleLbl>
+  <dgm:styleLbl name="fgSibTrans2D1">
+    <dgm:fillClrLst meth="repeat">
+      <a:schemeClr val="accent2">
+        <a:tint val="60000"/>
+      </a:schemeClr>
+    </dgm:fillClrLst>
+    <dgm:linClrLst meth="repeat">
+      <a:schemeClr val="accent2">
+        <a:tint val="60000"/>
+      </a:schemeClr>
+    </dgm:linClrLst>
+    <dgm:effectClrLst/>
+    <dgm:txLinClrLst/>
+    <dgm:txFillClrLst/>
+    <dgm:txEffectClrLst/>
+  </dgm:styleLbl>
+  <dgm:styleLbl name="bgSibTrans2D1">
+    <dgm:fillClrLst meth="repeat">
+      <a:schemeClr val="accent2">
+        <a:tint val="60000"/>
+      </a:schemeClr>
+    </dgm:fillClrLst>
+    <dgm:linClrLst meth="repeat">
+      <a:schemeClr val="accent2">
+        <a:tint val="60000"/>
+      </a:schemeClr>
+    </dgm:linClrLst>
+    <dgm:effectClrLst/>
+    <dgm:txLinClrLst/>
+    <dgm:txFillClrLst/>
+    <dgm:txEffectClrLst/>
+  </dgm:styleLbl>
+  <dgm:styleLbl name="sibTrans1D1">
+    <dgm:fillClrLst meth="repeat">
+      <a:schemeClr val="accent2"/>
+    </dgm:fillClrLst>
+    <dgm:linClrLst meth="repeat">
+      <a:schemeClr val="accent2"/>
+    </dgm:linClrLst>
+    <dgm:effectClrLst/>
+    <dgm:txLinClrLst/>
+    <dgm:txFillClrLst meth="repeat">
+      <a:schemeClr val="tx1"/>
+    </dgm:txFillClrLst>
+    <dgm:txEffectClrLst/>
+  </dgm:styleLbl>
+  <dgm:styleLbl name="callout">
+    <dgm:fillClrLst meth="repeat">
+      <a:schemeClr val="accent2"/>
+    </dgm:fillClrLst>
+    <dgm:linClrLst meth="repeat">
+      <a:schemeClr val="accent2">
+        <a:tint val="50000"/>
+      </a:schemeClr>
+    </dgm:linClrLst>
+    <dgm:effectClrLst/>
+    <dgm:txLinClrLst/>
+    <dgm:txFillClrLst meth="repeat">
+      <a:schemeClr val="tx1"/>
+    </dgm:txFillClrLst>
+    <dgm:txEffectClrLst/>
+  </dgm:styleLbl>
+  <dgm:styleLbl name="asst0">
+    <dgm:fillClrLst meth="repeat">
+      <a:schemeClr val="accent2"/>
+    </dgm:fillClrLst>
+    <dgm:linClrLst meth="repeat">
+      <a:schemeClr val="lt1"/>
+    </dgm:linClrLst>
+    <dgm:effectClrLst/>
+    <dgm:txLinClrLst/>
+    <dgm:txFillClrLst/>
+    <dgm:txEffectClrLst/>
+  </dgm:styleLbl>
+  <dgm:styleLbl name="asst1">
+    <dgm:fillClrLst meth="repeat">
+      <a:schemeClr val="accent2"/>
+    </dgm:fillClrLst>
+    <dgm:linClrLst meth="repeat">
+      <a:schemeClr val="lt1"/>
+    </dgm:linClrLst>
+    <dgm:effectClrLst/>
+    <dgm:txLinClrLst/>
+    <dgm:txFillClrLst/>
+    <dgm:txEffectClrLst/>
+  </dgm:styleLbl>
+  <dgm:styleLbl name="asst2">
+    <dgm:fillClrLst meth="repeat">
+      <a:schemeClr val="accent2"/>
+    </dgm:fillClrLst>
+    <dgm:linClrLst meth="repeat">
+      <a:schemeClr val="lt1"/>
+    </dgm:linClrLst>
+    <dgm:effectClrLst/>
+    <dgm:txLinClrLst/>
+    <dgm:txFillClrLst/>
+    <dgm:txEffectClrLst/>
+  </dgm:styleLbl>
+  <dgm:styleLbl name="asst3">
+    <dgm:fillClrLst meth="repeat">
+      <a:schemeClr val="accent2"/>
+    </dgm:fillClrLst>
+    <dgm:linClrLst meth="repeat">
+      <a:schemeClr val="lt1"/>
+    </dgm:linClrLst>
+    <dgm:effectClrLst/>
+    <dgm:txLinClrLst/>
+    <dgm:txFillClrLst/>
+    <dgm:txEffectClrLst/>
+  </dgm:styleLbl>
+  <dgm:styleLbl name="asst4">
+    <dgm:fillClrLst meth="repeat">
+      <a:schemeClr val="accent2"/>
+    </dgm:fillClrLst>
+    <dgm:linClrLst meth="repeat">
+      <a:schemeClr val="lt1"/>
+    </dgm:linClrLst>
+    <dgm:effectClrLst/>
+    <dgm:txLinClrLst/>
+    <dgm:txFillClrLst/>
+    <dgm:txEffectClrLst/>
+  </dgm:styleLbl>
+  <dgm:styleLbl name="parChTrans2D1">
+    <dgm:fillClrLst meth="repeat">
+      <a:schemeClr val="accent2">
+        <a:tint val="60000"/>
+      </a:schemeClr>
+    </dgm:fillClrLst>
+    <dgm:linClrLst meth="repeat">
+      <a:schemeClr val="accent2">
+        <a:tint val="60000"/>
+      </a:schemeClr>
+    </dgm:linClrLst>
+    <dgm:effectClrLst/>
+    <dgm:txLinClrLst/>
+    <dgm:txFillClrLst meth="repeat">
+      <a:schemeClr val="lt1"/>
+    </dgm:txFillClrLst>
+    <dgm:txEffectClrLst/>
+  </dgm:styleLbl>
+  <dgm:styleLbl name="parChTrans2D2">
+    <dgm:fillClrLst meth="repeat">
+      <a:schemeClr val="accent2"/>
+    </dgm:fillClrLst>
+    <dgm:linClrLst meth="repeat">
+      <a:schemeClr val="accent2"/>
+    </dgm:linClrLst>
+    <dgm:effectClrLst/>
+    <dgm:txLinClrLst/>
+    <dgm:txFillClrLst meth="repeat">
+      <a:schemeClr val="lt1"/>
+    </dgm:txFillClrLst>
+    <dgm:txEffectClrLst/>
+  </dgm:styleLbl>
+  <dgm:styleLbl name="parChTrans2D3">
+    <dgm:fillClrLst meth="repeat">
+      <a:schemeClr val="accent2"/>
+    </dgm:fillClrLst>
+    <dgm:linClrLst meth="repeat">
+      <a:schemeClr val="accent2"/>
+    </dgm:linClrLst>
+    <dgm:effectClrLst/>
+    <dgm:txLinClrLst/>
+    <dgm:txFillClrLst meth="repeat">
+      <a:schemeClr val="lt1"/>
+    </dgm:txFillClrLst>
+    <dgm:txEffectClrLst/>
+  </dgm:styleLbl>
+  <dgm:styleLbl name="parChTrans2D4">
+    <dgm:fillClrLst meth="repeat">
+      <a:schemeClr val="accent2"/>
+    </dgm:fillClrLst>
+    <dgm:linClrLst meth="repeat">
+      <a:schemeClr val="accent2"/>
+    </dgm:linClrLst>
+    <dgm:effectClrLst/>
+    <dgm:txLinClrLst/>
+    <dgm:txFillClrLst meth="repeat">
+      <a:schemeClr val="lt1"/>
+    </dgm:txFillClrLst>
+    <dgm:txEffectClrLst/>
+  </dgm:styleLbl>
+  <dgm:styleLbl name="parChTrans1D1">
+    <dgm:fillClrLst meth="repeat">
+      <a:schemeClr val="accent2"/>
+    </dgm:fillClrLst>
+    <dgm:linClrLst meth="repeat">
+      <a:schemeClr val="accent2">
+        <a:shade val="60000"/>
+      </a:schemeClr>
+    </dgm:linClrLst>
+    <dgm:effectClrLst/>
+    <dgm:txLinClrLst/>
+    <dgm:txFillClrLst meth="repeat">
+      <a:schemeClr val="tx1"/>
+    </dgm:txFillClrLst>
+    <dgm:txEffectClrLst/>
+  </dgm:styleLbl>
+  <dgm:styleLbl name="parChTrans1D2">
+    <dgm:fillClrLst meth="repeat">
+      <a:schemeClr val="accent2"/>
+    </dgm:fillClrLst>
+    <dgm:linClrLst meth="repeat">
+      <a:schemeClr val="accent2">
+        <a:shade val="60000"/>
+      </a:schemeClr>
+    </dgm:linClrLst>
+    <dgm:effectClrLst/>
+    <dgm:txLinClrLst/>
+    <dgm:txFillClrLst meth="repeat">
+      <a:schemeClr val="tx1"/>
+    </dgm:txFillClrLst>
+    <dgm:txEffectClrLst/>
+  </dgm:styleLbl>
+  <dgm:styleLbl name="parChTrans1D3">
+    <dgm:fillClrLst meth="repeat">
+      <a:schemeClr val="accent2"/>
+    </dgm:fillClrLst>
+    <dgm:linClrLst meth="repeat">
+      <a:schemeClr val="accent2">
+        <a:shade val="80000"/>
+      </a:schemeClr>
+    </dgm:linClrLst>
+    <dgm:effectClrLst/>
+    <dgm:txLinClrLst/>
+    <dgm:txFillClrLst meth="repeat">
+      <a:schemeClr val="tx1"/>
+    </dgm:txFillClrLst>
+    <dgm:txEffectClrLst/>
+  </dgm:styleLbl>
+  <dgm:styleLbl name="parChTrans1D4">
+    <dgm:fillClrLst meth="repeat">
+      <a:schemeClr val="accent2"/>
+    </dgm:fillClrLst>
+    <dgm:linClrLst meth="repeat">
+      <a:schemeClr val="accent2">
+        <a:shade val="80000"/>
+      </a:schemeClr>
+    </dgm:linClrLst>
+    <dgm:effectClrLst/>
+    <dgm:txLinClrLst/>
+    <dgm:txFillClrLst meth="repeat">
+      <a:schemeClr val="tx1"/>
+    </dgm:txFillClrLst>
+    <dgm:txEffectClrLst/>
+  </dgm:styleLbl>
+  <dgm:styleLbl name="fgAcc1">
+    <dgm:fillClrLst meth="repeat">
+      <a:schemeClr val="lt1">
+        <a:alpha val="90000"/>
+      </a:schemeClr>
+    </dgm:fillClrLst>
+    <dgm:linClrLst meth="repeat">
+      <a:schemeClr val="accent2"/>
+    </dgm:linClrLst>
+    <dgm:effectClrLst/>
+    <dgm:txLinClrLst/>
+    <dgm:txFillClrLst meth="repeat">
+      <a:schemeClr val="dk1"/>
+    </dgm:txFillClrLst>
+    <dgm:txEffectClrLst/>
+  </dgm:styleLbl>
+  <dgm:styleLbl name="conFgAcc1">
+    <dgm:fillClrLst meth="repeat">
+      <a:schemeClr val="lt1">
+        <a:alpha val="90000"/>
+      </a:schemeClr>
+    </dgm:fillClrLst>
+    <dgm:linClrLst meth="repeat">
+      <a:schemeClr val="accent2"/>
+    </dgm:linClrLst>
+    <dgm:effectClrLst/>
+    <dgm:txLinClrLst/>
+    <dgm:txFillClrLst meth="repeat">
+      <a:schemeClr val="dk1"/>
+    </dgm:txFillClrLst>
+    <dgm:txEffectClrLst/>
+  </dgm:styleLbl>
+  <dgm:styleLbl name="alignAcc1">
+    <dgm:fillClrLst meth="repeat">
+      <a:schemeClr val="lt1">
+        <a:alpha val="90000"/>
+      </a:schemeClr>
+    </dgm:fillClrLst>
+    <dgm:linClrLst meth="repeat">
+      <a:schemeClr val="accent2"/>
+    </dgm:linClrLst>
+    <dgm:effectClrLst/>
+    <dgm:txLinClrLst/>
+    <dgm:txFillClrLst meth="repeat">
+      <a:schemeClr val="dk1"/>
+    </dgm:txFillClrLst>
+    <dgm:txEffectClrLst/>
+  </dgm:styleLbl>
+  <dgm:styleLbl name="trAlignAcc1">
+    <dgm:fillClrLst meth="repeat">
+      <a:schemeClr val="lt1">
+        <a:alpha val="40000"/>
+      </a:schemeClr>
+    </dgm:fillClrLst>
+    <dgm:linClrLst meth="repeat">
+      <a:schemeClr val="accent2"/>
+    </dgm:linClrLst>
+    <dgm:effectClrLst/>
+    <dgm:txLinClrLst/>
+    <dgm:txFillClrLst meth="repeat">
+      <a:schemeClr val="dk1"/>
+    </dgm:txFillClrLst>
+    <dgm:txEffectClrLst/>
+  </dgm:styleLbl>
+  <dgm:styleLbl name="bgAcc1">
+    <dgm:fillClrLst meth="repeat">
+      <a:schemeClr val="lt1">
+        <a:alpha val="90000"/>
+      </a:schemeClr>
+    </dgm:fillClrLst>
+    <dgm:linClrLst meth="repeat">
+      <a:schemeClr val="accent2"/>
+    </dgm:linClrLst>
+    <dgm:effectClrLst/>
+    <dgm:txLinClrLst/>
+    <dgm:txFillClrLst meth="repeat">
+      <a:schemeClr val="dk1"/>
+    </dgm:txFillClrLst>
+    <dgm:txEffectClrLst/>
+  </dgm:styleLbl>
+  <dgm:styleLbl name="solidFgAcc1">
+    <dgm:fillClrLst meth="repeat">
+      <a:schemeClr val="lt1"/>
+    </dgm:fillClrLst>
+    <dgm:linClrLst meth="repeat">
+      <a:schemeClr val="accent2"/>
+    </dgm:linClrLst>
+    <dgm:effectClrLst/>
+    <dgm:txLinClrLst/>
+    <dgm:txFillClrLst meth="repeat">
+      <a:schemeClr val="dk1"/>
+    </dgm:txFillClrLst>
+    <dgm:txEffectClrLst/>
+  </dgm:styleLbl>
+  <dgm:styleLbl name="solidAlignAcc1">
+    <dgm:fillClrLst meth="repeat">
+      <a:schemeClr val="lt1"/>
+    </dgm:fillClrLst>
+    <dgm:linClrLst meth="repeat">
+      <a:schemeClr val="accent2"/>
+    </dgm:linClrLst>
+    <dgm:effectClrLst/>
+    <dgm:txLinClrLst/>
+    <dgm:txFillClrLst meth="repeat">
+      <a:schemeClr val="dk1"/>
+    </dgm:txFillClrLst>
+    <dgm:txEffectClrLst/>
+  </dgm:styleLbl>
+  <dgm:styleLbl name="solidBgAcc1">
+    <dgm:fillClrLst meth="repeat">
+      <a:schemeClr val="lt1"/>
+    </dgm:fillClrLst>
+    <dgm:linClrLst meth="repeat">
+      <a:schemeClr val="accent2"/>
+    </dgm:linClrLst>
+    <dgm:effectClrLst/>
+    <dgm:txLinClrLst/>
+    <dgm:txFillClrLst meth="repeat">
+      <a:schemeClr val="dk1"/>
+    </dgm:txFillClrLst>
+    <dgm:txEffectClrLst/>
+  </dgm:styleLbl>
+  <dgm:styleLbl name="fgAccFollowNode1">
+    <dgm:fillClrLst meth="repeat">
+      <a:schemeClr val="accent2">
+        <a:alpha val="90000"/>
+        <a:tint val="40000"/>
+      </a:schemeClr>
+    </dgm:fillClrLst>
+    <dgm:linClrLst meth="repeat">
+      <a:schemeClr val="accent2">
+        <a:alpha val="90000"/>
+        <a:tint val="40000"/>
+      </a:schemeClr>
+    </dgm:linClrLst>
+    <dgm:effectClrLst/>
+    <dgm:txLinClrLst/>
+    <dgm:txFillClrLst meth="repeat">
+      <a:schemeClr val="dk1"/>
+    </dgm:txFillClrLst>
+    <dgm:txEffectClrLst/>
+  </dgm:styleLbl>
+  <dgm:styleLbl name="alignAccFollowNode1">
+    <dgm:fillClrLst meth="repeat">
+      <a:schemeClr val="accent2">
+        <a:alpha val="90000"/>
+        <a:tint val="40000"/>
+      </a:schemeClr>
+    </dgm:fillClrLst>
+    <dgm:linClrLst meth="repeat">
+      <a:schemeClr val="accent2">
+        <a:alpha val="90000"/>
+        <a:tint val="40000"/>
+      </a:schemeClr>
+    </dgm:linClrLst>
+    <dgm:effectClrLst/>
+    <dgm:txLinClrLst/>
+    <dgm:txFillClrLst meth="repeat">
+      <a:schemeClr val="dk1"/>
+    </dgm:txFillClrLst>
+    <dgm:txEffectClrLst/>
+  </dgm:styleLbl>
+  <dgm:styleLbl name="bgAccFollowNode1">
+    <dgm:fillClrLst meth="repeat">
+      <a:schemeClr val="accent2">
+        <a:alpha val="90000"/>
+        <a:tint val="40000"/>
+      </a:schemeClr>
+    </dgm:fillClrLst>
+    <dgm:linClrLst meth="repeat">
+      <a:schemeClr val="accent2">
+        <a:alpha val="90000"/>
+        <a:tint val="40000"/>
+      </a:schemeClr>
+    </dgm:linClrLst>
+    <dgm:effectClrLst/>
+    <dgm:txLinClrLst/>
+    <dgm:txFillClrLst meth="repeat">
+      <a:schemeClr val="dk1"/>
+    </dgm:txFillClrLst>
+    <dgm:txEffectClrLst/>
+  </dgm:styleLbl>
+  <dgm:styleLbl name="fgAcc0">
+    <dgm:fillClrLst meth="repeat">
+      <a:schemeClr val="lt1">
+        <a:alpha val="90000"/>
+      </a:schemeClr>
+    </dgm:fillClrLst>
+    <dgm:linClrLst meth="repeat">
+      <a:schemeClr val="accent2"/>
+    </dgm:linClrLst>
+    <dgm:effectClrLst/>
+    <dgm:txLinClrLst/>
+    <dgm:txFillClrLst meth="repeat">
+      <a:schemeClr val="dk1"/>
+    </dgm:txFillClrLst>
+    <dgm:txEffectClrLst/>
+  </dgm:styleLbl>
+  <dgm:styleLbl name="fgAcc2">
+    <dgm:fillClrLst meth="repeat">
+      <a:schemeClr val="lt1">
+        <a:alpha val="90000"/>
+      </a:schemeClr>
+    </dgm:fillClrLst>
+    <dgm:linClrLst meth="repeat">
+      <a:schemeClr val="accent2"/>
+    </dgm:linClrLst>
+    <dgm:effectClrLst/>
+    <dgm:txLinClrLst/>
+    <dgm:txFillClrLst meth="repeat">
+      <a:schemeClr val="dk1"/>
+    </dgm:txFillClrLst>
+    <dgm:txEffectClrLst/>
+  </dgm:styleLbl>
+  <dgm:styleLbl name="fgAcc3">
+    <dgm:fillClrLst meth="repeat">
+      <a:schemeClr val="lt1">
+        <a:alpha val="90000"/>
+      </a:schemeClr>
+    </dgm:fillClrLst>
+    <dgm:linClrLst meth="repeat">
+      <a:schemeClr val="accent2"/>
+    </dgm:linClrLst>
+    <dgm:effectClrLst/>
+    <dgm:txLinClrLst/>
+    <dgm:txFillClrLst meth="repeat">
+      <a:schemeClr val="dk1"/>
+    </dgm:txFillClrLst>
+    <dgm:txEffectClrLst/>
+  </dgm:styleLbl>
+  <dgm:styleLbl name="fgAcc4">
+    <dgm:fillClrLst meth="repeat">
+      <a:schemeClr val="lt1">
+        <a:alpha val="90000"/>
+      </a:schemeClr>
+    </dgm:fillClrLst>
+    <dgm:linClrLst meth="repeat">
+      <a:schemeClr val="accent2"/>
+    </dgm:linClrLst>
+    <dgm:effectClrLst/>
+    <dgm:txLinClrLst/>
+    <dgm:txFillClrLst meth="repeat">
+      <a:schemeClr val="dk1"/>
+    </dgm:txFillClrLst>
+    <dgm:txEffectClrLst/>
+  </dgm:styleLbl>
+  <dgm:styleLbl name="bgShp">
+    <dgm:fillClrLst meth="repeat">
+      <a:schemeClr val="accent2">
+        <a:tint val="40000"/>
+      </a:schemeClr>
+    </dgm:fillClrLst>
+    <dgm:linClrLst meth="repeat">
+      <a:schemeClr val="accent2"/>
+    </dgm:linClrLst>
+    <dgm:effectClrLst/>
+    <dgm:txLinClrLst/>
+    <dgm:txFillClrLst meth="repeat">
+      <a:schemeClr val="dk1"/>
+    </dgm:txFillClrLst>
+    <dgm:txEffectClrLst/>
+  </dgm:styleLbl>
+  <dgm:styleLbl name="dkBgShp">
+    <dgm:fillClrLst meth="repeat">
+      <a:schemeClr val="accent2">
+        <a:shade val="80000"/>
+      </a:schemeClr>
+    </dgm:fillClrLst>
+    <dgm:linClrLst meth="repeat">
+      <a:schemeClr val="accent2"/>
+    </dgm:linClrLst>
+    <dgm:effectClrLst/>
+    <dgm:txLinClrLst/>
+    <dgm:txFillClrLst meth="repeat">
+      <a:schemeClr val="lt1"/>
+    </dgm:txFillClrLst>
+    <dgm:txEffectClrLst/>
+  </dgm:styleLbl>
+  <dgm:styleLbl name="trBgShp">
+    <dgm:fillClrLst meth="repeat">
+      <a:schemeClr val="accent2">
+        <a:tint val="50000"/>
+        <a:alpha val="40000"/>
+      </a:schemeClr>
+    </dgm:fillClrLst>
+    <dgm:linClrLst meth="repeat">
+      <a:schemeClr val="accent2"/>
+    </dgm:linClrLst>
+    <dgm:effectClrLst/>
+    <dgm:txLinClrLst/>
+    <dgm:txFillClrLst meth="repeat">
+      <a:schemeClr val="lt1"/>
+    </dgm:txFillClrLst>
+    <dgm:txEffectClrLst/>
+  </dgm:styleLbl>
+  <dgm:styleLbl name="fgShp">
+    <dgm:fillClrLst meth="repeat">
+      <a:schemeClr val="accent2">
+        <a:tint val="60000"/>
+      </a:schemeClr>
+    </dgm:fillClrLst>
+    <dgm:linClrLst meth="repeat">
+      <a:schemeClr val="lt1"/>
+    </dgm:linClrLst>
+    <dgm:effectClrLst/>
+    <dgm:txLinClrLst/>
+    <dgm:txFillClrLst meth="repeat">
+      <a:schemeClr val="dk1"/>
+    </dgm:txFillClrLst>
+    <dgm:txEffectClrLst/>
+  </dgm:styleLbl>
+  <dgm:styleLbl name="revTx">
+    <dgm:fillClrLst meth="repeat">
+      <a:schemeClr val="lt1">
+        <a:alpha val="0"/>
+      </a:schemeClr>
+    </dgm:fillClrLst>
+    <dgm:linClrLst meth="repeat">
+      <a:schemeClr val="dk1">
+        <a:alpha val="0"/>
+      </a:schemeClr>
+    </dgm:linClrLst>
+    <dgm:effectClrLst/>
+    <dgm:txLinClrLst/>
+    <dgm:txFillClrLst meth="repeat">
+      <a:schemeClr val="tx1"/>
+    </dgm:txFillClrLst>
+    <dgm:txEffectClrLst/>
+  </dgm:styleLbl>
+</dgm:colorsDef>
+</file>
+
+<file path=ppt/diagrams/colors7.xml><?xml version="1.0" encoding="utf-8"?>
 <dgm:colorsDef xmlns:dgm="http://schemas.openxmlformats.org/drawingml/2006/diagram" xmlns:a="http://schemas.openxmlformats.org/drawingml/2006/main" uniqueId="urn:microsoft.com/office/officeart/2005/8/colors/accent2_2">
   <dgm:title val=""/>
   <dgm:desc val=""/>
@@ -5833,10 +6581,9 @@
         <a:lstStyle/>
         <a:p>
           <a:r>
-            <a:rPr lang="fr-FR" dirty="0"/>
-            <a:t>Génération aléatoire des niveaux</a:t>
+            <a:rPr lang="en-US" dirty="0"/>
+            <a:t>Le temps</a:t>
           </a:r>
-          <a:endParaRPr lang="en-US" dirty="0"/>
         </a:p>
       </dgm:t>
     </dgm:pt>
@@ -5922,7 +6669,7 @@
       <dgm:spPr/>
     </dgm:pt>
     <dgm:pt modelId="{321956AE-74F3-49AC-9D66-F6405DBDCF84}" type="pres">
-      <dgm:prSet presAssocID="{5BDDA11E-408B-46F3-9205-6CB38E027902}" presName="parentText" presStyleLbl="node1" presStyleIdx="1" presStyleCnt="3">
+      <dgm:prSet presAssocID="{5BDDA11E-408B-46F3-9205-6CB38E027902}" presName="parentText" presStyleLbl="node1" presStyleIdx="1" presStyleCnt="3" custLinFactY="89563" custLinFactNeighborX="262" custLinFactNeighborY="100000">
         <dgm:presLayoutVars>
           <dgm:chMax val="0"/>
           <dgm:bulletEnabled val="1"/>
@@ -5935,7 +6682,7 @@
       <dgm:spPr/>
     </dgm:pt>
     <dgm:pt modelId="{AA8189F0-6CBD-4F5A-A35E-39B4FCF16DDF}" type="pres">
-      <dgm:prSet presAssocID="{B83BB2D1-2AAA-487E-96D2-4E08C1B4B870}" presName="parentText" presStyleLbl="node1" presStyleIdx="2" presStyleCnt="3">
+      <dgm:prSet presAssocID="{B83BB2D1-2AAA-487E-96D2-4E08C1B4B870}" presName="parentText" presStyleLbl="node1" presStyleIdx="2" presStyleCnt="3" custLinFactY="-100000" custLinFactNeighborX="967" custLinFactNeighborY="-132313">
         <dgm:presLayoutVars>
           <dgm:chMax val="0"/>
           <dgm:bulletEnabled val="1"/>
@@ -5990,8 +6737,20 @@
         <a:lstStyle/>
         <a:p>
           <a:r>
+            <a:rPr lang="en-US" dirty="0" err="1"/>
+            <a:t>Monstres</a:t>
+          </a:r>
+          <a:r>
             <a:rPr lang="en-US" dirty="0"/>
-            <a:t>&lt;description du bug&gt;</a:t>
+            <a:t> sur la </a:t>
+          </a:r>
+          <a:r>
+            <a:rPr lang="en-US" dirty="0" err="1"/>
+            <a:t>même</a:t>
+          </a:r>
+          <a:r>
+            <a:rPr lang="en-US" dirty="0"/>
+            <a:t> cases</a:t>
           </a:r>
         </a:p>
       </dgm:t>
@@ -6026,8 +6785,12 @@
         <a:lstStyle/>
         <a:p>
           <a:r>
+            <a:rPr lang="en-US" dirty="0" err="1"/>
+            <a:t>Monstre</a:t>
+          </a:r>
+          <a:r>
             <a:rPr lang="en-US" dirty="0"/>
-            <a:t>&lt;description du bug&gt;</a:t>
+            <a:t> sur la case de fin</a:t>
           </a:r>
           <a:endParaRPr lang="fr-CH" dirty="0"/>
         </a:p>
@@ -6100,8 +6863,13 @@
         <a:p>
           <a:r>
             <a:rPr lang="en-US" dirty="0"/>
-            <a:t>&lt;description du bug&gt;</a:t>
+            <a:t>Fin de </a:t>
           </a:r>
+          <a:r>
+            <a:rPr lang="en-US" dirty="0" err="1"/>
+            <a:t>partie</a:t>
+          </a:r>
+          <a:endParaRPr lang="en-US" dirty="0"/>
         </a:p>
       </dgm:t>
     </dgm:pt>
@@ -6567,6 +7335,262 @@
     <dgm:cxn modelId="{7927AC00-AD3E-4DE6-BDA3-EF1C595FA848}" type="presParOf" srcId="{5223BB6B-9A67-4404-AE47-2D9D9A73853E}" destId="{F54D4252-EEE8-4EAD-8CE8-5A64A3D7508E}" srcOrd="6" destOrd="0" presId="urn:microsoft.com/office/officeart/2005/8/layout/vList2"/>
     <dgm:cxn modelId="{AE2B0E3B-331A-4138-A941-DD16606A272C}" type="presParOf" srcId="{5223BB6B-9A67-4404-AE47-2D9D9A73853E}" destId="{B8750CA3-8CFD-410E-AEAA-DA3E10AA50D7}" srcOrd="7" destOrd="0" presId="urn:microsoft.com/office/officeart/2005/8/layout/vList2"/>
     <dgm:cxn modelId="{566F63C1-1DD1-4886-BCCD-B0FE7D87E5D8}" type="presParOf" srcId="{5223BB6B-9A67-4404-AE47-2D9D9A73853E}" destId="{B99B485E-548B-414F-9C01-B2CD04BD8C13}" srcOrd="8" destOrd="0" presId="urn:microsoft.com/office/officeart/2005/8/layout/vList2"/>
+  </dgm:cxnLst>
+  <dgm:bg/>
+  <dgm:whole/>
+  <dgm:extLst>
+    <a:ext uri="http://schemas.microsoft.com/office/drawing/2008/diagram">
+      <dsp:dataModelExt xmlns:dsp="http://schemas.microsoft.com/office/drawing/2008/diagram" relId="rId8" minVer="http://schemas.openxmlformats.org/drawingml/2006/diagram"/>
+    </a:ext>
+  </dgm:extLst>
+</dgm:dataModel>
+</file>
+
+<file path=ppt/diagrams/data7.xml><?xml version="1.0" encoding="utf-8"?>
+<dgm:dataModel xmlns:dgm="http://schemas.openxmlformats.org/drawingml/2006/diagram" xmlns:a="http://schemas.openxmlformats.org/drawingml/2006/main">
+  <dgm:ptLst>
+    <dgm:pt modelId="{EE2C5244-ED42-4B53-8BE9-7700BF10BFBC}" type="doc">
+      <dgm:prSet loTypeId="urn:microsoft.com/office/officeart/2005/8/layout/vList2" loCatId="list" qsTypeId="urn:microsoft.com/office/officeart/2005/8/quickstyle/simple4" qsCatId="simple" csTypeId="urn:microsoft.com/office/officeart/2005/8/colors/accent2_2" csCatId="accent2" phldr="1"/>
+      <dgm:spPr/>
+      <dgm:t>
+        <a:bodyPr/>
+        <a:lstStyle/>
+        <a:p>
+          <a:endParaRPr lang="en-US"/>
+        </a:p>
+      </dgm:t>
+    </dgm:pt>
+    <dgm:pt modelId="{58A5EE24-FE3D-426F-B2DA-48B4290928E4}">
+      <dgm:prSet/>
+      <dgm:spPr/>
+      <dgm:t>
+        <a:bodyPr/>
+        <a:lstStyle/>
+        <a:p>
+          <a:r>
+            <a:rPr lang="fr-CH" noProof="0" dirty="0"/>
+            <a:t>Labyrinthe</a:t>
+          </a:r>
+          <a:r>
+            <a:rPr lang="en-US" dirty="0"/>
+            <a:t> plus grand</a:t>
+          </a:r>
+        </a:p>
+      </dgm:t>
+    </dgm:pt>
+    <dgm:pt modelId="{206FA24C-06F7-4337-B322-3603A26EAB4A}" type="parTrans" cxnId="{88A1934D-0342-4885-A4C7-141E406D6592}">
+      <dgm:prSet/>
+      <dgm:spPr/>
+      <dgm:t>
+        <a:bodyPr/>
+        <a:lstStyle/>
+        <a:p>
+          <a:endParaRPr lang="en-US"/>
+        </a:p>
+      </dgm:t>
+    </dgm:pt>
+    <dgm:pt modelId="{D98E67D3-080A-4068-9083-18EA0B1A56AB}" type="sibTrans" cxnId="{88A1934D-0342-4885-A4C7-141E406D6592}">
+      <dgm:prSet/>
+      <dgm:spPr/>
+      <dgm:t>
+        <a:bodyPr/>
+        <a:lstStyle/>
+        <a:p>
+          <a:endParaRPr lang="en-US"/>
+        </a:p>
+      </dgm:t>
+    </dgm:pt>
+    <dgm:pt modelId="{6F6C3012-BD25-4191-8B19-B1A086039EC0}">
+      <dgm:prSet/>
+      <dgm:spPr/>
+      <dgm:t>
+        <a:bodyPr/>
+        <a:lstStyle/>
+        <a:p>
+          <a:r>
+            <a:rPr lang="fr-CH" dirty="0"/>
+            <a:t>Équilibrage</a:t>
+          </a:r>
+        </a:p>
+      </dgm:t>
+    </dgm:pt>
+    <dgm:pt modelId="{D611DE4E-39F5-43BD-A8E7-21B58C12B0EA}" type="parTrans" cxnId="{F1F2C5E4-3A92-4B32-B346-62A1306B66F5}">
+      <dgm:prSet/>
+      <dgm:spPr/>
+      <dgm:t>
+        <a:bodyPr/>
+        <a:lstStyle/>
+        <a:p>
+          <a:endParaRPr lang="fr-CH"/>
+        </a:p>
+      </dgm:t>
+    </dgm:pt>
+    <dgm:pt modelId="{D4D8658E-5F0C-4FAF-9621-DDFFAFB710BE}" type="sibTrans" cxnId="{F1F2C5E4-3A92-4B32-B346-62A1306B66F5}">
+      <dgm:prSet/>
+      <dgm:spPr/>
+      <dgm:t>
+        <a:bodyPr/>
+        <a:lstStyle/>
+        <a:p>
+          <a:endParaRPr lang="fr-CH"/>
+        </a:p>
+      </dgm:t>
+    </dgm:pt>
+    <dgm:pt modelId="{FC9745F2-6026-4914-9734-FC6D2483C9DF}">
+      <dgm:prSet/>
+      <dgm:spPr/>
+      <dgm:t>
+        <a:bodyPr/>
+        <a:lstStyle/>
+        <a:p>
+          <a:r>
+            <a:rPr lang="fr-CH" noProof="0" dirty="0"/>
+            <a:t>Amélioration du bestiaire</a:t>
+          </a:r>
+        </a:p>
+      </dgm:t>
+    </dgm:pt>
+    <dgm:pt modelId="{39E81F40-839F-49D7-B6DF-D19C6BE52603}" type="sibTrans" cxnId="{FAD53FD2-987C-4AED-AC69-637D3C6A623F}">
+      <dgm:prSet/>
+      <dgm:spPr/>
+      <dgm:t>
+        <a:bodyPr/>
+        <a:lstStyle/>
+        <a:p>
+          <a:endParaRPr lang="en-US"/>
+        </a:p>
+      </dgm:t>
+    </dgm:pt>
+    <dgm:pt modelId="{5969D1A2-C128-4C18-A74B-EA325D970D60}" type="parTrans" cxnId="{FAD53FD2-987C-4AED-AC69-637D3C6A623F}">
+      <dgm:prSet/>
+      <dgm:spPr/>
+      <dgm:t>
+        <a:bodyPr/>
+        <a:lstStyle/>
+        <a:p>
+          <a:endParaRPr lang="en-US"/>
+        </a:p>
+      </dgm:t>
+    </dgm:pt>
+    <dgm:pt modelId="{42EB0B34-EDA3-42CB-92DC-1DCC1A52D515}">
+      <dgm:prSet/>
+      <dgm:spPr/>
+      <dgm:t>
+        <a:bodyPr/>
+        <a:lstStyle/>
+        <a:p>
+          <a:r>
+            <a:rPr lang="fr-CH" noProof="0" dirty="0"/>
+            <a:t>Génération</a:t>
+          </a:r>
+          <a:r>
+            <a:rPr lang="en-US" dirty="0"/>
+            <a:t> </a:t>
+          </a:r>
+          <a:r>
+            <a:rPr lang="fr-CH" noProof="0" dirty="0"/>
+            <a:t>aléatoire</a:t>
+          </a:r>
+        </a:p>
+      </dgm:t>
+    </dgm:pt>
+    <dgm:pt modelId="{F3250E5B-03EC-4DA7-9996-0C13EEF8723C}" type="parTrans" cxnId="{DEB468D7-0E5B-4B6A-A48F-3771DFCA2B21}">
+      <dgm:prSet/>
+      <dgm:spPr/>
+      <dgm:t>
+        <a:bodyPr/>
+        <a:lstStyle/>
+        <a:p>
+          <a:endParaRPr lang="fr-CH"/>
+        </a:p>
+      </dgm:t>
+    </dgm:pt>
+    <dgm:pt modelId="{8ACB3D2C-A745-4276-826A-A77F916BD0BF}" type="sibTrans" cxnId="{DEB468D7-0E5B-4B6A-A48F-3771DFCA2B21}">
+      <dgm:prSet/>
+      <dgm:spPr/>
+      <dgm:t>
+        <a:bodyPr/>
+        <a:lstStyle/>
+        <a:p>
+          <a:endParaRPr lang="fr-CH"/>
+        </a:p>
+      </dgm:t>
+    </dgm:pt>
+    <dgm:pt modelId="{5223BB6B-9A67-4404-AE47-2D9D9A73853E}" type="pres">
+      <dgm:prSet presAssocID="{EE2C5244-ED42-4B53-8BE9-7700BF10BFBC}" presName="linear" presStyleCnt="0">
+        <dgm:presLayoutVars>
+          <dgm:animLvl val="lvl"/>
+          <dgm:resizeHandles val="exact"/>
+        </dgm:presLayoutVars>
+      </dgm:prSet>
+      <dgm:spPr/>
+    </dgm:pt>
+    <dgm:pt modelId="{61340AAD-BD36-4374-9C5C-F2457B6CB73A}" type="pres">
+      <dgm:prSet presAssocID="{58A5EE24-FE3D-426F-B2DA-48B4290928E4}" presName="parentText" presStyleLbl="node1" presStyleIdx="0" presStyleCnt="4">
+        <dgm:presLayoutVars>
+          <dgm:chMax val="0"/>
+          <dgm:bulletEnabled val="1"/>
+        </dgm:presLayoutVars>
+      </dgm:prSet>
+      <dgm:spPr/>
+    </dgm:pt>
+    <dgm:pt modelId="{334BFFD2-F565-4676-A724-6BB93F26B899}" type="pres">
+      <dgm:prSet presAssocID="{D98E67D3-080A-4068-9083-18EA0B1A56AB}" presName="spacer" presStyleCnt="0"/>
+      <dgm:spPr/>
+    </dgm:pt>
+    <dgm:pt modelId="{9F10EE78-B610-4083-B655-E1D7862E2752}" type="pres">
+      <dgm:prSet presAssocID="{42EB0B34-EDA3-42CB-92DC-1DCC1A52D515}" presName="parentText" presStyleLbl="node1" presStyleIdx="1" presStyleCnt="4">
+        <dgm:presLayoutVars>
+          <dgm:chMax val="0"/>
+          <dgm:bulletEnabled val="1"/>
+        </dgm:presLayoutVars>
+      </dgm:prSet>
+      <dgm:spPr/>
+    </dgm:pt>
+    <dgm:pt modelId="{923BE817-0845-487D-8131-5F3F258CDEAD}" type="pres">
+      <dgm:prSet presAssocID="{8ACB3D2C-A745-4276-826A-A77F916BD0BF}" presName="spacer" presStyleCnt="0"/>
+      <dgm:spPr/>
+    </dgm:pt>
+    <dgm:pt modelId="{90ED3BEE-B842-483E-A02D-CA2A5DB7BA49}" type="pres">
+      <dgm:prSet presAssocID="{6F6C3012-BD25-4191-8B19-B1A086039EC0}" presName="parentText" presStyleLbl="node1" presStyleIdx="2" presStyleCnt="4">
+        <dgm:presLayoutVars>
+          <dgm:chMax val="0"/>
+          <dgm:bulletEnabled val="1"/>
+        </dgm:presLayoutVars>
+      </dgm:prSet>
+      <dgm:spPr/>
+    </dgm:pt>
+    <dgm:pt modelId="{EED1DAA2-5EC2-4EEE-B292-5A3EDDA37574}" type="pres">
+      <dgm:prSet presAssocID="{D4D8658E-5F0C-4FAF-9621-DDFFAFB710BE}" presName="spacer" presStyleCnt="0"/>
+      <dgm:spPr/>
+    </dgm:pt>
+    <dgm:pt modelId="{F54D4252-EEE8-4EAD-8CE8-5A64A3D7508E}" type="pres">
+      <dgm:prSet presAssocID="{FC9745F2-6026-4914-9734-FC6D2483C9DF}" presName="parentText" presStyleLbl="node1" presStyleIdx="3" presStyleCnt="4" custLinFactNeighborY="178">
+        <dgm:presLayoutVars>
+          <dgm:chMax val="0"/>
+          <dgm:bulletEnabled val="1"/>
+        </dgm:presLayoutVars>
+      </dgm:prSet>
+      <dgm:spPr/>
+    </dgm:pt>
+  </dgm:ptLst>
+  <dgm:cxnLst>
+    <dgm:cxn modelId="{B4CA5D36-FC29-4653-B572-8F3378A8F8B8}" type="presOf" srcId="{FC9745F2-6026-4914-9734-FC6D2483C9DF}" destId="{F54D4252-EEE8-4EAD-8CE8-5A64A3D7508E}" srcOrd="0" destOrd="0" presId="urn:microsoft.com/office/officeart/2005/8/layout/vList2"/>
+    <dgm:cxn modelId="{88A1934D-0342-4885-A4C7-141E406D6592}" srcId="{EE2C5244-ED42-4B53-8BE9-7700BF10BFBC}" destId="{58A5EE24-FE3D-426F-B2DA-48B4290928E4}" srcOrd="0" destOrd="0" parTransId="{206FA24C-06F7-4337-B322-3603A26EAB4A}" sibTransId="{D98E67D3-080A-4068-9083-18EA0B1A56AB}"/>
+    <dgm:cxn modelId="{B1B17271-C1A8-49B2-95E1-0FCFF949CCBC}" type="presOf" srcId="{EE2C5244-ED42-4B53-8BE9-7700BF10BFBC}" destId="{5223BB6B-9A67-4404-AE47-2D9D9A73853E}" srcOrd="0" destOrd="0" presId="urn:microsoft.com/office/officeart/2005/8/layout/vList2"/>
+    <dgm:cxn modelId="{67D2C7C3-20A5-4969-BEDE-16CFD0AB1952}" type="presOf" srcId="{6F6C3012-BD25-4191-8B19-B1A086039EC0}" destId="{90ED3BEE-B842-483E-A02D-CA2A5DB7BA49}" srcOrd="0" destOrd="0" presId="urn:microsoft.com/office/officeart/2005/8/layout/vList2"/>
+    <dgm:cxn modelId="{5C5450D0-A982-4C02-8EEB-0A9CC953EFB8}" type="presOf" srcId="{42EB0B34-EDA3-42CB-92DC-1DCC1A52D515}" destId="{9F10EE78-B610-4083-B655-E1D7862E2752}" srcOrd="0" destOrd="0" presId="urn:microsoft.com/office/officeart/2005/8/layout/vList2"/>
+    <dgm:cxn modelId="{FAD53FD2-987C-4AED-AC69-637D3C6A623F}" srcId="{EE2C5244-ED42-4B53-8BE9-7700BF10BFBC}" destId="{FC9745F2-6026-4914-9734-FC6D2483C9DF}" srcOrd="3" destOrd="0" parTransId="{5969D1A2-C128-4C18-A74B-EA325D970D60}" sibTransId="{39E81F40-839F-49D7-B6DF-D19C6BE52603}"/>
+    <dgm:cxn modelId="{DEB468D7-0E5B-4B6A-A48F-3771DFCA2B21}" srcId="{EE2C5244-ED42-4B53-8BE9-7700BF10BFBC}" destId="{42EB0B34-EDA3-42CB-92DC-1DCC1A52D515}" srcOrd="1" destOrd="0" parTransId="{F3250E5B-03EC-4DA7-9996-0C13EEF8723C}" sibTransId="{8ACB3D2C-A745-4276-826A-A77F916BD0BF}"/>
+    <dgm:cxn modelId="{0EE52FE3-D0E6-47F3-91EF-E138F1A98D2B}" type="presOf" srcId="{58A5EE24-FE3D-426F-B2DA-48B4290928E4}" destId="{61340AAD-BD36-4374-9C5C-F2457B6CB73A}" srcOrd="0" destOrd="0" presId="urn:microsoft.com/office/officeart/2005/8/layout/vList2"/>
+    <dgm:cxn modelId="{F1F2C5E4-3A92-4B32-B346-62A1306B66F5}" srcId="{EE2C5244-ED42-4B53-8BE9-7700BF10BFBC}" destId="{6F6C3012-BD25-4191-8B19-B1A086039EC0}" srcOrd="2" destOrd="0" parTransId="{D611DE4E-39F5-43BD-A8E7-21B58C12B0EA}" sibTransId="{D4D8658E-5F0C-4FAF-9621-DDFFAFB710BE}"/>
+    <dgm:cxn modelId="{178A1AAE-79F4-4423-AB6A-2FB4C5D41EAE}" type="presParOf" srcId="{5223BB6B-9A67-4404-AE47-2D9D9A73853E}" destId="{61340AAD-BD36-4374-9C5C-F2457B6CB73A}" srcOrd="0" destOrd="0" presId="urn:microsoft.com/office/officeart/2005/8/layout/vList2"/>
+    <dgm:cxn modelId="{3DB947CA-9D39-45E8-9034-995A218C7357}" type="presParOf" srcId="{5223BB6B-9A67-4404-AE47-2D9D9A73853E}" destId="{334BFFD2-F565-4676-A724-6BB93F26B899}" srcOrd="1" destOrd="0" presId="urn:microsoft.com/office/officeart/2005/8/layout/vList2"/>
+    <dgm:cxn modelId="{813ED7D3-B99D-4A06-AF8E-1992D20A1D23}" type="presParOf" srcId="{5223BB6B-9A67-4404-AE47-2D9D9A73853E}" destId="{9F10EE78-B610-4083-B655-E1D7862E2752}" srcOrd="2" destOrd="0" presId="urn:microsoft.com/office/officeart/2005/8/layout/vList2"/>
+    <dgm:cxn modelId="{7D849D16-2DB7-41D5-A20C-19AC2E9754D4}" type="presParOf" srcId="{5223BB6B-9A67-4404-AE47-2D9D9A73853E}" destId="{923BE817-0845-487D-8131-5F3F258CDEAD}" srcOrd="3" destOrd="0" presId="urn:microsoft.com/office/officeart/2005/8/layout/vList2"/>
+    <dgm:cxn modelId="{AD197921-1198-4765-B2FB-1DF0953EB600}" type="presParOf" srcId="{5223BB6B-9A67-4404-AE47-2D9D9A73853E}" destId="{90ED3BEE-B842-483E-A02D-CA2A5DB7BA49}" srcOrd="4" destOrd="0" presId="urn:microsoft.com/office/officeart/2005/8/layout/vList2"/>
+    <dgm:cxn modelId="{86611374-3286-401C-9C28-22BE2770E817}" type="presParOf" srcId="{5223BB6B-9A67-4404-AE47-2D9D9A73853E}" destId="{EED1DAA2-5EC2-4EEE-B292-5A3EDDA37574}" srcOrd="5" destOrd="0" presId="urn:microsoft.com/office/officeart/2005/8/layout/vList2"/>
+    <dgm:cxn modelId="{7927AC00-AD3E-4DE6-BDA3-EF1C595FA848}" type="presParOf" srcId="{5223BB6B-9A67-4404-AE47-2D9D9A73853E}" destId="{F54D4252-EEE8-4EAD-8CE8-5A64A3D7508E}" srcOrd="6" destOrd="0" presId="urn:microsoft.com/office/officeart/2005/8/layout/vList2"/>
   </dgm:cxnLst>
   <dgm:bg/>
   <dgm:whole/>
@@ -8361,8 +9385,8 @@
       </dsp:nvSpPr>
       <dsp:spPr>
         <a:xfrm>
-          <a:off x="0" y="14894"/>
-          <a:ext cx="6692813" cy="1521000"/>
+          <a:off x="0" y="892394"/>
+          <a:ext cx="6692813" cy="936000"/>
         </a:xfrm>
         <a:prstGeom prst="roundRect">
           <a:avLst/>
@@ -8443,8 +9467,8 @@
         </a:p>
       </dsp:txBody>
       <dsp:txXfrm>
-        <a:off x="74249" y="89143"/>
-        <a:ext cx="6544315" cy="1372502"/>
+        <a:off x="45692" y="938086"/>
+        <a:ext cx="6601429" cy="844616"/>
       </dsp:txXfrm>
     </dsp:sp>
     <dsp:sp modelId="{321956AE-74F3-49AC-9D66-F6405DBDCF84}">
@@ -8454,8 +9478,8 @@
       </dsp:nvSpPr>
       <dsp:spPr>
         <a:xfrm>
-          <a:off x="0" y="1651094"/>
-          <a:ext cx="6692813" cy="1521000"/>
+          <a:off x="0" y="2897104"/>
+          <a:ext cx="6692813" cy="936000"/>
         </a:xfrm>
         <a:prstGeom prst="roundRect">
           <a:avLst/>
@@ -8529,15 +9553,14 @@
             <a:buNone/>
           </a:pPr>
           <a:r>
-            <a:rPr lang="fr-FR" sz="4000" kern="1200" dirty="0"/>
-            <a:t>Génération aléatoire des niveaux</a:t>
+            <a:rPr lang="en-US" sz="4000" kern="1200" dirty="0"/>
+            <a:t>Le temps</a:t>
           </a:r>
-          <a:endParaRPr lang="en-US" sz="4000" kern="1200" dirty="0"/>
         </a:p>
       </dsp:txBody>
       <dsp:txXfrm>
-        <a:off x="74249" y="1725343"/>
-        <a:ext cx="6544315" cy="1372502"/>
+        <a:off x="45692" y="2942796"/>
+        <a:ext cx="6601429" cy="844616"/>
       </dsp:txXfrm>
     </dsp:sp>
     <dsp:sp modelId="{AA8189F0-6CBD-4F5A-A35E-39B4FCF16DDF}">
@@ -8547,8 +9570,8 @@
       </dsp:nvSpPr>
       <dsp:spPr>
         <a:xfrm>
-          <a:off x="0" y="3287295"/>
-          <a:ext cx="6692813" cy="1521000"/>
+          <a:off x="0" y="1906370"/>
+          <a:ext cx="6692813" cy="936000"/>
         </a:xfrm>
         <a:prstGeom prst="roundRect">
           <a:avLst/>
@@ -8629,8 +9652,8 @@
         </a:p>
       </dsp:txBody>
       <dsp:txXfrm>
-        <a:off x="74249" y="3361544"/>
-        <a:ext cx="6544315" cy="1372502"/>
+        <a:off x="45692" y="1952062"/>
+        <a:ext cx="6601429" cy="844616"/>
       </dsp:txXfrm>
     </dsp:sp>
   </dsp:spTree>
@@ -8727,8 +9750,20 @@
             <a:buNone/>
           </a:pPr>
           <a:r>
+            <a:rPr lang="en-US" sz="3700" kern="1200" dirty="0" err="1"/>
+            <a:t>Monstres</a:t>
+          </a:r>
+          <a:r>
             <a:rPr lang="en-US" sz="3700" kern="1200" dirty="0"/>
-            <a:t>&lt;description du bug&gt;</a:t>
+            <a:t> sur la </a:t>
+          </a:r>
+          <a:r>
+            <a:rPr lang="en-US" sz="3700" kern="1200" dirty="0" err="1"/>
+            <a:t>même</a:t>
+          </a:r>
+          <a:r>
+            <a:rPr lang="en-US" sz="3700" kern="1200" dirty="0"/>
+            <a:t> cases</a:t>
           </a:r>
         </a:p>
       </dsp:txBody>
@@ -8820,8 +9855,13 @@
           </a:pPr>
           <a:r>
             <a:rPr lang="en-US" sz="3700" kern="1200" dirty="0"/>
-            <a:t>&lt;description du bug&gt;</a:t>
+            <a:t>Fin de </a:t>
           </a:r>
+          <a:r>
+            <a:rPr lang="en-US" sz="3700" kern="1200" dirty="0" err="1"/>
+            <a:t>partie</a:t>
+          </a:r>
+          <a:endParaRPr lang="en-US" sz="3700" kern="1200" dirty="0"/>
         </a:p>
       </dsp:txBody>
       <dsp:txXfrm>
@@ -8911,8 +9951,12 @@
             <a:buNone/>
           </a:pPr>
           <a:r>
+            <a:rPr lang="en-US" sz="3700" kern="1200" dirty="0" err="1"/>
+            <a:t>Monstre</a:t>
+          </a:r>
+          <a:r>
             <a:rPr lang="en-US" sz="3700" kern="1200" dirty="0"/>
-            <a:t>&lt;description du bug&gt;</a:t>
+            <a:t> sur la case de fin</a:t>
           </a:r>
           <a:endParaRPr lang="fr-CH" sz="3700" kern="1200" dirty="0"/>
         </a:p>
@@ -9591,6 +10635,398 @@
       <dsp:txXfrm>
         <a:off x="42265" y="3965680"/>
         <a:ext cx="6608283" cy="781270"/>
+      </dsp:txXfrm>
+    </dsp:sp>
+  </dsp:spTree>
+</dsp:drawing>
+</file>
+
+<file path=ppt/diagrams/drawing7.xml><?xml version="1.0" encoding="utf-8"?>
+<dsp:drawing xmlns:dgm="http://schemas.openxmlformats.org/drawingml/2006/diagram" xmlns:dsp="http://schemas.microsoft.com/office/drawing/2008/diagram" xmlns:a="http://schemas.openxmlformats.org/drawingml/2006/main">
+  <dsp:spTree>
+    <dsp:nvGrpSpPr>
+      <dsp:cNvPr id="0" name=""/>
+      <dsp:cNvGrpSpPr/>
+    </dsp:nvGrpSpPr>
+    <dsp:grpSpPr/>
+    <dsp:sp modelId="{61340AAD-BD36-4374-9C5C-F2457B6CB73A}">
+      <dsp:nvSpPr>
+        <dsp:cNvPr id="0" name=""/>
+        <dsp:cNvSpPr/>
+      </dsp:nvSpPr>
+      <dsp:spPr>
+        <a:xfrm>
+          <a:off x="0" y="213434"/>
+          <a:ext cx="6692813" cy="1006200"/>
+        </a:xfrm>
+        <a:prstGeom prst="roundRect">
+          <a:avLst/>
+        </a:prstGeom>
+        <a:gradFill rotWithShape="0">
+          <a:gsLst>
+            <a:gs pos="0">
+              <a:schemeClr val="accent2">
+                <a:hueOff val="0"/>
+                <a:satOff val="0"/>
+                <a:lumOff val="0"/>
+                <a:alphaOff val="0"/>
+                <a:tint val="96000"/>
+                <a:lumMod val="100000"/>
+              </a:schemeClr>
+            </a:gs>
+            <a:gs pos="78000">
+              <a:schemeClr val="accent2">
+                <a:hueOff val="0"/>
+                <a:satOff val="0"/>
+                <a:lumOff val="0"/>
+                <a:alphaOff val="0"/>
+                <a:shade val="94000"/>
+                <a:lumMod val="94000"/>
+              </a:schemeClr>
+            </a:gs>
+          </a:gsLst>
+          <a:lin ang="5400000" scaled="0"/>
+        </a:gradFill>
+        <a:ln>
+          <a:noFill/>
+        </a:ln>
+        <a:effectLst>
+          <a:outerShdw blurRad="38100" dist="25400" dir="5400000" rotWithShape="0">
+            <a:srgbClr val="000000">
+              <a:alpha val="35000"/>
+            </a:srgbClr>
+          </a:outerShdw>
+        </a:effectLst>
+      </dsp:spPr>
+      <dsp:style>
+        <a:lnRef idx="0">
+          <a:scrgbClr r="0" g="0" b="0"/>
+        </a:lnRef>
+        <a:fillRef idx="3">
+          <a:scrgbClr r="0" g="0" b="0"/>
+        </a:fillRef>
+        <a:effectRef idx="2">
+          <a:scrgbClr r="0" g="0" b="0"/>
+        </a:effectRef>
+        <a:fontRef idx="minor">
+          <a:schemeClr val="lt1"/>
+        </a:fontRef>
+      </dsp:style>
+      <dsp:txBody>
+        <a:bodyPr spcFirstLastPara="0" vert="horz" wrap="square" lIns="163830" tIns="163830" rIns="163830" bIns="163830" numCol="1" spcCol="1270" anchor="ctr" anchorCtr="0">
+          <a:noAutofit/>
+        </a:bodyPr>
+        <a:lstStyle/>
+        <a:p>
+          <a:pPr marL="0" lvl="0" indent="0" algn="l" defTabSz="1911350">
+            <a:lnSpc>
+              <a:spcPct val="90000"/>
+            </a:lnSpc>
+            <a:spcBef>
+              <a:spcPct val="0"/>
+            </a:spcBef>
+            <a:spcAft>
+              <a:spcPct val="35000"/>
+            </a:spcAft>
+            <a:buNone/>
+          </a:pPr>
+          <a:r>
+            <a:rPr lang="fr-CH" sz="4300" kern="1200" noProof="0" dirty="0"/>
+            <a:t>Labyrinthe</a:t>
+          </a:r>
+          <a:r>
+            <a:rPr lang="en-US" sz="4300" kern="1200" dirty="0"/>
+            <a:t> plus grand</a:t>
+          </a:r>
+        </a:p>
+      </dsp:txBody>
+      <dsp:txXfrm>
+        <a:off x="49119" y="262553"/>
+        <a:ext cx="6594575" cy="907962"/>
+      </dsp:txXfrm>
+    </dsp:sp>
+    <dsp:sp modelId="{9F10EE78-B610-4083-B655-E1D7862E2752}">
+      <dsp:nvSpPr>
+        <dsp:cNvPr id="0" name=""/>
+        <dsp:cNvSpPr/>
+      </dsp:nvSpPr>
+      <dsp:spPr>
+        <a:xfrm>
+          <a:off x="0" y="1343474"/>
+          <a:ext cx="6692813" cy="1006200"/>
+        </a:xfrm>
+        <a:prstGeom prst="roundRect">
+          <a:avLst/>
+        </a:prstGeom>
+        <a:gradFill rotWithShape="0">
+          <a:gsLst>
+            <a:gs pos="0">
+              <a:schemeClr val="accent2">
+                <a:hueOff val="0"/>
+                <a:satOff val="0"/>
+                <a:lumOff val="0"/>
+                <a:alphaOff val="0"/>
+                <a:tint val="96000"/>
+                <a:lumMod val="100000"/>
+              </a:schemeClr>
+            </a:gs>
+            <a:gs pos="78000">
+              <a:schemeClr val="accent2">
+                <a:hueOff val="0"/>
+                <a:satOff val="0"/>
+                <a:lumOff val="0"/>
+                <a:alphaOff val="0"/>
+                <a:shade val="94000"/>
+                <a:lumMod val="94000"/>
+              </a:schemeClr>
+            </a:gs>
+          </a:gsLst>
+          <a:lin ang="5400000" scaled="0"/>
+        </a:gradFill>
+        <a:ln>
+          <a:noFill/>
+        </a:ln>
+        <a:effectLst>
+          <a:outerShdw blurRad="38100" dist="25400" dir="5400000" rotWithShape="0">
+            <a:srgbClr val="000000">
+              <a:alpha val="35000"/>
+            </a:srgbClr>
+          </a:outerShdw>
+        </a:effectLst>
+      </dsp:spPr>
+      <dsp:style>
+        <a:lnRef idx="0">
+          <a:scrgbClr r="0" g="0" b="0"/>
+        </a:lnRef>
+        <a:fillRef idx="3">
+          <a:scrgbClr r="0" g="0" b="0"/>
+        </a:fillRef>
+        <a:effectRef idx="2">
+          <a:scrgbClr r="0" g="0" b="0"/>
+        </a:effectRef>
+        <a:fontRef idx="minor">
+          <a:schemeClr val="lt1"/>
+        </a:fontRef>
+      </dsp:style>
+      <dsp:txBody>
+        <a:bodyPr spcFirstLastPara="0" vert="horz" wrap="square" lIns="163830" tIns="163830" rIns="163830" bIns="163830" numCol="1" spcCol="1270" anchor="ctr" anchorCtr="0">
+          <a:noAutofit/>
+        </a:bodyPr>
+        <a:lstStyle/>
+        <a:p>
+          <a:pPr marL="0" lvl="0" indent="0" algn="l" defTabSz="1911350">
+            <a:lnSpc>
+              <a:spcPct val="90000"/>
+            </a:lnSpc>
+            <a:spcBef>
+              <a:spcPct val="0"/>
+            </a:spcBef>
+            <a:spcAft>
+              <a:spcPct val="35000"/>
+            </a:spcAft>
+            <a:buNone/>
+          </a:pPr>
+          <a:r>
+            <a:rPr lang="fr-CH" sz="4300" kern="1200" noProof="0" dirty="0"/>
+            <a:t>Génération</a:t>
+          </a:r>
+          <a:r>
+            <a:rPr lang="en-US" sz="4300" kern="1200" dirty="0"/>
+            <a:t> </a:t>
+          </a:r>
+          <a:r>
+            <a:rPr lang="fr-CH" sz="4300" kern="1200" noProof="0" dirty="0"/>
+            <a:t>aléatoire</a:t>
+          </a:r>
+        </a:p>
+      </dsp:txBody>
+      <dsp:txXfrm>
+        <a:off x="49119" y="1392593"/>
+        <a:ext cx="6594575" cy="907962"/>
+      </dsp:txXfrm>
+    </dsp:sp>
+    <dsp:sp modelId="{90ED3BEE-B842-483E-A02D-CA2A5DB7BA49}">
+      <dsp:nvSpPr>
+        <dsp:cNvPr id="0" name=""/>
+        <dsp:cNvSpPr/>
+      </dsp:nvSpPr>
+      <dsp:spPr>
+        <a:xfrm>
+          <a:off x="0" y="2473515"/>
+          <a:ext cx="6692813" cy="1006200"/>
+        </a:xfrm>
+        <a:prstGeom prst="roundRect">
+          <a:avLst/>
+        </a:prstGeom>
+        <a:gradFill rotWithShape="0">
+          <a:gsLst>
+            <a:gs pos="0">
+              <a:schemeClr val="accent2">
+                <a:hueOff val="0"/>
+                <a:satOff val="0"/>
+                <a:lumOff val="0"/>
+                <a:alphaOff val="0"/>
+                <a:tint val="96000"/>
+                <a:lumMod val="100000"/>
+              </a:schemeClr>
+            </a:gs>
+            <a:gs pos="78000">
+              <a:schemeClr val="accent2">
+                <a:hueOff val="0"/>
+                <a:satOff val="0"/>
+                <a:lumOff val="0"/>
+                <a:alphaOff val="0"/>
+                <a:shade val="94000"/>
+                <a:lumMod val="94000"/>
+              </a:schemeClr>
+            </a:gs>
+          </a:gsLst>
+          <a:lin ang="5400000" scaled="0"/>
+        </a:gradFill>
+        <a:ln>
+          <a:noFill/>
+        </a:ln>
+        <a:effectLst>
+          <a:outerShdw blurRad="38100" dist="25400" dir="5400000" rotWithShape="0">
+            <a:srgbClr val="000000">
+              <a:alpha val="35000"/>
+            </a:srgbClr>
+          </a:outerShdw>
+        </a:effectLst>
+      </dsp:spPr>
+      <dsp:style>
+        <a:lnRef idx="0">
+          <a:scrgbClr r="0" g="0" b="0"/>
+        </a:lnRef>
+        <a:fillRef idx="3">
+          <a:scrgbClr r="0" g="0" b="0"/>
+        </a:fillRef>
+        <a:effectRef idx="2">
+          <a:scrgbClr r="0" g="0" b="0"/>
+        </a:effectRef>
+        <a:fontRef idx="minor">
+          <a:schemeClr val="lt1"/>
+        </a:fontRef>
+      </dsp:style>
+      <dsp:txBody>
+        <a:bodyPr spcFirstLastPara="0" vert="horz" wrap="square" lIns="163830" tIns="163830" rIns="163830" bIns="163830" numCol="1" spcCol="1270" anchor="ctr" anchorCtr="0">
+          <a:noAutofit/>
+        </a:bodyPr>
+        <a:lstStyle/>
+        <a:p>
+          <a:pPr marL="0" lvl="0" indent="0" algn="l" defTabSz="1911350">
+            <a:lnSpc>
+              <a:spcPct val="90000"/>
+            </a:lnSpc>
+            <a:spcBef>
+              <a:spcPct val="0"/>
+            </a:spcBef>
+            <a:spcAft>
+              <a:spcPct val="35000"/>
+            </a:spcAft>
+            <a:buNone/>
+          </a:pPr>
+          <a:r>
+            <a:rPr lang="fr-CH" sz="4300" kern="1200" dirty="0"/>
+            <a:t>Équilibrage</a:t>
+          </a:r>
+        </a:p>
+      </dsp:txBody>
+      <dsp:txXfrm>
+        <a:off x="49119" y="2522634"/>
+        <a:ext cx="6594575" cy="907962"/>
+      </dsp:txXfrm>
+    </dsp:sp>
+    <dsp:sp modelId="{F54D4252-EEE8-4EAD-8CE8-5A64A3D7508E}">
+      <dsp:nvSpPr>
+        <dsp:cNvPr id="0" name=""/>
+        <dsp:cNvSpPr/>
+      </dsp:nvSpPr>
+      <dsp:spPr>
+        <a:xfrm>
+          <a:off x="0" y="3603775"/>
+          <a:ext cx="6692813" cy="1006200"/>
+        </a:xfrm>
+        <a:prstGeom prst="roundRect">
+          <a:avLst/>
+        </a:prstGeom>
+        <a:gradFill rotWithShape="0">
+          <a:gsLst>
+            <a:gs pos="0">
+              <a:schemeClr val="accent2">
+                <a:hueOff val="0"/>
+                <a:satOff val="0"/>
+                <a:lumOff val="0"/>
+                <a:alphaOff val="0"/>
+                <a:tint val="96000"/>
+                <a:lumMod val="100000"/>
+              </a:schemeClr>
+            </a:gs>
+            <a:gs pos="78000">
+              <a:schemeClr val="accent2">
+                <a:hueOff val="0"/>
+                <a:satOff val="0"/>
+                <a:lumOff val="0"/>
+                <a:alphaOff val="0"/>
+                <a:shade val="94000"/>
+                <a:lumMod val="94000"/>
+              </a:schemeClr>
+            </a:gs>
+          </a:gsLst>
+          <a:lin ang="5400000" scaled="0"/>
+        </a:gradFill>
+        <a:ln>
+          <a:noFill/>
+        </a:ln>
+        <a:effectLst>
+          <a:outerShdw blurRad="38100" dist="25400" dir="5400000" rotWithShape="0">
+            <a:srgbClr val="000000">
+              <a:alpha val="35000"/>
+            </a:srgbClr>
+          </a:outerShdw>
+        </a:effectLst>
+      </dsp:spPr>
+      <dsp:style>
+        <a:lnRef idx="0">
+          <a:scrgbClr r="0" g="0" b="0"/>
+        </a:lnRef>
+        <a:fillRef idx="3">
+          <a:scrgbClr r="0" g="0" b="0"/>
+        </a:fillRef>
+        <a:effectRef idx="2">
+          <a:scrgbClr r="0" g="0" b="0"/>
+        </a:effectRef>
+        <a:fontRef idx="minor">
+          <a:schemeClr val="lt1"/>
+        </a:fontRef>
+      </dsp:style>
+      <dsp:txBody>
+        <a:bodyPr spcFirstLastPara="0" vert="horz" wrap="square" lIns="163830" tIns="163830" rIns="163830" bIns="163830" numCol="1" spcCol="1270" anchor="ctr" anchorCtr="0">
+          <a:noAutofit/>
+        </a:bodyPr>
+        <a:lstStyle/>
+        <a:p>
+          <a:pPr marL="0" lvl="0" indent="0" algn="l" defTabSz="1911350">
+            <a:lnSpc>
+              <a:spcPct val="90000"/>
+            </a:lnSpc>
+            <a:spcBef>
+              <a:spcPct val="0"/>
+            </a:spcBef>
+            <a:spcAft>
+              <a:spcPct val="35000"/>
+            </a:spcAft>
+            <a:buNone/>
+          </a:pPr>
+          <a:r>
+            <a:rPr lang="fr-CH" sz="4300" kern="1200" noProof="0" dirty="0"/>
+            <a:t>Amélioration du bestiaire</a:t>
+          </a:r>
+        </a:p>
+      </dsp:txBody>
+      <dsp:txXfrm>
+        <a:off x="49119" y="3652894"/>
+        <a:ext cx="6594575" cy="907962"/>
       </dsp:txXfrm>
     </dsp:sp>
   </dsp:spTree>
@@ -10599,6 +12035,173 @@
 </dgm:layoutDef>
 </file>
 
+<file path=ppt/diagrams/layout7.xml><?xml version="1.0" encoding="utf-8"?>
+<dgm:layoutDef xmlns:dgm="http://schemas.openxmlformats.org/drawingml/2006/diagram" xmlns:a="http://schemas.openxmlformats.org/drawingml/2006/main" uniqueId="urn:microsoft.com/office/officeart/2005/8/layout/vList2">
+  <dgm:title val=""/>
+  <dgm:desc val=""/>
+  <dgm:catLst>
+    <dgm:cat type="list" pri="3000"/>
+    <dgm:cat type="convert" pri="1000"/>
+  </dgm:catLst>
+  <dgm:sampData>
+    <dgm:dataModel>
+      <dgm:ptLst>
+        <dgm:pt modelId="0" type="doc"/>
+        <dgm:pt modelId="1">
+          <dgm:prSet phldr="1"/>
+        </dgm:pt>
+        <dgm:pt modelId="11">
+          <dgm:prSet phldr="1"/>
+        </dgm:pt>
+        <dgm:pt modelId="2">
+          <dgm:prSet phldr="1"/>
+        </dgm:pt>
+        <dgm:pt modelId="21">
+          <dgm:prSet phldr="1"/>
+        </dgm:pt>
+      </dgm:ptLst>
+      <dgm:cxnLst>
+        <dgm:cxn modelId="4" srcId="0" destId="1" srcOrd="0" destOrd="0"/>
+        <dgm:cxn modelId="5" srcId="0" destId="2" srcOrd="1" destOrd="0"/>
+        <dgm:cxn modelId="12" srcId="1" destId="11" srcOrd="0" destOrd="0"/>
+        <dgm:cxn modelId="23" srcId="2" destId="21" srcOrd="0" destOrd="0"/>
+      </dgm:cxnLst>
+      <dgm:bg/>
+      <dgm:whole/>
+    </dgm:dataModel>
+  </dgm:sampData>
+  <dgm:styleData>
+    <dgm:dataModel>
+      <dgm:ptLst>
+        <dgm:pt modelId="0" type="doc"/>
+        <dgm:pt modelId="1"/>
+        <dgm:pt modelId="2"/>
+      </dgm:ptLst>
+      <dgm:cxnLst>
+        <dgm:cxn modelId="3" srcId="0" destId="1" srcOrd="0" destOrd="0"/>
+        <dgm:cxn modelId="4" srcId="0" destId="2" srcOrd="1" destOrd="0"/>
+      </dgm:cxnLst>
+      <dgm:bg/>
+      <dgm:whole/>
+    </dgm:dataModel>
+  </dgm:styleData>
+  <dgm:clrData>
+    <dgm:dataModel>
+      <dgm:ptLst>
+        <dgm:pt modelId="0" type="doc"/>
+        <dgm:pt modelId="1"/>
+        <dgm:pt modelId="2"/>
+        <dgm:pt modelId="3"/>
+        <dgm:pt modelId="4"/>
+      </dgm:ptLst>
+      <dgm:cxnLst>
+        <dgm:cxn modelId="5" srcId="0" destId="1" srcOrd="0" destOrd="0"/>
+        <dgm:cxn modelId="6" srcId="0" destId="2" srcOrd="1" destOrd="0"/>
+        <dgm:cxn modelId="7" srcId="0" destId="3" srcOrd="2" destOrd="0"/>
+        <dgm:cxn modelId="8" srcId="0" destId="4" srcOrd="3" destOrd="0"/>
+      </dgm:cxnLst>
+      <dgm:bg/>
+      <dgm:whole/>
+    </dgm:dataModel>
+  </dgm:clrData>
+  <dgm:layoutNode name="linear">
+    <dgm:varLst>
+      <dgm:animLvl val="lvl"/>
+      <dgm:resizeHandles val="exact"/>
+    </dgm:varLst>
+    <dgm:alg type="lin">
+      <dgm:param type="linDir" val="fromT"/>
+      <dgm:param type="vertAlign" val="mid"/>
+    </dgm:alg>
+    <dgm:shape xmlns:r="http://schemas.openxmlformats.org/officeDocument/2006/relationships" r:blip="">
+      <dgm:adjLst/>
+    </dgm:shape>
+    <dgm:presOf/>
+    <dgm:constrLst>
+      <dgm:constr type="w" for="ch" forName="parentText" refType="w"/>
+      <dgm:constr type="h" for="ch" forName="parentText" refType="primFontSz" refFor="ch" refForName="parentText" fact="0.52"/>
+      <dgm:constr type="w" for="ch" forName="childText" refType="w"/>
+      <dgm:constr type="h" for="ch" forName="childText" refType="primFontSz" refFor="ch" refForName="parentText" fact="0.46"/>
+      <dgm:constr type="h" for="ch" forName="parentText" op="equ"/>
+      <dgm:constr type="primFontSz" for="ch" forName="parentText" op="equ" val="65"/>
+      <dgm:constr type="primFontSz" for="ch" forName="childText" refType="primFontSz" refFor="ch" refForName="parentText" op="equ"/>
+      <dgm:constr type="h" for="ch" forName="spacer" refType="primFontSz" refFor="ch" refForName="parentText" fact="0.08"/>
+    </dgm:constrLst>
+    <dgm:ruleLst>
+      <dgm:rule type="primFontSz" for="ch" forName="parentText" val="5" fact="NaN" max="NaN"/>
+    </dgm:ruleLst>
+    <dgm:forEach name="Name0" axis="ch" ptType="node">
+      <dgm:layoutNode name="parentText" styleLbl="node1">
+        <dgm:varLst>
+          <dgm:chMax val="0"/>
+          <dgm:bulletEnabled val="1"/>
+        </dgm:varLst>
+        <dgm:alg type="tx">
+          <dgm:param type="parTxLTRAlign" val="l"/>
+          <dgm:param type="parTxRTLAlign" val="r"/>
+        </dgm:alg>
+        <dgm:shape xmlns:r="http://schemas.openxmlformats.org/officeDocument/2006/relationships" type="roundRect" r:blip="">
+          <dgm:adjLst/>
+        </dgm:shape>
+        <dgm:presOf axis="self"/>
+        <dgm:constrLst>
+          <dgm:constr type="tMarg" refType="primFontSz" fact="0.3"/>
+          <dgm:constr type="bMarg" refType="primFontSz" fact="0.3"/>
+          <dgm:constr type="lMarg" refType="primFontSz" fact="0.3"/>
+          <dgm:constr type="rMarg" refType="primFontSz" fact="0.3"/>
+        </dgm:constrLst>
+        <dgm:ruleLst>
+          <dgm:rule type="h" val="INF" fact="NaN" max="NaN"/>
+        </dgm:ruleLst>
+      </dgm:layoutNode>
+      <dgm:choose name="Name1">
+        <dgm:if name="Name2" axis="ch" ptType="node" func="cnt" op="gte" val="1">
+          <dgm:layoutNode name="childText" styleLbl="revTx">
+            <dgm:varLst>
+              <dgm:bulletEnabled val="1"/>
+            </dgm:varLst>
+            <dgm:alg type="tx">
+              <dgm:param type="stBulletLvl" val="1"/>
+              <dgm:param type="lnSpAfChP" val="20"/>
+            </dgm:alg>
+            <dgm:shape xmlns:r="http://schemas.openxmlformats.org/officeDocument/2006/relationships" type="rect" r:blip="">
+              <dgm:adjLst/>
+            </dgm:shape>
+            <dgm:presOf axis="des" ptType="node"/>
+            <dgm:constrLst>
+              <dgm:constr type="tMarg" refType="primFontSz" fact="0.1"/>
+              <dgm:constr type="bMarg" refType="primFontSz" fact="0.1"/>
+              <dgm:constr type="lMarg" refType="w" fact="0.09"/>
+            </dgm:constrLst>
+            <dgm:ruleLst>
+              <dgm:rule type="h" val="INF" fact="NaN" max="NaN"/>
+            </dgm:ruleLst>
+          </dgm:layoutNode>
+        </dgm:if>
+        <dgm:else name="Name3">
+          <dgm:choose name="Name4">
+            <dgm:if name="Name5" axis="par ch" ptType="doc node" func="cnt" op="gte" val="2">
+              <dgm:forEach name="Name6" axis="followSib" ptType="sibTrans" cnt="1">
+                <dgm:layoutNode name="spacer">
+                  <dgm:alg type="sp"/>
+                  <dgm:shape xmlns:r="http://schemas.openxmlformats.org/officeDocument/2006/relationships" r:blip="">
+                    <dgm:adjLst/>
+                  </dgm:shape>
+                  <dgm:presOf/>
+                  <dgm:constrLst/>
+                  <dgm:ruleLst/>
+                </dgm:layoutNode>
+              </dgm:forEach>
+            </dgm:if>
+            <dgm:else name="Name7"/>
+          </dgm:choose>
+        </dgm:else>
+      </dgm:choose>
+    </dgm:forEach>
+  </dgm:layoutNode>
+</dgm:layoutDef>
+</file>
+
 <file path=ppt/diagrams/quickStyle1.xml><?xml version="1.0" encoding="utf-8"?>
 <dgm:styleDef xmlns:dgm="http://schemas.openxmlformats.org/drawingml/2006/diagram" xmlns:a="http://schemas.openxmlformats.org/drawingml/2006/main" uniqueId="urn:microsoft.com/office/officeart/2005/8/quickstyle/simple4">
   <dgm:title val=""/>
@@ -15770,6 +17373,1040 @@
 </file>
 
 <file path=ppt/diagrams/quickStyle6.xml><?xml version="1.0" encoding="utf-8"?>
+<dgm:styleDef xmlns:dgm="http://schemas.openxmlformats.org/drawingml/2006/diagram" xmlns:a="http://schemas.openxmlformats.org/drawingml/2006/main" uniqueId="urn:microsoft.com/office/officeart/2005/8/quickstyle/simple4">
+  <dgm:title val=""/>
+  <dgm:desc val=""/>
+  <dgm:catLst>
+    <dgm:cat type="simple" pri="10400"/>
+  </dgm:catLst>
+  <dgm:scene3d>
+    <a:camera prst="orthographicFront"/>
+    <a:lightRig rig="threePt" dir="t"/>
+  </dgm:scene3d>
+  <dgm:styleLbl name="node0">
+    <dgm:scene3d>
+      <a:camera prst="orthographicFront"/>
+      <a:lightRig rig="threePt" dir="t"/>
+    </dgm:scene3d>
+    <dgm:sp3d/>
+    <dgm:txPr/>
+    <dgm:style>
+      <a:lnRef idx="0">
+        <a:scrgbClr r="0" g="0" b="0"/>
+      </a:lnRef>
+      <a:fillRef idx="3">
+        <a:scrgbClr r="0" g="0" b="0"/>
+      </a:fillRef>
+      <a:effectRef idx="2">
+        <a:scrgbClr r="0" g="0" b="0"/>
+      </a:effectRef>
+      <a:fontRef idx="minor">
+        <a:schemeClr val="lt1"/>
+      </a:fontRef>
+    </dgm:style>
+  </dgm:styleLbl>
+  <dgm:styleLbl name="lnNode1">
+    <dgm:scene3d>
+      <a:camera prst="orthographicFront"/>
+      <a:lightRig rig="threePt" dir="t"/>
+    </dgm:scene3d>
+    <dgm:sp3d/>
+    <dgm:txPr/>
+    <dgm:style>
+      <a:lnRef idx="1">
+        <a:scrgbClr r="0" g="0" b="0"/>
+      </a:lnRef>
+      <a:fillRef idx="3">
+        <a:scrgbClr r="0" g="0" b="0"/>
+      </a:fillRef>
+      <a:effectRef idx="2">
+        <a:scrgbClr r="0" g="0" b="0"/>
+      </a:effectRef>
+      <a:fontRef idx="minor">
+        <a:schemeClr val="lt1"/>
+      </a:fontRef>
+    </dgm:style>
+  </dgm:styleLbl>
+  <dgm:styleLbl name="vennNode1">
+    <dgm:scene3d>
+      <a:camera prst="orthographicFront"/>
+      <a:lightRig rig="threePt" dir="t"/>
+    </dgm:scene3d>
+    <dgm:sp3d/>
+    <dgm:txPr/>
+    <dgm:style>
+      <a:lnRef idx="0">
+        <a:scrgbClr r="0" g="0" b="0"/>
+      </a:lnRef>
+      <a:fillRef idx="3">
+        <a:scrgbClr r="0" g="0" b="0"/>
+      </a:fillRef>
+      <a:effectRef idx="0">
+        <a:scrgbClr r="0" g="0" b="0"/>
+      </a:effectRef>
+      <a:fontRef idx="minor">
+        <a:schemeClr val="tx1"/>
+      </a:fontRef>
+    </dgm:style>
+  </dgm:styleLbl>
+  <dgm:styleLbl name="alignNode1">
+    <dgm:scene3d>
+      <a:camera prst="orthographicFront"/>
+      <a:lightRig rig="threePt" dir="t"/>
+    </dgm:scene3d>
+    <dgm:sp3d/>
+    <dgm:txPr/>
+    <dgm:style>
+      <a:lnRef idx="1">
+        <a:scrgbClr r="0" g="0" b="0"/>
+      </a:lnRef>
+      <a:fillRef idx="3">
+        <a:scrgbClr r="0" g="0" b="0"/>
+      </a:fillRef>
+      <a:effectRef idx="2">
+        <a:scrgbClr r="0" g="0" b="0"/>
+      </a:effectRef>
+      <a:fontRef idx="minor">
+        <a:schemeClr val="lt1"/>
+      </a:fontRef>
+    </dgm:style>
+  </dgm:styleLbl>
+  <dgm:styleLbl name="node1">
+    <dgm:scene3d>
+      <a:camera prst="orthographicFront"/>
+      <a:lightRig rig="threePt" dir="t"/>
+    </dgm:scene3d>
+    <dgm:sp3d/>
+    <dgm:txPr/>
+    <dgm:style>
+      <a:lnRef idx="0">
+        <a:scrgbClr r="0" g="0" b="0"/>
+      </a:lnRef>
+      <a:fillRef idx="3">
+        <a:scrgbClr r="0" g="0" b="0"/>
+      </a:fillRef>
+      <a:effectRef idx="2">
+        <a:scrgbClr r="0" g="0" b="0"/>
+      </a:effectRef>
+      <a:fontRef idx="minor">
+        <a:schemeClr val="lt1"/>
+      </a:fontRef>
+    </dgm:style>
+  </dgm:styleLbl>
+  <dgm:styleLbl name="node2">
+    <dgm:scene3d>
+      <a:camera prst="orthographicFront"/>
+      <a:lightRig rig="threePt" dir="t"/>
+    </dgm:scene3d>
+    <dgm:sp3d/>
+    <dgm:txPr/>
+    <dgm:style>
+      <a:lnRef idx="0">
+        <a:scrgbClr r="0" g="0" b="0"/>
+      </a:lnRef>
+      <a:fillRef idx="3">
+        <a:scrgbClr r="0" g="0" b="0"/>
+      </a:fillRef>
+      <a:effectRef idx="2">
+        <a:scrgbClr r="0" g="0" b="0"/>
+      </a:effectRef>
+      <a:fontRef idx="minor">
+        <a:schemeClr val="lt1"/>
+      </a:fontRef>
+    </dgm:style>
+  </dgm:styleLbl>
+  <dgm:styleLbl name="node3">
+    <dgm:scene3d>
+      <a:camera prst="orthographicFront"/>
+      <a:lightRig rig="threePt" dir="t"/>
+    </dgm:scene3d>
+    <dgm:sp3d/>
+    <dgm:txPr/>
+    <dgm:style>
+      <a:lnRef idx="0">
+        <a:scrgbClr r="0" g="0" b="0"/>
+      </a:lnRef>
+      <a:fillRef idx="3">
+        <a:scrgbClr r="0" g="0" b="0"/>
+      </a:fillRef>
+      <a:effectRef idx="2">
+        <a:scrgbClr r="0" g="0" b="0"/>
+      </a:effectRef>
+      <a:fontRef idx="minor">
+        <a:schemeClr val="lt1"/>
+      </a:fontRef>
+    </dgm:style>
+  </dgm:styleLbl>
+  <dgm:styleLbl name="node4">
+    <dgm:scene3d>
+      <a:camera prst="orthographicFront"/>
+      <a:lightRig rig="threePt" dir="t"/>
+    </dgm:scene3d>
+    <dgm:sp3d/>
+    <dgm:txPr/>
+    <dgm:style>
+      <a:lnRef idx="0">
+        <a:scrgbClr r="0" g="0" b="0"/>
+      </a:lnRef>
+      <a:fillRef idx="3">
+        <a:scrgbClr r="0" g="0" b="0"/>
+      </a:fillRef>
+      <a:effectRef idx="2">
+        <a:scrgbClr r="0" g="0" b="0"/>
+      </a:effectRef>
+      <a:fontRef idx="minor">
+        <a:schemeClr val="lt1"/>
+      </a:fontRef>
+    </dgm:style>
+  </dgm:styleLbl>
+  <dgm:styleLbl name="fgImgPlace1">
+    <dgm:scene3d>
+      <a:camera prst="orthographicFront"/>
+      <a:lightRig rig="threePt" dir="t"/>
+    </dgm:scene3d>
+    <dgm:sp3d/>
+    <dgm:txPr/>
+    <dgm:style>
+      <a:lnRef idx="0">
+        <a:scrgbClr r="0" g="0" b="0"/>
+      </a:lnRef>
+      <a:fillRef idx="1">
+        <a:scrgbClr r="0" g="0" b="0"/>
+      </a:fillRef>
+      <a:effectRef idx="2">
+        <a:scrgbClr r="0" g="0" b="0"/>
+      </a:effectRef>
+      <a:fontRef idx="minor"/>
+    </dgm:style>
+  </dgm:styleLbl>
+  <dgm:styleLbl name="alignImgPlace1">
+    <dgm:scene3d>
+      <a:camera prst="orthographicFront"/>
+      <a:lightRig rig="threePt" dir="t"/>
+    </dgm:scene3d>
+    <dgm:sp3d/>
+    <dgm:txPr/>
+    <dgm:style>
+      <a:lnRef idx="0">
+        <a:scrgbClr r="0" g="0" b="0"/>
+      </a:lnRef>
+      <a:fillRef idx="1">
+        <a:scrgbClr r="0" g="0" b="0"/>
+      </a:fillRef>
+      <a:effectRef idx="2">
+        <a:scrgbClr r="0" g="0" b="0"/>
+      </a:effectRef>
+      <a:fontRef idx="minor"/>
+    </dgm:style>
+  </dgm:styleLbl>
+  <dgm:styleLbl name="bgImgPlace1">
+    <dgm:scene3d>
+      <a:camera prst="orthographicFront"/>
+      <a:lightRig rig="threePt" dir="t"/>
+    </dgm:scene3d>
+    <dgm:sp3d/>
+    <dgm:txPr/>
+    <dgm:style>
+      <a:lnRef idx="0">
+        <a:scrgbClr r="0" g="0" b="0"/>
+      </a:lnRef>
+      <a:fillRef idx="1">
+        <a:scrgbClr r="0" g="0" b="0"/>
+      </a:fillRef>
+      <a:effectRef idx="2">
+        <a:scrgbClr r="0" g="0" b="0"/>
+      </a:effectRef>
+      <a:fontRef idx="minor"/>
+    </dgm:style>
+  </dgm:styleLbl>
+  <dgm:styleLbl name="sibTrans2D1">
+    <dgm:scene3d>
+      <a:camera prst="orthographicFront"/>
+      <a:lightRig rig="threePt" dir="t"/>
+    </dgm:scene3d>
+    <dgm:sp3d/>
+    <dgm:txPr/>
+    <dgm:style>
+      <a:lnRef idx="0">
+        <a:scrgbClr r="0" g="0" b="0"/>
+      </a:lnRef>
+      <a:fillRef idx="3">
+        <a:scrgbClr r="0" g="0" b="0"/>
+      </a:fillRef>
+      <a:effectRef idx="2">
+        <a:scrgbClr r="0" g="0" b="0"/>
+      </a:effectRef>
+      <a:fontRef idx="minor">
+        <a:schemeClr val="lt1"/>
+      </a:fontRef>
+    </dgm:style>
+  </dgm:styleLbl>
+  <dgm:styleLbl name="fgSibTrans2D1">
+    <dgm:scene3d>
+      <a:camera prst="orthographicFront"/>
+      <a:lightRig rig="threePt" dir="t"/>
+    </dgm:scene3d>
+    <dgm:sp3d/>
+    <dgm:txPr/>
+    <dgm:style>
+      <a:lnRef idx="0">
+        <a:scrgbClr r="0" g="0" b="0"/>
+      </a:lnRef>
+      <a:fillRef idx="3">
+        <a:scrgbClr r="0" g="0" b="0"/>
+      </a:fillRef>
+      <a:effectRef idx="2">
+        <a:scrgbClr r="0" g="0" b="0"/>
+      </a:effectRef>
+      <a:fontRef idx="minor">
+        <a:schemeClr val="lt1"/>
+      </a:fontRef>
+    </dgm:style>
+  </dgm:styleLbl>
+  <dgm:styleLbl name="bgSibTrans2D1">
+    <dgm:scene3d>
+      <a:camera prst="orthographicFront"/>
+      <a:lightRig rig="threePt" dir="t"/>
+    </dgm:scene3d>
+    <dgm:sp3d/>
+    <dgm:txPr/>
+    <dgm:style>
+      <a:lnRef idx="0">
+        <a:scrgbClr r="0" g="0" b="0"/>
+      </a:lnRef>
+      <a:fillRef idx="3">
+        <a:scrgbClr r="0" g="0" b="0"/>
+      </a:fillRef>
+      <a:effectRef idx="2">
+        <a:scrgbClr r="0" g="0" b="0"/>
+      </a:effectRef>
+      <a:fontRef idx="minor">
+        <a:schemeClr val="lt1"/>
+      </a:fontRef>
+    </dgm:style>
+  </dgm:styleLbl>
+  <dgm:styleLbl name="sibTrans1D1">
+    <dgm:scene3d>
+      <a:camera prst="orthographicFront"/>
+      <a:lightRig rig="threePt" dir="t"/>
+    </dgm:scene3d>
+    <dgm:sp3d/>
+    <dgm:txPr/>
+    <dgm:style>
+      <a:lnRef idx="1">
+        <a:scrgbClr r="0" g="0" b="0"/>
+      </a:lnRef>
+      <a:fillRef idx="0">
+        <a:scrgbClr r="0" g="0" b="0"/>
+      </a:fillRef>
+      <a:effectRef idx="0">
+        <a:scrgbClr r="0" g="0" b="0"/>
+      </a:effectRef>
+      <a:fontRef idx="minor"/>
+    </dgm:style>
+  </dgm:styleLbl>
+  <dgm:styleLbl name="callout">
+    <dgm:scene3d>
+      <a:camera prst="orthographicFront"/>
+      <a:lightRig rig="threePt" dir="t"/>
+    </dgm:scene3d>
+    <dgm:sp3d/>
+    <dgm:txPr/>
+    <dgm:style>
+      <a:lnRef idx="2">
+        <a:scrgbClr r="0" g="0" b="0"/>
+      </a:lnRef>
+      <a:fillRef idx="1">
+        <a:scrgbClr r="0" g="0" b="0"/>
+      </a:fillRef>
+      <a:effectRef idx="1">
+        <a:scrgbClr r="0" g="0" b="0"/>
+      </a:effectRef>
+      <a:fontRef idx="minor"/>
+    </dgm:style>
+  </dgm:styleLbl>
+  <dgm:styleLbl name="asst0">
+    <dgm:scene3d>
+      <a:camera prst="orthographicFront"/>
+      <a:lightRig rig="threePt" dir="t"/>
+    </dgm:scene3d>
+    <dgm:sp3d/>
+    <dgm:txPr/>
+    <dgm:style>
+      <a:lnRef idx="0">
+        <a:scrgbClr r="0" g="0" b="0"/>
+      </a:lnRef>
+      <a:fillRef idx="3">
+        <a:scrgbClr r="0" g="0" b="0"/>
+      </a:fillRef>
+      <a:effectRef idx="2">
+        <a:scrgbClr r="0" g="0" b="0"/>
+      </a:effectRef>
+      <a:fontRef idx="minor">
+        <a:schemeClr val="lt1"/>
+      </a:fontRef>
+    </dgm:style>
+  </dgm:styleLbl>
+  <dgm:styleLbl name="asst1">
+    <dgm:scene3d>
+      <a:camera prst="orthographicFront"/>
+      <a:lightRig rig="threePt" dir="t"/>
+    </dgm:scene3d>
+    <dgm:sp3d/>
+    <dgm:txPr/>
+    <dgm:style>
+      <a:lnRef idx="0">
+        <a:scrgbClr r="0" g="0" b="0"/>
+      </a:lnRef>
+      <a:fillRef idx="3">
+        <a:scrgbClr r="0" g="0" b="0"/>
+      </a:fillRef>
+      <a:effectRef idx="2">
+        <a:scrgbClr r="0" g="0" b="0"/>
+      </a:effectRef>
+      <a:fontRef idx="minor">
+        <a:schemeClr val="lt1"/>
+      </a:fontRef>
+    </dgm:style>
+  </dgm:styleLbl>
+  <dgm:styleLbl name="asst2">
+    <dgm:scene3d>
+      <a:camera prst="orthographicFront"/>
+      <a:lightRig rig="threePt" dir="t"/>
+    </dgm:scene3d>
+    <dgm:sp3d/>
+    <dgm:txPr/>
+    <dgm:style>
+      <a:lnRef idx="0">
+        <a:scrgbClr r="0" g="0" b="0"/>
+      </a:lnRef>
+      <a:fillRef idx="3">
+        <a:scrgbClr r="0" g="0" b="0"/>
+      </a:fillRef>
+      <a:effectRef idx="2">
+        <a:scrgbClr r="0" g="0" b="0"/>
+      </a:effectRef>
+      <a:fontRef idx="minor">
+        <a:schemeClr val="lt1"/>
+      </a:fontRef>
+    </dgm:style>
+  </dgm:styleLbl>
+  <dgm:styleLbl name="asst3">
+    <dgm:scene3d>
+      <a:camera prst="orthographicFront"/>
+      <a:lightRig rig="threePt" dir="t"/>
+    </dgm:scene3d>
+    <dgm:sp3d/>
+    <dgm:txPr/>
+    <dgm:style>
+      <a:lnRef idx="0">
+        <a:scrgbClr r="0" g="0" b="0"/>
+      </a:lnRef>
+      <a:fillRef idx="3">
+        <a:scrgbClr r="0" g="0" b="0"/>
+      </a:fillRef>
+      <a:effectRef idx="2">
+        <a:scrgbClr r="0" g="0" b="0"/>
+      </a:effectRef>
+      <a:fontRef idx="minor">
+        <a:schemeClr val="lt1"/>
+      </a:fontRef>
+    </dgm:style>
+  </dgm:styleLbl>
+  <dgm:styleLbl name="asst4">
+    <dgm:scene3d>
+      <a:camera prst="orthographicFront"/>
+      <a:lightRig rig="threePt" dir="t"/>
+    </dgm:scene3d>
+    <dgm:sp3d/>
+    <dgm:txPr/>
+    <dgm:style>
+      <a:lnRef idx="0">
+        <a:scrgbClr r="0" g="0" b="0"/>
+      </a:lnRef>
+      <a:fillRef idx="3">
+        <a:scrgbClr r="0" g="0" b="0"/>
+      </a:fillRef>
+      <a:effectRef idx="2">
+        <a:scrgbClr r="0" g="0" b="0"/>
+      </a:effectRef>
+      <a:fontRef idx="minor">
+        <a:schemeClr val="lt1"/>
+      </a:fontRef>
+    </dgm:style>
+  </dgm:styleLbl>
+  <dgm:styleLbl name="parChTrans2D1">
+    <dgm:scene3d>
+      <a:camera prst="orthographicFront"/>
+      <a:lightRig rig="threePt" dir="t"/>
+    </dgm:scene3d>
+    <dgm:sp3d/>
+    <dgm:txPr/>
+    <dgm:style>
+      <a:lnRef idx="0">
+        <a:scrgbClr r="0" g="0" b="0"/>
+      </a:lnRef>
+      <a:fillRef idx="3">
+        <a:scrgbClr r="0" g="0" b="0"/>
+      </a:fillRef>
+      <a:effectRef idx="2">
+        <a:scrgbClr r="0" g="0" b="0"/>
+      </a:effectRef>
+      <a:fontRef idx="minor">
+        <a:schemeClr val="lt1"/>
+      </a:fontRef>
+    </dgm:style>
+  </dgm:styleLbl>
+  <dgm:styleLbl name="parChTrans2D2">
+    <dgm:scene3d>
+      <a:camera prst="orthographicFront"/>
+      <a:lightRig rig="threePt" dir="t"/>
+    </dgm:scene3d>
+    <dgm:sp3d/>
+    <dgm:txPr/>
+    <dgm:style>
+      <a:lnRef idx="0">
+        <a:scrgbClr r="0" g="0" b="0"/>
+      </a:lnRef>
+      <a:fillRef idx="3">
+        <a:scrgbClr r="0" g="0" b="0"/>
+      </a:fillRef>
+      <a:effectRef idx="2">
+        <a:scrgbClr r="0" g="0" b="0"/>
+      </a:effectRef>
+      <a:fontRef idx="minor">
+        <a:schemeClr val="lt1"/>
+      </a:fontRef>
+    </dgm:style>
+  </dgm:styleLbl>
+  <dgm:styleLbl name="parChTrans2D3">
+    <dgm:scene3d>
+      <a:camera prst="orthographicFront"/>
+      <a:lightRig rig="threePt" dir="t"/>
+    </dgm:scene3d>
+    <dgm:sp3d/>
+    <dgm:txPr/>
+    <dgm:style>
+      <a:lnRef idx="1">
+        <a:scrgbClr r="0" g="0" b="0"/>
+      </a:lnRef>
+      <a:fillRef idx="3">
+        <a:scrgbClr r="0" g="0" b="0"/>
+      </a:fillRef>
+      <a:effectRef idx="2">
+        <a:scrgbClr r="0" g="0" b="0"/>
+      </a:effectRef>
+      <a:fontRef idx="minor">
+        <a:schemeClr val="lt1"/>
+      </a:fontRef>
+    </dgm:style>
+  </dgm:styleLbl>
+  <dgm:styleLbl name="parChTrans2D4">
+    <dgm:scene3d>
+      <a:camera prst="orthographicFront"/>
+      <a:lightRig rig="threePt" dir="t"/>
+    </dgm:scene3d>
+    <dgm:sp3d/>
+    <dgm:txPr/>
+    <dgm:style>
+      <a:lnRef idx="1">
+        <a:scrgbClr r="0" g="0" b="0"/>
+      </a:lnRef>
+      <a:fillRef idx="3">
+        <a:scrgbClr r="0" g="0" b="0"/>
+      </a:fillRef>
+      <a:effectRef idx="2">
+        <a:scrgbClr r="0" g="0" b="0"/>
+      </a:effectRef>
+      <a:fontRef idx="minor">
+        <a:schemeClr val="lt1"/>
+      </a:fontRef>
+    </dgm:style>
+  </dgm:styleLbl>
+  <dgm:styleLbl name="parChTrans1D1">
+    <dgm:scene3d>
+      <a:camera prst="orthographicFront"/>
+      <a:lightRig rig="threePt" dir="t"/>
+    </dgm:scene3d>
+    <dgm:sp3d/>
+    <dgm:txPr/>
+    <dgm:style>
+      <a:lnRef idx="1">
+        <a:scrgbClr r="0" g="0" b="0"/>
+      </a:lnRef>
+      <a:fillRef idx="0">
+        <a:scrgbClr r="0" g="0" b="0"/>
+      </a:fillRef>
+      <a:effectRef idx="0">
+        <a:scrgbClr r="0" g="0" b="0"/>
+      </a:effectRef>
+      <a:fontRef idx="minor"/>
+    </dgm:style>
+  </dgm:styleLbl>
+  <dgm:styleLbl name="parChTrans1D2">
+    <dgm:scene3d>
+      <a:camera prst="orthographicFront"/>
+      <a:lightRig rig="threePt" dir="t"/>
+    </dgm:scene3d>
+    <dgm:sp3d/>
+    <dgm:txPr/>
+    <dgm:style>
+      <a:lnRef idx="1">
+        <a:scrgbClr r="0" g="0" b="0"/>
+      </a:lnRef>
+      <a:fillRef idx="0">
+        <a:scrgbClr r="0" g="0" b="0"/>
+      </a:fillRef>
+      <a:effectRef idx="0">
+        <a:scrgbClr r="0" g="0" b="0"/>
+      </a:effectRef>
+      <a:fontRef idx="minor"/>
+    </dgm:style>
+  </dgm:styleLbl>
+  <dgm:styleLbl name="parChTrans1D3">
+    <dgm:scene3d>
+      <a:camera prst="orthographicFront"/>
+      <a:lightRig rig="threePt" dir="t"/>
+    </dgm:scene3d>
+    <dgm:sp3d/>
+    <dgm:txPr/>
+    <dgm:style>
+      <a:lnRef idx="1">
+        <a:scrgbClr r="0" g="0" b="0"/>
+      </a:lnRef>
+      <a:fillRef idx="0">
+        <a:scrgbClr r="0" g="0" b="0"/>
+      </a:fillRef>
+      <a:effectRef idx="0">
+        <a:scrgbClr r="0" g="0" b="0"/>
+      </a:effectRef>
+      <a:fontRef idx="minor"/>
+    </dgm:style>
+  </dgm:styleLbl>
+  <dgm:styleLbl name="parChTrans1D4">
+    <dgm:scene3d>
+      <a:camera prst="orthographicFront"/>
+      <a:lightRig rig="threePt" dir="t"/>
+    </dgm:scene3d>
+    <dgm:sp3d/>
+    <dgm:txPr/>
+    <dgm:style>
+      <a:lnRef idx="1">
+        <a:scrgbClr r="0" g="0" b="0"/>
+      </a:lnRef>
+      <a:fillRef idx="0">
+        <a:scrgbClr r="0" g="0" b="0"/>
+      </a:fillRef>
+      <a:effectRef idx="0">
+        <a:scrgbClr r="0" g="0" b="0"/>
+      </a:effectRef>
+      <a:fontRef idx="minor"/>
+    </dgm:style>
+  </dgm:styleLbl>
+  <dgm:styleLbl name="fgAcc1">
+    <dgm:scene3d>
+      <a:camera prst="orthographicFront"/>
+      <a:lightRig rig="threePt" dir="t"/>
+    </dgm:scene3d>
+    <dgm:sp3d/>
+    <dgm:txPr/>
+    <dgm:style>
+      <a:lnRef idx="1">
+        <a:scrgbClr r="0" g="0" b="0"/>
+      </a:lnRef>
+      <a:fillRef idx="1">
+        <a:scrgbClr r="0" g="0" b="0"/>
+      </a:fillRef>
+      <a:effectRef idx="0">
+        <a:scrgbClr r="0" g="0" b="0"/>
+      </a:effectRef>
+      <a:fontRef idx="minor"/>
+    </dgm:style>
+  </dgm:styleLbl>
+  <dgm:styleLbl name="conFgAcc1">
+    <dgm:scene3d>
+      <a:camera prst="orthographicFront"/>
+      <a:lightRig rig="threePt" dir="t"/>
+    </dgm:scene3d>
+    <dgm:sp3d/>
+    <dgm:txPr/>
+    <dgm:style>
+      <a:lnRef idx="1">
+        <a:scrgbClr r="0" g="0" b="0"/>
+      </a:lnRef>
+      <a:fillRef idx="1">
+        <a:scrgbClr r="0" g="0" b="0"/>
+      </a:fillRef>
+      <a:effectRef idx="0">
+        <a:scrgbClr r="0" g="0" b="0"/>
+      </a:effectRef>
+      <a:fontRef idx="minor"/>
+    </dgm:style>
+  </dgm:styleLbl>
+  <dgm:styleLbl name="alignAcc1">
+    <dgm:scene3d>
+      <a:camera prst="orthographicFront"/>
+      <a:lightRig rig="threePt" dir="t"/>
+    </dgm:scene3d>
+    <dgm:sp3d/>
+    <dgm:txPr/>
+    <dgm:style>
+      <a:lnRef idx="1">
+        <a:scrgbClr r="0" g="0" b="0"/>
+      </a:lnRef>
+      <a:fillRef idx="1">
+        <a:scrgbClr r="0" g="0" b="0"/>
+      </a:fillRef>
+      <a:effectRef idx="0">
+        <a:scrgbClr r="0" g="0" b="0"/>
+      </a:effectRef>
+      <a:fontRef idx="minor"/>
+    </dgm:style>
+  </dgm:styleLbl>
+  <dgm:styleLbl name="trAlignAcc1">
+    <dgm:scene3d>
+      <a:camera prst="orthographicFront"/>
+      <a:lightRig rig="threePt" dir="t"/>
+    </dgm:scene3d>
+    <dgm:sp3d/>
+    <dgm:txPr/>
+    <dgm:style>
+      <a:lnRef idx="1">
+        <a:scrgbClr r="0" g="0" b="0"/>
+      </a:lnRef>
+      <a:fillRef idx="1">
+        <a:scrgbClr r="0" g="0" b="0"/>
+      </a:fillRef>
+      <a:effectRef idx="0">
+        <a:scrgbClr r="0" g="0" b="0"/>
+      </a:effectRef>
+      <a:fontRef idx="minor"/>
+    </dgm:style>
+  </dgm:styleLbl>
+  <dgm:styleLbl name="bgAcc1">
+    <dgm:scene3d>
+      <a:camera prst="orthographicFront"/>
+      <a:lightRig rig="threePt" dir="t"/>
+    </dgm:scene3d>
+    <dgm:sp3d/>
+    <dgm:txPr/>
+    <dgm:style>
+      <a:lnRef idx="1">
+        <a:scrgbClr r="0" g="0" b="0"/>
+      </a:lnRef>
+      <a:fillRef idx="1">
+        <a:scrgbClr r="0" g="0" b="0"/>
+      </a:fillRef>
+      <a:effectRef idx="0">
+        <a:scrgbClr r="0" g="0" b="0"/>
+      </a:effectRef>
+      <a:fontRef idx="minor"/>
+    </dgm:style>
+  </dgm:styleLbl>
+  <dgm:styleLbl name="solidFgAcc1">
+    <dgm:scene3d>
+      <a:camera prst="orthographicFront"/>
+      <a:lightRig rig="threePt" dir="t"/>
+    </dgm:scene3d>
+    <dgm:sp3d/>
+    <dgm:txPr/>
+    <dgm:style>
+      <a:lnRef idx="1">
+        <a:scrgbClr r="0" g="0" b="0"/>
+      </a:lnRef>
+      <a:fillRef idx="1">
+        <a:scrgbClr r="0" g="0" b="0"/>
+      </a:fillRef>
+      <a:effectRef idx="0">
+        <a:scrgbClr r="0" g="0" b="0"/>
+      </a:effectRef>
+      <a:fontRef idx="minor"/>
+    </dgm:style>
+  </dgm:styleLbl>
+  <dgm:styleLbl name="solidAlignAcc1">
+    <dgm:scene3d>
+      <a:camera prst="orthographicFront"/>
+      <a:lightRig rig="threePt" dir="t"/>
+    </dgm:scene3d>
+    <dgm:sp3d/>
+    <dgm:txPr/>
+    <dgm:style>
+      <a:lnRef idx="1">
+        <a:scrgbClr r="0" g="0" b="0"/>
+      </a:lnRef>
+      <a:fillRef idx="1">
+        <a:scrgbClr r="0" g="0" b="0"/>
+      </a:fillRef>
+      <a:effectRef idx="0">
+        <a:scrgbClr r="0" g="0" b="0"/>
+      </a:effectRef>
+      <a:fontRef idx="minor"/>
+    </dgm:style>
+  </dgm:styleLbl>
+  <dgm:styleLbl name="solidBgAcc1">
+    <dgm:scene3d>
+      <a:camera prst="orthographicFront"/>
+      <a:lightRig rig="threePt" dir="t"/>
+    </dgm:scene3d>
+    <dgm:sp3d/>
+    <dgm:txPr/>
+    <dgm:style>
+      <a:lnRef idx="1">
+        <a:scrgbClr r="0" g="0" b="0"/>
+      </a:lnRef>
+      <a:fillRef idx="1">
+        <a:scrgbClr r="0" g="0" b="0"/>
+      </a:fillRef>
+      <a:effectRef idx="0">
+        <a:scrgbClr r="0" g="0" b="0"/>
+      </a:effectRef>
+      <a:fontRef idx="minor"/>
+    </dgm:style>
+  </dgm:styleLbl>
+  <dgm:styleLbl name="fgAccFollowNode1">
+    <dgm:scene3d>
+      <a:camera prst="orthographicFront"/>
+      <a:lightRig rig="threePt" dir="t"/>
+    </dgm:scene3d>
+    <dgm:sp3d/>
+    <dgm:txPr/>
+    <dgm:style>
+      <a:lnRef idx="1">
+        <a:scrgbClr r="0" g="0" b="0"/>
+      </a:lnRef>
+      <a:fillRef idx="1">
+        <a:scrgbClr r="0" g="0" b="0"/>
+      </a:fillRef>
+      <a:effectRef idx="0">
+        <a:scrgbClr r="0" g="0" b="0"/>
+      </a:effectRef>
+      <a:fontRef idx="minor"/>
+    </dgm:style>
+  </dgm:styleLbl>
+  <dgm:styleLbl name="alignAccFollowNode1">
+    <dgm:scene3d>
+      <a:camera prst="orthographicFront"/>
+      <a:lightRig rig="threePt" dir="t"/>
+    </dgm:scene3d>
+    <dgm:sp3d/>
+    <dgm:txPr/>
+    <dgm:style>
+      <a:lnRef idx="1">
+        <a:scrgbClr r="0" g="0" b="0"/>
+      </a:lnRef>
+      <a:fillRef idx="1">
+        <a:scrgbClr r="0" g="0" b="0"/>
+      </a:fillRef>
+      <a:effectRef idx="0">
+        <a:scrgbClr r="0" g="0" b="0"/>
+      </a:effectRef>
+      <a:fontRef idx="minor"/>
+    </dgm:style>
+  </dgm:styleLbl>
+  <dgm:styleLbl name="bgAccFollowNode1">
+    <dgm:scene3d>
+      <a:camera prst="orthographicFront"/>
+      <a:lightRig rig="threePt" dir="t"/>
+    </dgm:scene3d>
+    <dgm:sp3d/>
+    <dgm:txPr/>
+    <dgm:style>
+      <a:lnRef idx="1">
+        <a:scrgbClr r="0" g="0" b="0"/>
+      </a:lnRef>
+      <a:fillRef idx="1">
+        <a:scrgbClr r="0" g="0" b="0"/>
+      </a:fillRef>
+      <a:effectRef idx="0">
+        <a:scrgbClr r="0" g="0" b="0"/>
+      </a:effectRef>
+      <a:fontRef idx="minor"/>
+    </dgm:style>
+  </dgm:styleLbl>
+  <dgm:styleLbl name="fgAcc0">
+    <dgm:scene3d>
+      <a:camera prst="orthographicFront"/>
+      <a:lightRig rig="threePt" dir="t"/>
+    </dgm:scene3d>
+    <dgm:sp3d/>
+    <dgm:txPr/>
+    <dgm:style>
+      <a:lnRef idx="1">
+        <a:scrgbClr r="0" g="0" b="0"/>
+      </a:lnRef>
+      <a:fillRef idx="1">
+        <a:scrgbClr r="0" g="0" b="0"/>
+      </a:fillRef>
+      <a:effectRef idx="0">
+        <a:scrgbClr r="0" g="0" b="0"/>
+      </a:effectRef>
+      <a:fontRef idx="minor"/>
+    </dgm:style>
+  </dgm:styleLbl>
+  <dgm:styleLbl name="fgAcc2">
+    <dgm:scene3d>
+      <a:camera prst="orthographicFront"/>
+      <a:lightRig rig="threePt" dir="t"/>
+    </dgm:scene3d>
+    <dgm:sp3d/>
+    <dgm:txPr/>
+    <dgm:style>
+      <a:lnRef idx="1">
+        <a:scrgbClr r="0" g="0" b="0"/>
+      </a:lnRef>
+      <a:fillRef idx="1">
+        <a:scrgbClr r="0" g="0" b="0"/>
+      </a:fillRef>
+      <a:effectRef idx="0">
+        <a:scrgbClr r="0" g="0" b="0"/>
+      </a:effectRef>
+      <a:fontRef idx="minor"/>
+    </dgm:style>
+  </dgm:styleLbl>
+  <dgm:styleLbl name="fgAcc3">
+    <dgm:scene3d>
+      <a:camera prst="orthographicFront"/>
+      <a:lightRig rig="threePt" dir="t"/>
+    </dgm:scene3d>
+    <dgm:sp3d/>
+    <dgm:txPr/>
+    <dgm:style>
+      <a:lnRef idx="1">
+        <a:scrgbClr r="0" g="0" b="0"/>
+      </a:lnRef>
+      <a:fillRef idx="1">
+        <a:scrgbClr r="0" g="0" b="0"/>
+      </a:fillRef>
+      <a:effectRef idx="0">
+        <a:scrgbClr r="0" g="0" b="0"/>
+      </a:effectRef>
+      <a:fontRef idx="minor"/>
+    </dgm:style>
+  </dgm:styleLbl>
+  <dgm:styleLbl name="fgAcc4">
+    <dgm:scene3d>
+      <a:camera prst="orthographicFront"/>
+      <a:lightRig rig="threePt" dir="t"/>
+    </dgm:scene3d>
+    <dgm:sp3d/>
+    <dgm:txPr/>
+    <dgm:style>
+      <a:lnRef idx="1">
+        <a:scrgbClr r="0" g="0" b="0"/>
+      </a:lnRef>
+      <a:fillRef idx="1">
+        <a:scrgbClr r="0" g="0" b="0"/>
+      </a:fillRef>
+      <a:effectRef idx="0">
+        <a:scrgbClr r="0" g="0" b="0"/>
+      </a:effectRef>
+      <a:fontRef idx="minor"/>
+    </dgm:style>
+  </dgm:styleLbl>
+  <dgm:styleLbl name="bgShp">
+    <dgm:scene3d>
+      <a:camera prst="orthographicFront"/>
+      <a:lightRig rig="threePt" dir="t"/>
+    </dgm:scene3d>
+    <dgm:sp3d/>
+    <dgm:txPr/>
+    <dgm:style>
+      <a:lnRef idx="0">
+        <a:scrgbClr r="0" g="0" b="0"/>
+      </a:lnRef>
+      <a:fillRef idx="1">
+        <a:scrgbClr r="0" g="0" b="0"/>
+      </a:fillRef>
+      <a:effectRef idx="2">
+        <a:scrgbClr r="0" g="0" b="0"/>
+      </a:effectRef>
+      <a:fontRef idx="minor"/>
+    </dgm:style>
+  </dgm:styleLbl>
+  <dgm:styleLbl name="dkBgShp">
+    <dgm:scene3d>
+      <a:camera prst="orthographicFront"/>
+      <a:lightRig rig="threePt" dir="t"/>
+    </dgm:scene3d>
+    <dgm:sp3d/>
+    <dgm:txPr/>
+    <dgm:style>
+      <a:lnRef idx="0">
+        <a:scrgbClr r="0" g="0" b="0"/>
+      </a:lnRef>
+      <a:fillRef idx="1">
+        <a:scrgbClr r="0" g="0" b="0"/>
+      </a:fillRef>
+      <a:effectRef idx="2">
+        <a:scrgbClr r="0" g="0" b="0"/>
+      </a:effectRef>
+      <a:fontRef idx="minor"/>
+    </dgm:style>
+  </dgm:styleLbl>
+  <dgm:styleLbl name="trBgShp">
+    <dgm:scene3d>
+      <a:camera prst="orthographicFront"/>
+      <a:lightRig rig="threePt" dir="t"/>
+    </dgm:scene3d>
+    <dgm:sp3d/>
+    <dgm:txPr/>
+    <dgm:style>
+      <a:lnRef idx="0">
+        <a:scrgbClr r="0" g="0" b="0"/>
+      </a:lnRef>
+      <a:fillRef idx="1">
+        <a:scrgbClr r="0" g="0" b="0"/>
+      </a:fillRef>
+      <a:effectRef idx="0">
+        <a:scrgbClr r="0" g="0" b="0"/>
+      </a:effectRef>
+      <a:fontRef idx="minor"/>
+    </dgm:style>
+  </dgm:styleLbl>
+  <dgm:styleLbl name="fgShp">
+    <dgm:scene3d>
+      <a:camera prst="orthographicFront"/>
+      <a:lightRig rig="threePt" dir="t"/>
+    </dgm:scene3d>
+    <dgm:sp3d/>
+    <dgm:txPr/>
+    <dgm:style>
+      <a:lnRef idx="0">
+        <a:scrgbClr r="0" g="0" b="0"/>
+      </a:lnRef>
+      <a:fillRef idx="3">
+        <a:scrgbClr r="0" g="0" b="0"/>
+      </a:fillRef>
+      <a:effectRef idx="2">
+        <a:scrgbClr r="0" g="0" b="0"/>
+      </a:effectRef>
+      <a:fontRef idx="minor"/>
+    </dgm:style>
+  </dgm:styleLbl>
+  <dgm:styleLbl name="revTx">
+    <dgm:scene3d>
+      <a:camera prst="orthographicFront"/>
+      <a:lightRig rig="threePt" dir="t"/>
+    </dgm:scene3d>
+    <dgm:sp3d/>
+    <dgm:txPr/>
+    <dgm:style>
+      <a:lnRef idx="0">
+        <a:scrgbClr r="0" g="0" b="0"/>
+      </a:lnRef>
+      <a:fillRef idx="0">
+        <a:scrgbClr r="0" g="0" b="0"/>
+      </a:fillRef>
+      <a:effectRef idx="0">
+        <a:scrgbClr r="0" g="0" b="0"/>
+      </a:effectRef>
+      <a:fontRef idx="minor"/>
+    </dgm:style>
+  </dgm:styleLbl>
+</dgm:styleDef>
+</file>
+
+<file path=ppt/diagrams/quickStyle7.xml><?xml version="1.0" encoding="utf-8"?>
 <dgm:styleDef xmlns:dgm="http://schemas.openxmlformats.org/drawingml/2006/diagram" xmlns:a="http://schemas.openxmlformats.org/drawingml/2006/main" uniqueId="urn:microsoft.com/office/officeart/2005/8/quickstyle/simple4">
   <dgm:title val=""/>
   <dgm:desc val=""/>
@@ -17758,6 +20395,93 @@
           <a:bodyPr/>
           <a:lstStyle/>
           <a:p>
+            <a:r>
+              <a:rPr lang="fr-CH" dirty="0"/>
+              <a:t>C’est faux, mais ça va faire rire</a:t>
+            </a:r>
+          </a:p>
+        </p:txBody>
+      </p:sp>
+      <p:sp>
+        <p:nvSpPr>
+          <p:cNvPr id="4" name="Espace réservé du numéro de diapositive 3"/>
+          <p:cNvSpPr>
+            <a:spLocks noGrp="1"/>
+          </p:cNvSpPr>
+          <p:nvPr>
+            <p:ph type="sldNum" sz="quarter" idx="5"/>
+          </p:nvPr>
+        </p:nvSpPr>
+        <p:spPr/>
+        <p:txBody>
+          <a:bodyPr/>
+          <a:lstStyle/>
+          <a:p>
+            <a:fld id="{BB2023DD-7612-4FCD-8C16-67E24E6CEE54}" type="slidenum">
+              <a:rPr lang="fr-CH" smtClean="0"/>
+              <a:t>9</a:t>
+            </a:fld>
+            <a:endParaRPr lang="fr-CH"/>
+          </a:p>
+        </p:txBody>
+      </p:sp>
+    </p:spTree>
+    <p:extLst>
+      <p:ext uri="{BB962C8B-B14F-4D97-AF65-F5344CB8AC3E}">
+        <p14:creationId xmlns:p14="http://schemas.microsoft.com/office/powerpoint/2010/main" val="1569711387"/>
+      </p:ext>
+    </p:extLst>
+  </p:cSld>
+  <p:clrMapOvr>
+    <a:masterClrMapping/>
+  </p:clrMapOvr>
+</p:notes>
+</file>
+
+<file path=ppt/notesSlides/notesSlide6.xml><?xml version="1.0" encoding="utf-8"?>
+<p:notes xmlns:a="http://schemas.openxmlformats.org/drawingml/2006/main" xmlns:r="http://schemas.openxmlformats.org/officeDocument/2006/relationships" xmlns:p="http://schemas.openxmlformats.org/presentationml/2006/main">
+  <p:cSld>
+    <p:spTree>
+      <p:nvGrpSpPr>
+        <p:cNvPr id="1" name=""/>
+        <p:cNvGrpSpPr/>
+        <p:nvPr/>
+      </p:nvGrpSpPr>
+      <p:grpSpPr>
+        <a:xfrm>
+          <a:off x="0" y="0"/>
+          <a:ext cx="0" cy="0"/>
+          <a:chOff x="0" y="0"/>
+          <a:chExt cx="0" cy="0"/>
+        </a:xfrm>
+      </p:grpSpPr>
+      <p:sp>
+        <p:nvSpPr>
+          <p:cNvPr id="2" name="Espace réservé de l'image des diapositives 1"/>
+          <p:cNvSpPr>
+            <a:spLocks noGrp="1" noRot="1" noChangeAspect="1"/>
+          </p:cNvSpPr>
+          <p:nvPr>
+            <p:ph type="sldImg"/>
+          </p:nvPr>
+        </p:nvSpPr>
+        <p:spPr/>
+      </p:sp>
+      <p:sp>
+        <p:nvSpPr>
+          <p:cNvPr id="3" name="Espace réservé des notes 2"/>
+          <p:cNvSpPr>
+            <a:spLocks noGrp="1"/>
+          </p:cNvSpPr>
+          <p:nvPr>
+            <p:ph type="body" idx="1"/>
+          </p:nvPr>
+        </p:nvSpPr>
+        <p:spPr/>
+        <p:txBody>
+          <a:bodyPr/>
+          <a:lstStyle/>
+          <a:p>
             <a:endParaRPr lang="fr-CH" dirty="0"/>
           </a:p>
         </p:txBody>
@@ -17779,7 +20503,7 @@
           <a:p>
             <a:fld id="{BB2023DD-7612-4FCD-8C16-67E24E6CEE54}" type="slidenum">
               <a:rPr lang="fr-CH" smtClean="0"/>
-              <a:t>10</a:t>
+              <a:t>11</a:t>
             </a:fld>
             <a:endParaRPr lang="fr-CH"/>
           </a:p>
@@ -17798,7 +20522,7 @@
 </p:notes>
 </file>
 
-<file path=ppt/notesSlides/notesSlide6.xml><?xml version="1.0" encoding="utf-8"?>
+<file path=ppt/notesSlides/notesSlide7.xml><?xml version="1.0" encoding="utf-8"?>
 <p:notes xmlns:a="http://schemas.openxmlformats.org/drawingml/2006/main" xmlns:r="http://schemas.openxmlformats.org/officeDocument/2006/relationships" xmlns:p="http://schemas.openxmlformats.org/presentationml/2006/main">
   <p:cSld>
     <p:spTree>
@@ -17884,7 +20608,7 @@
           <a:p>
             <a:fld id="{BB2023DD-7612-4FCD-8C16-67E24E6CEE54}" type="slidenum">
               <a:rPr lang="fr-CH" smtClean="0"/>
-              <a:t>11</a:t>
+              <a:t>12</a:t>
             </a:fld>
             <a:endParaRPr lang="fr-CH"/>
           </a:p>
@@ -24904,6 +27628,840 @@
           <a:chExt cx="0" cy="0"/>
         </a:xfrm>
       </p:grpSpPr>
+      <p:grpSp>
+        <p:nvGrpSpPr>
+          <p:cNvPr id="9" name="Group 8">
+            <a:extLst>
+              <a:ext uri="{FF2B5EF4-FFF2-40B4-BE49-F238E27FC236}">
+                <a16:creationId xmlns:a16="http://schemas.microsoft.com/office/drawing/2014/main" id="{9AE27B9D-0F04-458B-A718-F84902C79F7C}"/>
+              </a:ext>
+              <a:ext uri="{C183D7F6-B498-43B3-948B-1728B52AA6E4}">
+                <adec:decorative xmlns:adec="http://schemas.microsoft.com/office/drawing/2017/decorative" val="1"/>
+              </a:ext>
+            </a:extLst>
+          </p:cNvPr>
+          <p:cNvGrpSpPr>
+            <a:grpSpLocks noGrp="1" noUngrp="1" noRot="1" noChangeAspect="1" noMove="1" noResize="1"/>
+          </p:cNvGrpSpPr>
+          <p:nvPr>
+            <p:extLst>
+              <p:ext uri="{386F3935-93C4-4BCD-93E2-E3B085C9AB24}">
+                <p16:designElem xmlns:p16="http://schemas.microsoft.com/office/powerpoint/2015/main" val="1"/>
+              </p:ext>
+            </p:extLst>
+          </p:nvPr>
+        </p:nvGrpSpPr>
+        <p:grpSpPr>
+          <a:xfrm>
+            <a:off x="0" y="-8467"/>
+            <a:ext cx="12192000" cy="6866467"/>
+            <a:chOff x="0" y="-8467"/>
+            <a:chExt cx="12192000" cy="6866467"/>
+          </a:xfrm>
+        </p:grpSpPr>
+        <p:cxnSp>
+          <p:nvCxnSpPr>
+            <p:cNvPr id="10" name="Straight Connector 9">
+              <a:extLst>
+                <a:ext uri="{FF2B5EF4-FFF2-40B4-BE49-F238E27FC236}">
+                  <a16:creationId xmlns:a16="http://schemas.microsoft.com/office/drawing/2014/main" id="{47AB6435-428E-44C8-A107-8435183F6553}"/>
+                </a:ext>
+                <a:ext uri="{C183D7F6-B498-43B3-948B-1728B52AA6E4}">
+                  <adec:decorative xmlns:adec="http://schemas.microsoft.com/office/drawing/2017/decorative" val="1"/>
+                </a:ext>
+              </a:extLst>
+            </p:cNvPr>
+            <p:cNvCxnSpPr/>
+            <p:nvPr>
+              <p:extLst>
+                <p:ext uri="{386F3935-93C4-4BCD-93E2-E3B085C9AB24}">
+                  <p16:designElem xmlns:p16="http://schemas.microsoft.com/office/powerpoint/2015/main" val="1"/>
+                </p:ext>
+              </p:extLst>
+            </p:nvPr>
+          </p:nvCxnSpPr>
+          <p:spPr>
+            <a:xfrm>
+              <a:off x="9371012" y="0"/>
+              <a:ext cx="1219200" cy="6858000"/>
+            </a:xfrm>
+            <a:prstGeom prst="line">
+              <a:avLst/>
+            </a:prstGeom>
+            <a:ln w="9525">
+              <a:solidFill>
+                <a:schemeClr val="accent1">
+                  <a:alpha val="70000"/>
+                </a:schemeClr>
+              </a:solidFill>
+            </a:ln>
+          </p:spPr>
+          <p:style>
+            <a:lnRef idx="2">
+              <a:schemeClr val="accent1"/>
+            </a:lnRef>
+            <a:fillRef idx="0">
+              <a:schemeClr val="accent1"/>
+            </a:fillRef>
+            <a:effectRef idx="1">
+              <a:schemeClr val="accent1"/>
+            </a:effectRef>
+            <a:fontRef idx="minor">
+              <a:schemeClr val="tx1"/>
+            </a:fontRef>
+          </p:style>
+        </p:cxnSp>
+        <p:cxnSp>
+          <p:nvCxnSpPr>
+            <p:cNvPr id="11" name="Straight Connector 10">
+              <a:extLst>
+                <a:ext uri="{FF2B5EF4-FFF2-40B4-BE49-F238E27FC236}">
+                  <a16:creationId xmlns:a16="http://schemas.microsoft.com/office/drawing/2014/main" id="{3659658D-9AE1-44D3-B002-2BA204AB9021}"/>
+                </a:ext>
+                <a:ext uri="{C183D7F6-B498-43B3-948B-1728B52AA6E4}">
+                  <adec:decorative xmlns:adec="http://schemas.microsoft.com/office/drawing/2017/decorative" val="1"/>
+                </a:ext>
+              </a:extLst>
+            </p:cNvPr>
+            <p:cNvCxnSpPr/>
+            <p:nvPr>
+              <p:extLst>
+                <p:ext uri="{386F3935-93C4-4BCD-93E2-E3B085C9AB24}">
+                  <p16:designElem xmlns:p16="http://schemas.microsoft.com/office/powerpoint/2015/main" val="1"/>
+                </p:ext>
+              </p:extLst>
+            </p:nvPr>
+          </p:nvCxnSpPr>
+          <p:spPr>
+            <a:xfrm flipH="1">
+              <a:off x="7425267" y="3681413"/>
+              <a:ext cx="4763558" cy="3176587"/>
+            </a:xfrm>
+            <a:prstGeom prst="line">
+              <a:avLst/>
+            </a:prstGeom>
+            <a:ln w="9525">
+              <a:solidFill>
+                <a:schemeClr val="accent1">
+                  <a:alpha val="70000"/>
+                </a:schemeClr>
+              </a:solidFill>
+            </a:ln>
+          </p:spPr>
+          <p:style>
+            <a:lnRef idx="2">
+              <a:schemeClr val="accent1"/>
+            </a:lnRef>
+            <a:fillRef idx="0">
+              <a:schemeClr val="accent1"/>
+            </a:fillRef>
+            <a:effectRef idx="1">
+              <a:schemeClr val="accent1"/>
+            </a:effectRef>
+            <a:fontRef idx="minor">
+              <a:schemeClr val="tx1"/>
+            </a:fontRef>
+          </p:style>
+        </p:cxnSp>
+        <p:sp>
+          <p:nvSpPr>
+            <p:cNvPr id="12" name="Rectangle 23">
+              <a:extLst>
+                <a:ext uri="{FF2B5EF4-FFF2-40B4-BE49-F238E27FC236}">
+                  <a16:creationId xmlns:a16="http://schemas.microsoft.com/office/drawing/2014/main" id="{2083C874-CFCD-47ED-9F98-DDB125C9C065}"/>
+                </a:ext>
+                <a:ext uri="{C183D7F6-B498-43B3-948B-1728B52AA6E4}">
+                  <adec:decorative xmlns:adec="http://schemas.microsoft.com/office/drawing/2017/decorative" val="1"/>
+                </a:ext>
+              </a:extLst>
+            </p:cNvPr>
+            <p:cNvSpPr/>
+            <p:nvPr>
+              <p:extLst>
+                <p:ext uri="{386F3935-93C4-4BCD-93E2-E3B085C9AB24}">
+                  <p16:designElem xmlns:p16="http://schemas.microsoft.com/office/powerpoint/2015/main" val="1"/>
+                </p:ext>
+              </p:extLst>
+            </p:nvPr>
+          </p:nvSpPr>
+          <p:spPr>
+            <a:xfrm>
+              <a:off x="9181476" y="-8467"/>
+              <a:ext cx="3007349" cy="6866467"/>
+            </a:xfrm>
+            <a:custGeom>
+              <a:avLst/>
+              <a:gdLst/>
+              <a:ahLst/>
+              <a:cxnLst/>
+              <a:rect l="l" t="t" r="r" b="b"/>
+              <a:pathLst>
+                <a:path w="3007349" h="6866467">
+                  <a:moveTo>
+                    <a:pt x="2045532" y="0"/>
+                  </a:moveTo>
+                  <a:lnTo>
+                    <a:pt x="3007349" y="0"/>
+                  </a:lnTo>
+                  <a:lnTo>
+                    <a:pt x="3007349" y="6866467"/>
+                  </a:lnTo>
+                  <a:lnTo>
+                    <a:pt x="0" y="6866467"/>
+                  </a:lnTo>
+                  <a:lnTo>
+                    <a:pt x="2045532" y="0"/>
+                  </a:lnTo>
+                  <a:close/>
+                </a:path>
+              </a:pathLst>
+            </a:custGeom>
+            <a:solidFill>
+              <a:schemeClr val="accent1">
+                <a:alpha val="36000"/>
+              </a:schemeClr>
+            </a:solidFill>
+            <a:ln>
+              <a:noFill/>
+            </a:ln>
+            <a:effectLst/>
+          </p:spPr>
+          <p:style>
+            <a:lnRef idx="1">
+              <a:schemeClr val="accent1"/>
+            </a:lnRef>
+            <a:fillRef idx="3">
+              <a:schemeClr val="accent1"/>
+            </a:fillRef>
+            <a:effectRef idx="2">
+              <a:schemeClr val="accent1"/>
+            </a:effectRef>
+            <a:fontRef idx="minor">
+              <a:schemeClr val="lt1"/>
+            </a:fontRef>
+          </p:style>
+        </p:sp>
+        <p:sp>
+          <p:nvSpPr>
+            <p:cNvPr id="13" name="Rectangle 25">
+              <a:extLst>
+                <a:ext uri="{FF2B5EF4-FFF2-40B4-BE49-F238E27FC236}">
+                  <a16:creationId xmlns:a16="http://schemas.microsoft.com/office/drawing/2014/main" id="{605E9946-A240-42E3-B6CD-E6691BF46748}"/>
+                </a:ext>
+                <a:ext uri="{C183D7F6-B498-43B3-948B-1728B52AA6E4}">
+                  <adec:decorative xmlns:adec="http://schemas.microsoft.com/office/drawing/2017/decorative" val="1"/>
+                </a:ext>
+              </a:extLst>
+            </p:cNvPr>
+            <p:cNvSpPr/>
+            <p:nvPr>
+              <p:extLst>
+                <p:ext uri="{386F3935-93C4-4BCD-93E2-E3B085C9AB24}">
+                  <p16:designElem xmlns:p16="http://schemas.microsoft.com/office/powerpoint/2015/main" val="1"/>
+                </p:ext>
+              </p:extLst>
+            </p:nvPr>
+          </p:nvSpPr>
+          <p:spPr>
+            <a:xfrm>
+              <a:off x="9603442" y="-8467"/>
+              <a:ext cx="2588558" cy="6866467"/>
+            </a:xfrm>
+            <a:custGeom>
+              <a:avLst/>
+              <a:gdLst/>
+              <a:ahLst/>
+              <a:cxnLst/>
+              <a:rect l="l" t="t" r="r" b="b"/>
+              <a:pathLst>
+                <a:path w="2573311" h="6866467">
+                  <a:moveTo>
+                    <a:pt x="0" y="0"/>
+                  </a:moveTo>
+                  <a:lnTo>
+                    <a:pt x="2573311" y="0"/>
+                  </a:lnTo>
+                  <a:lnTo>
+                    <a:pt x="2573311" y="6866467"/>
+                  </a:lnTo>
+                  <a:lnTo>
+                    <a:pt x="1202336" y="6866467"/>
+                  </a:lnTo>
+                  <a:lnTo>
+                    <a:pt x="0" y="0"/>
+                  </a:lnTo>
+                  <a:close/>
+                </a:path>
+              </a:pathLst>
+            </a:custGeom>
+            <a:solidFill>
+              <a:schemeClr val="accent1">
+                <a:alpha val="20000"/>
+              </a:schemeClr>
+            </a:solidFill>
+            <a:ln>
+              <a:noFill/>
+            </a:ln>
+            <a:effectLst/>
+          </p:spPr>
+          <p:style>
+            <a:lnRef idx="1">
+              <a:schemeClr val="accent1"/>
+            </a:lnRef>
+            <a:fillRef idx="3">
+              <a:schemeClr val="accent1"/>
+            </a:fillRef>
+            <a:effectRef idx="2">
+              <a:schemeClr val="accent1"/>
+            </a:effectRef>
+            <a:fontRef idx="minor">
+              <a:schemeClr val="lt1"/>
+            </a:fontRef>
+          </p:style>
+        </p:sp>
+        <p:sp>
+          <p:nvSpPr>
+            <p:cNvPr id="14" name="Isosceles Triangle 13">
+              <a:extLst>
+                <a:ext uri="{FF2B5EF4-FFF2-40B4-BE49-F238E27FC236}">
+                  <a16:creationId xmlns:a16="http://schemas.microsoft.com/office/drawing/2014/main" id="{315B1B45-25C3-4C58-8EB8-41BCFA02A639}"/>
+                </a:ext>
+                <a:ext uri="{C183D7F6-B498-43B3-948B-1728B52AA6E4}">
+                  <adec:decorative xmlns:adec="http://schemas.microsoft.com/office/drawing/2017/decorative" val="1"/>
+                </a:ext>
+              </a:extLst>
+            </p:cNvPr>
+            <p:cNvSpPr/>
+            <p:nvPr>
+              <p:extLst>
+                <p:ext uri="{386F3935-93C4-4BCD-93E2-E3B085C9AB24}">
+                  <p16:designElem xmlns:p16="http://schemas.microsoft.com/office/powerpoint/2015/main" val="1"/>
+                </p:ext>
+              </p:extLst>
+            </p:nvPr>
+          </p:nvSpPr>
+          <p:spPr>
+            <a:xfrm>
+              <a:off x="8932333" y="3048000"/>
+              <a:ext cx="3259667" cy="3810000"/>
+            </a:xfrm>
+            <a:prstGeom prst="triangle">
+              <a:avLst>
+                <a:gd name="adj" fmla="val 100000"/>
+              </a:avLst>
+            </a:prstGeom>
+            <a:solidFill>
+              <a:schemeClr val="accent1">
+                <a:alpha val="72000"/>
+              </a:schemeClr>
+            </a:solidFill>
+            <a:ln>
+              <a:noFill/>
+            </a:ln>
+            <a:effectLst/>
+          </p:spPr>
+          <p:style>
+            <a:lnRef idx="1">
+              <a:schemeClr val="accent1"/>
+            </a:lnRef>
+            <a:fillRef idx="3">
+              <a:schemeClr val="accent1"/>
+            </a:fillRef>
+            <a:effectRef idx="2">
+              <a:schemeClr val="accent1"/>
+            </a:effectRef>
+            <a:fontRef idx="minor">
+              <a:schemeClr val="lt1"/>
+            </a:fontRef>
+          </p:style>
+        </p:sp>
+        <p:sp>
+          <p:nvSpPr>
+            <p:cNvPr id="15" name="Rectangle 27">
+              <a:extLst>
+                <a:ext uri="{FF2B5EF4-FFF2-40B4-BE49-F238E27FC236}">
+                  <a16:creationId xmlns:a16="http://schemas.microsoft.com/office/drawing/2014/main" id="{87983A9A-7A69-406F-AFEA-AD2AE87E1FA6}"/>
+                </a:ext>
+                <a:ext uri="{C183D7F6-B498-43B3-948B-1728B52AA6E4}">
+                  <adec:decorative xmlns:adec="http://schemas.microsoft.com/office/drawing/2017/decorative" val="1"/>
+                </a:ext>
+              </a:extLst>
+            </p:cNvPr>
+            <p:cNvSpPr/>
+            <p:nvPr>
+              <p:extLst>
+                <p:ext uri="{386F3935-93C4-4BCD-93E2-E3B085C9AB24}">
+                  <p16:designElem xmlns:p16="http://schemas.microsoft.com/office/powerpoint/2015/main" val="1"/>
+                </p:ext>
+              </p:extLst>
+            </p:nvPr>
+          </p:nvSpPr>
+          <p:spPr>
+            <a:xfrm>
+              <a:off x="9334500" y="-8467"/>
+              <a:ext cx="2854326" cy="6866467"/>
+            </a:xfrm>
+            <a:custGeom>
+              <a:avLst/>
+              <a:gdLst/>
+              <a:ahLst/>
+              <a:cxnLst/>
+              <a:rect l="l" t="t" r="r" b="b"/>
+              <a:pathLst>
+                <a:path w="2858013" h="6866467">
+                  <a:moveTo>
+                    <a:pt x="0" y="0"/>
+                  </a:moveTo>
+                  <a:lnTo>
+                    <a:pt x="2858013" y="0"/>
+                  </a:lnTo>
+                  <a:lnTo>
+                    <a:pt x="2858013" y="6866467"/>
+                  </a:lnTo>
+                  <a:lnTo>
+                    <a:pt x="2473942" y="6866467"/>
+                  </a:lnTo>
+                  <a:lnTo>
+                    <a:pt x="0" y="0"/>
+                  </a:lnTo>
+                  <a:close/>
+                </a:path>
+              </a:pathLst>
+            </a:custGeom>
+            <a:solidFill>
+              <a:schemeClr val="accent1">
+                <a:lumMod val="75000"/>
+                <a:alpha val="50000"/>
+              </a:schemeClr>
+            </a:solidFill>
+            <a:ln>
+              <a:noFill/>
+            </a:ln>
+            <a:effectLst/>
+          </p:spPr>
+          <p:style>
+            <a:lnRef idx="1">
+              <a:schemeClr val="accent1"/>
+            </a:lnRef>
+            <a:fillRef idx="3">
+              <a:schemeClr val="accent1"/>
+            </a:fillRef>
+            <a:effectRef idx="2">
+              <a:schemeClr val="accent1"/>
+            </a:effectRef>
+            <a:fontRef idx="minor">
+              <a:schemeClr val="lt1"/>
+            </a:fontRef>
+          </p:style>
+        </p:sp>
+        <p:sp>
+          <p:nvSpPr>
+            <p:cNvPr id="16" name="Rectangle 28">
+              <a:extLst>
+                <a:ext uri="{FF2B5EF4-FFF2-40B4-BE49-F238E27FC236}">
+                  <a16:creationId xmlns:a16="http://schemas.microsoft.com/office/drawing/2014/main" id="{FFCBC4EF-C03E-4EED-9E9A-3097DECC005C}"/>
+                </a:ext>
+                <a:ext uri="{C183D7F6-B498-43B3-948B-1728B52AA6E4}">
+                  <adec:decorative xmlns:adec="http://schemas.microsoft.com/office/drawing/2017/decorative" val="1"/>
+                </a:ext>
+              </a:extLst>
+            </p:cNvPr>
+            <p:cNvSpPr/>
+            <p:nvPr>
+              <p:extLst>
+                <p:ext uri="{386F3935-93C4-4BCD-93E2-E3B085C9AB24}">
+                  <p16:designElem xmlns:p16="http://schemas.microsoft.com/office/powerpoint/2015/main" val="1"/>
+                </p:ext>
+              </p:extLst>
+            </p:nvPr>
+          </p:nvSpPr>
+          <p:spPr>
+            <a:xfrm>
+              <a:off x="10898730" y="-8467"/>
+              <a:ext cx="1290094" cy="6866467"/>
+            </a:xfrm>
+            <a:custGeom>
+              <a:avLst/>
+              <a:gdLst/>
+              <a:ahLst/>
+              <a:cxnLst/>
+              <a:rect l="l" t="t" r="r" b="b"/>
+              <a:pathLst>
+                <a:path w="1290094" h="6858000">
+                  <a:moveTo>
+                    <a:pt x="1019735" y="0"/>
+                  </a:moveTo>
+                  <a:lnTo>
+                    <a:pt x="1290094" y="0"/>
+                  </a:lnTo>
+                  <a:lnTo>
+                    <a:pt x="1290094" y="6858000"/>
+                  </a:lnTo>
+                  <a:lnTo>
+                    <a:pt x="0" y="6858000"/>
+                  </a:lnTo>
+                  <a:lnTo>
+                    <a:pt x="1019735" y="0"/>
+                  </a:lnTo>
+                  <a:close/>
+                </a:path>
+              </a:pathLst>
+            </a:custGeom>
+            <a:solidFill>
+              <a:schemeClr val="accent1">
+                <a:lumMod val="75000"/>
+                <a:alpha val="70000"/>
+              </a:schemeClr>
+            </a:solidFill>
+            <a:ln>
+              <a:noFill/>
+            </a:ln>
+            <a:effectLst/>
+          </p:spPr>
+          <p:style>
+            <a:lnRef idx="1">
+              <a:schemeClr val="accent1"/>
+            </a:lnRef>
+            <a:fillRef idx="3">
+              <a:schemeClr val="accent1"/>
+            </a:fillRef>
+            <a:effectRef idx="2">
+              <a:schemeClr val="accent1"/>
+            </a:effectRef>
+            <a:fontRef idx="minor">
+              <a:schemeClr val="lt1"/>
+            </a:fontRef>
+          </p:style>
+        </p:sp>
+        <p:sp>
+          <p:nvSpPr>
+            <p:cNvPr id="17" name="Rectangle 29">
+              <a:extLst>
+                <a:ext uri="{FF2B5EF4-FFF2-40B4-BE49-F238E27FC236}">
+                  <a16:creationId xmlns:a16="http://schemas.microsoft.com/office/drawing/2014/main" id="{F56545EE-F94F-4B4C-AA43-9D67456645F1}"/>
+                </a:ext>
+                <a:ext uri="{C183D7F6-B498-43B3-948B-1728B52AA6E4}">
+                  <adec:decorative xmlns:adec="http://schemas.microsoft.com/office/drawing/2017/decorative" val="1"/>
+                </a:ext>
+              </a:extLst>
+            </p:cNvPr>
+            <p:cNvSpPr/>
+            <p:nvPr>
+              <p:extLst>
+                <p:ext uri="{386F3935-93C4-4BCD-93E2-E3B085C9AB24}">
+                  <p16:designElem xmlns:p16="http://schemas.microsoft.com/office/powerpoint/2015/main" val="1"/>
+                </p:ext>
+              </p:extLst>
+            </p:nvPr>
+          </p:nvSpPr>
+          <p:spPr>
+            <a:xfrm>
+              <a:off x="10938999" y="-8467"/>
+              <a:ext cx="1249825" cy="6866467"/>
+            </a:xfrm>
+            <a:custGeom>
+              <a:avLst/>
+              <a:gdLst/>
+              <a:ahLst/>
+              <a:cxnLst/>
+              <a:rect l="l" t="t" r="r" b="b"/>
+              <a:pathLst>
+                <a:path w="1249825" h="6858000">
+                  <a:moveTo>
+                    <a:pt x="0" y="0"/>
+                  </a:moveTo>
+                  <a:lnTo>
+                    <a:pt x="1249825" y="0"/>
+                  </a:lnTo>
+                  <a:lnTo>
+                    <a:pt x="1249825" y="6858000"/>
+                  </a:lnTo>
+                  <a:lnTo>
+                    <a:pt x="1109382" y="6858000"/>
+                  </a:lnTo>
+                  <a:lnTo>
+                    <a:pt x="0" y="0"/>
+                  </a:lnTo>
+                  <a:close/>
+                </a:path>
+              </a:pathLst>
+            </a:custGeom>
+            <a:solidFill>
+              <a:schemeClr val="accent1">
+                <a:lumMod val="50000"/>
+                <a:alpha val="80000"/>
+              </a:schemeClr>
+            </a:solidFill>
+            <a:ln>
+              <a:noFill/>
+            </a:ln>
+            <a:effectLst/>
+          </p:spPr>
+          <p:style>
+            <a:lnRef idx="1">
+              <a:schemeClr val="accent1"/>
+            </a:lnRef>
+            <a:fillRef idx="3">
+              <a:schemeClr val="accent1"/>
+            </a:fillRef>
+            <a:effectRef idx="2">
+              <a:schemeClr val="accent1"/>
+            </a:effectRef>
+            <a:fontRef idx="minor">
+              <a:schemeClr val="lt1"/>
+            </a:fontRef>
+          </p:style>
+        </p:sp>
+        <p:sp>
+          <p:nvSpPr>
+            <p:cNvPr id="18" name="Isosceles Triangle 17">
+              <a:extLst>
+                <a:ext uri="{FF2B5EF4-FFF2-40B4-BE49-F238E27FC236}">
+                  <a16:creationId xmlns:a16="http://schemas.microsoft.com/office/drawing/2014/main" id="{2FE2A6B2-D45B-484C-BAFD-3F4508266425}"/>
+                </a:ext>
+                <a:ext uri="{C183D7F6-B498-43B3-948B-1728B52AA6E4}">
+                  <adec:decorative xmlns:adec="http://schemas.microsoft.com/office/drawing/2017/decorative" val="1"/>
+                </a:ext>
+              </a:extLst>
+            </p:cNvPr>
+            <p:cNvSpPr/>
+            <p:nvPr>
+              <p:extLst>
+                <p:ext uri="{386F3935-93C4-4BCD-93E2-E3B085C9AB24}">
+                  <p16:designElem xmlns:p16="http://schemas.microsoft.com/office/powerpoint/2015/main" val="1"/>
+                </p:ext>
+              </p:extLst>
+            </p:nvPr>
+          </p:nvSpPr>
+          <p:spPr>
+            <a:xfrm>
+              <a:off x="10371666" y="3589867"/>
+              <a:ext cx="1817159" cy="3268133"/>
+            </a:xfrm>
+            <a:prstGeom prst="triangle">
+              <a:avLst>
+                <a:gd name="adj" fmla="val 100000"/>
+              </a:avLst>
+            </a:prstGeom>
+            <a:solidFill>
+              <a:schemeClr val="accent1">
+                <a:lumMod val="50000"/>
+                <a:alpha val="66000"/>
+              </a:schemeClr>
+            </a:solidFill>
+            <a:ln>
+              <a:noFill/>
+            </a:ln>
+            <a:effectLst/>
+          </p:spPr>
+          <p:style>
+            <a:lnRef idx="1">
+              <a:schemeClr val="accent1"/>
+            </a:lnRef>
+            <a:fillRef idx="3">
+              <a:schemeClr val="accent1"/>
+            </a:fillRef>
+            <a:effectRef idx="2">
+              <a:schemeClr val="accent1"/>
+            </a:effectRef>
+            <a:fontRef idx="minor">
+              <a:schemeClr val="lt1"/>
+            </a:fontRef>
+          </p:style>
+        </p:sp>
+        <p:sp>
+          <p:nvSpPr>
+            <p:cNvPr id="19" name="Isosceles Triangle 18">
+              <a:extLst>
+                <a:ext uri="{FF2B5EF4-FFF2-40B4-BE49-F238E27FC236}">
+                  <a16:creationId xmlns:a16="http://schemas.microsoft.com/office/drawing/2014/main" id="{EC2132BF-207E-4FB2-B0FE-E6FD0A1D1882}"/>
+                </a:ext>
+                <a:ext uri="{C183D7F6-B498-43B3-948B-1728B52AA6E4}">
+                  <adec:decorative xmlns:adec="http://schemas.microsoft.com/office/drawing/2017/decorative" val="1"/>
+                </a:ext>
+              </a:extLst>
+            </p:cNvPr>
+            <p:cNvSpPr/>
+            <p:nvPr>
+              <p:extLst>
+                <p:ext uri="{386F3935-93C4-4BCD-93E2-E3B085C9AB24}">
+                  <p16:designElem xmlns:p16="http://schemas.microsoft.com/office/powerpoint/2015/main" val="1"/>
+                </p:ext>
+              </p:extLst>
+            </p:nvPr>
+          </p:nvSpPr>
+          <p:spPr>
+            <a:xfrm rot="10800000">
+              <a:off x="0" y="0"/>
+              <a:ext cx="842596" cy="5666154"/>
+            </a:xfrm>
+            <a:prstGeom prst="triangle">
+              <a:avLst>
+                <a:gd name="adj" fmla="val 100000"/>
+              </a:avLst>
+            </a:prstGeom>
+            <a:solidFill>
+              <a:schemeClr val="accent1">
+                <a:lumMod val="75000"/>
+                <a:alpha val="70000"/>
+              </a:schemeClr>
+            </a:solidFill>
+            <a:ln>
+              <a:noFill/>
+            </a:ln>
+            <a:effectLst/>
+          </p:spPr>
+          <p:style>
+            <a:lnRef idx="1">
+              <a:schemeClr val="accent1"/>
+            </a:lnRef>
+            <a:fillRef idx="3">
+              <a:schemeClr val="accent1"/>
+            </a:fillRef>
+            <a:effectRef idx="2">
+              <a:schemeClr val="accent1"/>
+            </a:effectRef>
+            <a:fontRef idx="minor">
+              <a:schemeClr val="lt1"/>
+            </a:fontRef>
+          </p:style>
+        </p:sp>
+      </p:grpSp>
+      <p:sp>
+        <p:nvSpPr>
+          <p:cNvPr id="2" name="Titre 1">
+            <a:extLst>
+              <a:ext uri="{FF2B5EF4-FFF2-40B4-BE49-F238E27FC236}">
+                <a16:creationId xmlns:a16="http://schemas.microsoft.com/office/drawing/2014/main" id="{08440320-E0CC-43C9-9FAE-481801C98D22}"/>
+              </a:ext>
+            </a:extLst>
+          </p:cNvPr>
+          <p:cNvSpPr>
+            <a:spLocks noGrp="1"/>
+          </p:cNvSpPr>
+          <p:nvPr>
+            <p:ph type="title"/>
+          </p:nvPr>
+        </p:nvSpPr>
+        <p:spPr>
+          <a:xfrm>
+            <a:off x="2691521" y="358352"/>
+            <a:ext cx="5995335" cy="1096648"/>
+          </a:xfrm>
+        </p:spPr>
+        <p:txBody>
+          <a:bodyPr vert="horz" lIns="91440" tIns="45720" rIns="91440" bIns="45720" rtlCol="0" anchor="b">
+            <a:noAutofit/>
+          </a:bodyPr>
+          <a:lstStyle/>
+          <a:p>
+            <a:pPr algn="ctr"/>
+            <a:r>
+              <a:rPr lang="en-US" sz="6000" dirty="0" err="1"/>
+              <a:t>Démonstration</a:t>
+            </a:r>
+            <a:endParaRPr lang="en-US" sz="6000" dirty="0"/>
+          </a:p>
+        </p:txBody>
+      </p:sp>
+      <p:pic>
+        <p:nvPicPr>
+          <p:cNvPr id="6" name="Image 5">
+            <a:extLst>
+              <a:ext uri="{FF2B5EF4-FFF2-40B4-BE49-F238E27FC236}">
+                <a16:creationId xmlns:a16="http://schemas.microsoft.com/office/drawing/2014/main" id="{89BC5771-1754-4279-BDCB-A1A8558EFE1A}"/>
+              </a:ext>
+            </a:extLst>
+          </p:cNvPr>
+          <p:cNvPicPr>
+            <a:picLocks noChangeAspect="1"/>
+          </p:cNvPicPr>
+          <p:nvPr/>
+        </p:nvPicPr>
+        <p:blipFill>
+          <a:blip r:embed="rId2"/>
+          <a:stretch>
+            <a:fillRect/>
+          </a:stretch>
+        </p:blipFill>
+        <p:spPr>
+          <a:xfrm>
+            <a:off x="2865301" y="775520"/>
+            <a:ext cx="6082480" cy="6082480"/>
+          </a:xfrm>
+          <a:prstGeom prst="rect">
+            <a:avLst/>
+          </a:prstGeom>
+        </p:spPr>
+      </p:pic>
+      <p:pic>
+        <p:nvPicPr>
+          <p:cNvPr id="21" name="Image 20">
+            <a:extLst>
+              <a:ext uri="{FF2B5EF4-FFF2-40B4-BE49-F238E27FC236}">
+                <a16:creationId xmlns:a16="http://schemas.microsoft.com/office/drawing/2014/main" id="{E88DE8B1-5673-4176-AD44-6913AD8C6319}"/>
+              </a:ext>
+            </a:extLst>
+          </p:cNvPr>
+          <p:cNvPicPr>
+            <a:picLocks noChangeAspect="1"/>
+          </p:cNvPicPr>
+          <p:nvPr/>
+        </p:nvPicPr>
+        <p:blipFill>
+          <a:blip r:embed="rId3"/>
+          <a:stretch>
+            <a:fillRect/>
+          </a:stretch>
+        </p:blipFill>
+        <p:spPr>
+          <a:xfrm>
+            <a:off x="6341733" y="2907946"/>
+            <a:ext cx="1498592" cy="1546934"/>
+          </a:xfrm>
+          <a:prstGeom prst="rect">
+            <a:avLst/>
+          </a:prstGeom>
+        </p:spPr>
+      </p:pic>
+    </p:spTree>
+    <p:extLst>
+      <p:ext uri="{BB962C8B-B14F-4D97-AF65-F5344CB8AC3E}">
+        <p14:creationId xmlns:p14="http://schemas.microsoft.com/office/powerpoint/2010/main" val="4041514060"/>
+      </p:ext>
+    </p:extLst>
+  </p:cSld>
+  <p:clrMapOvr>
+    <a:masterClrMapping/>
+  </p:clrMapOvr>
+</p:sld>
+</file>
+
+<file path=ppt/slides/slide11.xml><?xml version="1.0" encoding="utf-8"?>
+<p:sld xmlns:a="http://schemas.openxmlformats.org/drawingml/2006/main" xmlns:r="http://schemas.openxmlformats.org/officeDocument/2006/relationships" xmlns:p="http://schemas.openxmlformats.org/presentationml/2006/main">
+  <p:cSld>
+    <p:bg>
+      <p:bgPr>
+        <a:solidFill>
+          <a:schemeClr val="bg1"/>
+        </a:solidFill>
+        <a:effectLst/>
+      </p:bgPr>
+    </p:bg>
+    <p:spTree>
+      <p:nvGrpSpPr>
+        <p:cNvPr id="1" name=""/>
+        <p:cNvGrpSpPr/>
+        <p:nvPr/>
+      </p:nvGrpSpPr>
+      <p:grpSpPr>
+        <a:xfrm>
+          <a:off x="0" y="0"/>
+          <a:ext cx="0" cy="0"/>
+          <a:chOff x="0" y="0"/>
+          <a:chExt cx="0" cy="0"/>
+        </a:xfrm>
+      </p:grpSpPr>
       <p:sp useBgFill="1">
         <p:nvSpPr>
           <p:cNvPr id="28" name="Rectangle 27">
@@ -26558,7 +30116,7 @@
 </p:sld>
 </file>
 
-<file path=ppt/slides/slide11.xml><?xml version="1.0" encoding="utf-8"?>
+<file path=ppt/slides/slide12.xml><?xml version="1.0" encoding="utf-8"?>
 <p:sld xmlns:a="http://schemas.openxmlformats.org/drawingml/2006/main" xmlns:r="http://schemas.openxmlformats.org/officeDocument/2006/relationships" xmlns:p="http://schemas.openxmlformats.org/presentationml/2006/main">
   <p:cSld>
     <p:bg>
@@ -28191,7 +31749,7 @@
 </p:sld>
 </file>
 
-<file path=ppt/slides/slide12.xml><?xml version="1.0" encoding="utf-8"?>
+<file path=ppt/slides/slide13.xml><?xml version="1.0" encoding="utf-8"?>
 <p:sld xmlns:a="http://schemas.openxmlformats.org/drawingml/2006/main" xmlns:r="http://schemas.openxmlformats.org/officeDocument/2006/relationships" xmlns:p="http://schemas.openxmlformats.org/presentationml/2006/main">
   <p:cSld>
     <p:spTree>
@@ -31373,330 +34931,36 @@
           </a:p>
         </p:txBody>
       </p:sp>
-      <p:sp>
-        <p:nvSpPr>
-          <p:cNvPr id="20" name="Sous-titre 2">
+      <p:pic>
+        <p:nvPicPr>
+          <p:cNvPr id="4" name="Image 3">
             <a:extLst>
               <a:ext uri="{FF2B5EF4-FFF2-40B4-BE49-F238E27FC236}">
-                <a16:creationId xmlns:a16="http://schemas.microsoft.com/office/drawing/2014/main" id="{474D0B8C-32C5-404D-831F-FD08F9FAADFF}"/>
+                <a16:creationId xmlns:a16="http://schemas.microsoft.com/office/drawing/2014/main" id="{7CEA68DC-1441-4241-8945-1B177727F05E}"/>
               </a:ext>
             </a:extLst>
           </p:cNvPr>
-          <p:cNvSpPr txBox="1">
-            <a:spLocks/>
-          </p:cNvSpPr>
+          <p:cNvPicPr>
+            <a:picLocks noChangeAspect="1"/>
+          </p:cNvPicPr>
           <p:nvPr/>
-        </p:nvSpPr>
+        </p:nvPicPr>
+        <p:blipFill>
+          <a:blip r:embed="rId3"/>
+          <a:stretch>
+            <a:fillRect/>
+          </a:stretch>
+        </p:blipFill>
         <p:spPr>
           <a:xfrm>
-            <a:off x="4314910" y="3012840"/>
-            <a:ext cx="3027274" cy="668573"/>
+            <a:off x="0" y="1898790"/>
+            <a:ext cx="12192000" cy="3094484"/>
           </a:xfrm>
           <a:prstGeom prst="rect">
             <a:avLst/>
           </a:prstGeom>
         </p:spPr>
-        <p:txBody>
-          <a:bodyPr vert="horz" lIns="91440" tIns="45720" rIns="91440" bIns="45720" rtlCol="0" anchor="t">
-            <a:normAutofit fontScale="77500" lnSpcReduction="20000"/>
-          </a:bodyPr>
-          <a:lstStyle>
-            <a:lvl1pPr marL="0" indent="0" algn="r" defTabSz="457200" rtl="0" eaLnBrk="1" latinLnBrk="0" hangingPunct="1">
-              <a:spcBef>
-                <a:spcPts val="1000"/>
-              </a:spcBef>
-              <a:spcAft>
-                <a:spcPts val="0"/>
-              </a:spcAft>
-              <a:buClr>
-                <a:schemeClr val="accent1">
-                  <a:lumMod val="75000"/>
-                </a:schemeClr>
-              </a:buClr>
-              <a:buSzPct val="80000"/>
-              <a:buFont typeface="Wingdings 3" charset="2"/>
-              <a:buNone/>
-              <a:defRPr sz="1800" kern="1200">
-                <a:solidFill>
-                  <a:schemeClr val="tx1">
-                    <a:lumMod val="50000"/>
-                    <a:lumOff val="50000"/>
-                  </a:schemeClr>
-                </a:solidFill>
-                <a:latin typeface="+mn-lt"/>
-                <a:ea typeface="+mn-ea"/>
-                <a:cs typeface="+mn-cs"/>
-              </a:defRPr>
-            </a:lvl1pPr>
-            <a:lvl2pPr marL="457200" indent="0" algn="ctr" defTabSz="457200" rtl="0" eaLnBrk="1" latinLnBrk="0" hangingPunct="1">
-              <a:spcBef>
-                <a:spcPts val="1000"/>
-              </a:spcBef>
-              <a:spcAft>
-                <a:spcPts val="0"/>
-              </a:spcAft>
-              <a:buClr>
-                <a:schemeClr val="accent1">
-                  <a:lumMod val="75000"/>
-                </a:schemeClr>
-              </a:buClr>
-              <a:buSzPct val="80000"/>
-              <a:buFont typeface="Wingdings 3" charset="2"/>
-              <a:buNone/>
-              <a:defRPr sz="1600" kern="1200">
-                <a:solidFill>
-                  <a:schemeClr val="tx1">
-                    <a:tint val="75000"/>
-                  </a:schemeClr>
-                </a:solidFill>
-                <a:latin typeface="+mn-lt"/>
-                <a:ea typeface="+mn-ea"/>
-                <a:cs typeface="+mn-cs"/>
-              </a:defRPr>
-            </a:lvl2pPr>
-            <a:lvl3pPr marL="914400" indent="0" algn="ctr" defTabSz="457200" rtl="0" eaLnBrk="1" latinLnBrk="0" hangingPunct="1">
-              <a:spcBef>
-                <a:spcPts val="1000"/>
-              </a:spcBef>
-              <a:spcAft>
-                <a:spcPts val="0"/>
-              </a:spcAft>
-              <a:buClr>
-                <a:schemeClr val="accent1">
-                  <a:lumMod val="75000"/>
-                </a:schemeClr>
-              </a:buClr>
-              <a:buSzPct val="80000"/>
-              <a:buFont typeface="Wingdings 3" charset="2"/>
-              <a:buNone/>
-              <a:defRPr sz="1400" kern="1200">
-                <a:solidFill>
-                  <a:schemeClr val="tx1">
-                    <a:tint val="75000"/>
-                  </a:schemeClr>
-                </a:solidFill>
-                <a:latin typeface="+mn-lt"/>
-                <a:ea typeface="+mn-ea"/>
-                <a:cs typeface="+mn-cs"/>
-              </a:defRPr>
-            </a:lvl3pPr>
-            <a:lvl4pPr marL="1371600" indent="0" algn="ctr" defTabSz="457200" rtl="0" eaLnBrk="1" latinLnBrk="0" hangingPunct="1">
-              <a:spcBef>
-                <a:spcPts val="1000"/>
-              </a:spcBef>
-              <a:spcAft>
-                <a:spcPts val="0"/>
-              </a:spcAft>
-              <a:buClr>
-                <a:schemeClr val="accent1">
-                  <a:lumMod val="75000"/>
-                </a:schemeClr>
-              </a:buClr>
-              <a:buSzPct val="80000"/>
-              <a:buFont typeface="Wingdings 3" charset="2"/>
-              <a:buNone/>
-              <a:defRPr sz="1200" kern="1200">
-                <a:solidFill>
-                  <a:schemeClr val="tx1">
-                    <a:tint val="75000"/>
-                  </a:schemeClr>
-                </a:solidFill>
-                <a:latin typeface="+mn-lt"/>
-                <a:ea typeface="+mn-ea"/>
-                <a:cs typeface="+mn-cs"/>
-              </a:defRPr>
-            </a:lvl4pPr>
-            <a:lvl5pPr marL="1828800" indent="0" algn="ctr" defTabSz="457200" rtl="0" eaLnBrk="1" latinLnBrk="0" hangingPunct="1">
-              <a:spcBef>
-                <a:spcPts val="1000"/>
-              </a:spcBef>
-              <a:spcAft>
-                <a:spcPts val="0"/>
-              </a:spcAft>
-              <a:buClr>
-                <a:schemeClr val="accent1">
-                  <a:lumMod val="75000"/>
-                </a:schemeClr>
-              </a:buClr>
-              <a:buSzPct val="80000"/>
-              <a:buFont typeface="Wingdings 3" charset="2"/>
-              <a:buNone/>
-              <a:defRPr sz="1200" kern="1200">
-                <a:solidFill>
-                  <a:schemeClr val="tx1">
-                    <a:tint val="75000"/>
-                  </a:schemeClr>
-                </a:solidFill>
-                <a:latin typeface="+mn-lt"/>
-                <a:ea typeface="+mn-ea"/>
-                <a:cs typeface="+mn-cs"/>
-              </a:defRPr>
-            </a:lvl5pPr>
-            <a:lvl6pPr marL="2286000" indent="0" algn="ctr" defTabSz="457200" rtl="0" eaLnBrk="1" latinLnBrk="0" hangingPunct="1">
-              <a:spcBef>
-                <a:spcPts val="1000"/>
-              </a:spcBef>
-              <a:spcAft>
-                <a:spcPts val="0"/>
-              </a:spcAft>
-              <a:buClr>
-                <a:schemeClr val="accent1">
-                  <a:lumMod val="75000"/>
-                </a:schemeClr>
-              </a:buClr>
-              <a:buSzPct val="80000"/>
-              <a:buFont typeface="Wingdings 3" charset="2"/>
-              <a:buNone/>
-              <a:defRPr sz="1200" kern="1200">
-                <a:solidFill>
-                  <a:schemeClr val="tx1">
-                    <a:tint val="75000"/>
-                  </a:schemeClr>
-                </a:solidFill>
-                <a:latin typeface="+mn-lt"/>
-                <a:ea typeface="+mn-ea"/>
-                <a:cs typeface="+mn-cs"/>
-              </a:defRPr>
-            </a:lvl6pPr>
-            <a:lvl7pPr marL="2743200" indent="0" algn="ctr" defTabSz="457200" rtl="0" eaLnBrk="1" latinLnBrk="0" hangingPunct="1">
-              <a:spcBef>
-                <a:spcPts val="1000"/>
-              </a:spcBef>
-              <a:spcAft>
-                <a:spcPts val="0"/>
-              </a:spcAft>
-              <a:buClr>
-                <a:schemeClr val="accent1">
-                  <a:lumMod val="75000"/>
-                </a:schemeClr>
-              </a:buClr>
-              <a:buSzPct val="80000"/>
-              <a:buFont typeface="Wingdings 3" charset="2"/>
-              <a:buNone/>
-              <a:defRPr sz="1200" kern="1200">
-                <a:solidFill>
-                  <a:schemeClr val="tx1">
-                    <a:tint val="75000"/>
-                  </a:schemeClr>
-                </a:solidFill>
-                <a:latin typeface="+mn-lt"/>
-                <a:ea typeface="+mn-ea"/>
-                <a:cs typeface="+mn-cs"/>
-              </a:defRPr>
-            </a:lvl7pPr>
-            <a:lvl8pPr marL="3200400" indent="0" algn="ctr" defTabSz="457200" rtl="0" eaLnBrk="1" latinLnBrk="0" hangingPunct="1">
-              <a:spcBef>
-                <a:spcPts val="1000"/>
-              </a:spcBef>
-              <a:spcAft>
-                <a:spcPts val="0"/>
-              </a:spcAft>
-              <a:buClr>
-                <a:schemeClr val="accent1">
-                  <a:lumMod val="75000"/>
-                </a:schemeClr>
-              </a:buClr>
-              <a:buSzPct val="80000"/>
-              <a:buFont typeface="Wingdings 3" charset="2"/>
-              <a:buNone/>
-              <a:defRPr sz="1200" kern="1200">
-                <a:solidFill>
-                  <a:schemeClr val="tx1">
-                    <a:tint val="75000"/>
-                  </a:schemeClr>
-                </a:solidFill>
-                <a:latin typeface="+mn-lt"/>
-                <a:ea typeface="+mn-ea"/>
-                <a:cs typeface="+mn-cs"/>
-              </a:defRPr>
-            </a:lvl8pPr>
-            <a:lvl9pPr marL="3657600" indent="0" algn="ctr" defTabSz="457200" rtl="0" eaLnBrk="1" latinLnBrk="0" hangingPunct="1">
-              <a:spcBef>
-                <a:spcPts val="1000"/>
-              </a:spcBef>
-              <a:spcAft>
-                <a:spcPts val="0"/>
-              </a:spcAft>
-              <a:buClr>
-                <a:schemeClr val="accent1">
-                  <a:lumMod val="75000"/>
-                </a:schemeClr>
-              </a:buClr>
-              <a:buSzPct val="80000"/>
-              <a:buFont typeface="Wingdings 3" charset="2"/>
-              <a:buNone/>
-              <a:defRPr sz="1200" kern="1200">
-                <a:solidFill>
-                  <a:schemeClr val="tx1">
-                    <a:tint val="75000"/>
-                  </a:schemeClr>
-                </a:solidFill>
-                <a:latin typeface="+mn-lt"/>
-                <a:ea typeface="+mn-ea"/>
-                <a:cs typeface="+mn-cs"/>
-              </a:defRPr>
-            </a:lvl9pPr>
-          </a:lstStyle>
-          <a:p>
-            <a:pPr algn="l"/>
-            <a:r>
-              <a:rPr lang="en-US" sz="2800" dirty="0">
-                <a:solidFill>
-                  <a:schemeClr val="tx1">
-                    <a:lumMod val="75000"/>
-                    <a:lumOff val="25000"/>
-                  </a:schemeClr>
-                </a:solidFill>
-              </a:rPr>
-              <a:t>&lt;</a:t>
-            </a:r>
-            <a:r>
-              <a:rPr lang="en-US" sz="2800" dirty="0" err="1">
-                <a:solidFill>
-                  <a:schemeClr val="tx1">
-                    <a:lumMod val="75000"/>
-                    <a:lumOff val="25000"/>
-                  </a:schemeClr>
-                </a:solidFill>
-              </a:rPr>
-              <a:t>diagramme</a:t>
-            </a:r>
-            <a:r>
-              <a:rPr lang="en-US" sz="2800" dirty="0">
-                <a:solidFill>
-                  <a:schemeClr val="tx1">
-                    <a:lumMod val="75000"/>
-                    <a:lumOff val="25000"/>
-                  </a:schemeClr>
-                </a:solidFill>
-              </a:rPr>
-              <a:t> </a:t>
-            </a:r>
-            <a:r>
-              <a:rPr lang="en-US" sz="2800" dirty="0" err="1">
-                <a:solidFill>
-                  <a:schemeClr val="tx1">
-                    <a:lumMod val="75000"/>
-                    <a:lumOff val="25000"/>
-                  </a:schemeClr>
-                </a:solidFill>
-              </a:rPr>
-              <a:t>simplifié</a:t>
-            </a:r>
-            <a:r>
-              <a:rPr lang="en-US" sz="2800" dirty="0">
-                <a:solidFill>
-                  <a:schemeClr val="tx1">
-                    <a:lumMod val="75000"/>
-                    <a:lumOff val="25000"/>
-                  </a:schemeClr>
-                </a:solidFill>
-              </a:rPr>
-              <a:t>&gt;</a:t>
-            </a:r>
-          </a:p>
-        </p:txBody>
-      </p:sp>
+      </p:pic>
     </p:spTree>
     <p:extLst>
       <p:ext uri="{BB962C8B-B14F-4D97-AF65-F5344CB8AC3E}">
@@ -33491,7 +36755,7 @@
             <p:ph idx="1"/>
             <p:extLst>
               <p:ext uri="{D42A27DB-BD31-4B8C-83A1-F6EECF244321}">
-                <p14:modId xmlns:p14="http://schemas.microsoft.com/office/powerpoint/2010/main" val="1901205776"/>
+                <p14:modId xmlns:p14="http://schemas.microsoft.com/office/powerpoint/2010/main" val="925370448"/>
               </p:ext>
             </p:extLst>
           </p:nvPr>
@@ -34390,7 +37654,7 @@
           <p:nvPr>
             <p:extLst>
               <p:ext uri="{D42A27DB-BD31-4B8C-83A1-F6EECF244321}">
-                <p14:modId xmlns:p14="http://schemas.microsoft.com/office/powerpoint/2010/main" val="3422735729"/>
+                <p14:modId xmlns:p14="http://schemas.microsoft.com/office/powerpoint/2010/main" val="4208623255"/>
               </p:ext>
             </p:extLst>
           </p:nvPr>
@@ -34548,14 +37812,6 @@
 <file path=ppt/slides/slide9.xml><?xml version="1.0" encoding="utf-8"?>
 <p:sld xmlns:a="http://schemas.openxmlformats.org/drawingml/2006/main" xmlns:r="http://schemas.openxmlformats.org/officeDocument/2006/relationships" xmlns:p="http://schemas.openxmlformats.org/presentationml/2006/main">
   <p:cSld>
-    <p:bg>
-      <p:bgPr>
-        <a:solidFill>
-          <a:schemeClr val="bg1"/>
-        </a:solidFill>
-        <a:effectLst/>
-      </p:bgPr>
-    </p:bg>
     <p:spTree>
       <p:nvGrpSpPr>
         <p:cNvPr id="1" name=""/>
@@ -34570,705 +37826,6 @@
           <a:chExt cx="0" cy="0"/>
         </a:xfrm>
       </p:grpSpPr>
-      <p:grpSp>
-        <p:nvGrpSpPr>
-          <p:cNvPr id="9" name="Group 8">
-            <a:extLst>
-              <a:ext uri="{FF2B5EF4-FFF2-40B4-BE49-F238E27FC236}">
-                <a16:creationId xmlns:a16="http://schemas.microsoft.com/office/drawing/2014/main" id="{9AE27B9D-0F04-458B-A718-F84902C79F7C}"/>
-              </a:ext>
-              <a:ext uri="{C183D7F6-B498-43B3-948B-1728B52AA6E4}">
-                <adec:decorative xmlns:adec="http://schemas.microsoft.com/office/drawing/2017/decorative" val="1"/>
-              </a:ext>
-            </a:extLst>
-          </p:cNvPr>
-          <p:cNvGrpSpPr>
-            <a:grpSpLocks noGrp="1" noUngrp="1" noRot="1" noChangeAspect="1" noMove="1" noResize="1"/>
-          </p:cNvGrpSpPr>
-          <p:nvPr>
-            <p:extLst>
-              <p:ext uri="{386F3935-93C4-4BCD-93E2-E3B085C9AB24}">
-                <p16:designElem xmlns:p16="http://schemas.microsoft.com/office/powerpoint/2015/main" val="1"/>
-              </p:ext>
-            </p:extLst>
-          </p:nvPr>
-        </p:nvGrpSpPr>
-        <p:grpSpPr>
-          <a:xfrm>
-            <a:off x="0" y="-8467"/>
-            <a:ext cx="12192000" cy="6866467"/>
-            <a:chOff x="0" y="-8467"/>
-            <a:chExt cx="12192000" cy="6866467"/>
-          </a:xfrm>
-        </p:grpSpPr>
-        <p:cxnSp>
-          <p:nvCxnSpPr>
-            <p:cNvPr id="10" name="Straight Connector 9">
-              <a:extLst>
-                <a:ext uri="{FF2B5EF4-FFF2-40B4-BE49-F238E27FC236}">
-                  <a16:creationId xmlns:a16="http://schemas.microsoft.com/office/drawing/2014/main" id="{47AB6435-428E-44C8-A107-8435183F6553}"/>
-                </a:ext>
-                <a:ext uri="{C183D7F6-B498-43B3-948B-1728B52AA6E4}">
-                  <adec:decorative xmlns:adec="http://schemas.microsoft.com/office/drawing/2017/decorative" val="1"/>
-                </a:ext>
-              </a:extLst>
-            </p:cNvPr>
-            <p:cNvCxnSpPr/>
-            <p:nvPr>
-              <p:extLst>
-                <p:ext uri="{386F3935-93C4-4BCD-93E2-E3B085C9AB24}">
-                  <p16:designElem xmlns:p16="http://schemas.microsoft.com/office/powerpoint/2015/main" val="1"/>
-                </p:ext>
-              </p:extLst>
-            </p:nvPr>
-          </p:nvCxnSpPr>
-          <p:spPr>
-            <a:xfrm>
-              <a:off x="9371012" y="0"/>
-              <a:ext cx="1219200" cy="6858000"/>
-            </a:xfrm>
-            <a:prstGeom prst="line">
-              <a:avLst/>
-            </a:prstGeom>
-            <a:ln w="9525">
-              <a:solidFill>
-                <a:schemeClr val="accent1">
-                  <a:alpha val="70000"/>
-                </a:schemeClr>
-              </a:solidFill>
-            </a:ln>
-          </p:spPr>
-          <p:style>
-            <a:lnRef idx="2">
-              <a:schemeClr val="accent1"/>
-            </a:lnRef>
-            <a:fillRef idx="0">
-              <a:schemeClr val="accent1"/>
-            </a:fillRef>
-            <a:effectRef idx="1">
-              <a:schemeClr val="accent1"/>
-            </a:effectRef>
-            <a:fontRef idx="minor">
-              <a:schemeClr val="tx1"/>
-            </a:fontRef>
-          </p:style>
-        </p:cxnSp>
-        <p:cxnSp>
-          <p:nvCxnSpPr>
-            <p:cNvPr id="11" name="Straight Connector 10">
-              <a:extLst>
-                <a:ext uri="{FF2B5EF4-FFF2-40B4-BE49-F238E27FC236}">
-                  <a16:creationId xmlns:a16="http://schemas.microsoft.com/office/drawing/2014/main" id="{3659658D-9AE1-44D3-B002-2BA204AB9021}"/>
-                </a:ext>
-                <a:ext uri="{C183D7F6-B498-43B3-948B-1728B52AA6E4}">
-                  <adec:decorative xmlns:adec="http://schemas.microsoft.com/office/drawing/2017/decorative" val="1"/>
-                </a:ext>
-              </a:extLst>
-            </p:cNvPr>
-            <p:cNvCxnSpPr/>
-            <p:nvPr>
-              <p:extLst>
-                <p:ext uri="{386F3935-93C4-4BCD-93E2-E3B085C9AB24}">
-                  <p16:designElem xmlns:p16="http://schemas.microsoft.com/office/powerpoint/2015/main" val="1"/>
-                </p:ext>
-              </p:extLst>
-            </p:nvPr>
-          </p:nvCxnSpPr>
-          <p:spPr>
-            <a:xfrm flipH="1">
-              <a:off x="7425267" y="3681413"/>
-              <a:ext cx="4763558" cy="3176587"/>
-            </a:xfrm>
-            <a:prstGeom prst="line">
-              <a:avLst/>
-            </a:prstGeom>
-            <a:ln w="9525">
-              <a:solidFill>
-                <a:schemeClr val="accent1">
-                  <a:alpha val="70000"/>
-                </a:schemeClr>
-              </a:solidFill>
-            </a:ln>
-          </p:spPr>
-          <p:style>
-            <a:lnRef idx="2">
-              <a:schemeClr val="accent1"/>
-            </a:lnRef>
-            <a:fillRef idx="0">
-              <a:schemeClr val="accent1"/>
-            </a:fillRef>
-            <a:effectRef idx="1">
-              <a:schemeClr val="accent1"/>
-            </a:effectRef>
-            <a:fontRef idx="minor">
-              <a:schemeClr val="tx1"/>
-            </a:fontRef>
-          </p:style>
-        </p:cxnSp>
-        <p:sp>
-          <p:nvSpPr>
-            <p:cNvPr id="12" name="Rectangle 23">
-              <a:extLst>
-                <a:ext uri="{FF2B5EF4-FFF2-40B4-BE49-F238E27FC236}">
-                  <a16:creationId xmlns:a16="http://schemas.microsoft.com/office/drawing/2014/main" id="{2083C874-CFCD-47ED-9F98-DDB125C9C065}"/>
-                </a:ext>
-                <a:ext uri="{C183D7F6-B498-43B3-948B-1728B52AA6E4}">
-                  <adec:decorative xmlns:adec="http://schemas.microsoft.com/office/drawing/2017/decorative" val="1"/>
-                </a:ext>
-              </a:extLst>
-            </p:cNvPr>
-            <p:cNvSpPr/>
-            <p:nvPr>
-              <p:extLst>
-                <p:ext uri="{386F3935-93C4-4BCD-93E2-E3B085C9AB24}">
-                  <p16:designElem xmlns:p16="http://schemas.microsoft.com/office/powerpoint/2015/main" val="1"/>
-                </p:ext>
-              </p:extLst>
-            </p:nvPr>
-          </p:nvSpPr>
-          <p:spPr>
-            <a:xfrm>
-              <a:off x="9181476" y="-8467"/>
-              <a:ext cx="3007349" cy="6866467"/>
-            </a:xfrm>
-            <a:custGeom>
-              <a:avLst/>
-              <a:gdLst/>
-              <a:ahLst/>
-              <a:cxnLst/>
-              <a:rect l="l" t="t" r="r" b="b"/>
-              <a:pathLst>
-                <a:path w="3007349" h="6866467">
-                  <a:moveTo>
-                    <a:pt x="2045532" y="0"/>
-                  </a:moveTo>
-                  <a:lnTo>
-                    <a:pt x="3007349" y="0"/>
-                  </a:lnTo>
-                  <a:lnTo>
-                    <a:pt x="3007349" y="6866467"/>
-                  </a:lnTo>
-                  <a:lnTo>
-                    <a:pt x="0" y="6866467"/>
-                  </a:lnTo>
-                  <a:lnTo>
-                    <a:pt x="2045532" y="0"/>
-                  </a:lnTo>
-                  <a:close/>
-                </a:path>
-              </a:pathLst>
-            </a:custGeom>
-            <a:solidFill>
-              <a:schemeClr val="accent1">
-                <a:alpha val="36000"/>
-              </a:schemeClr>
-            </a:solidFill>
-            <a:ln>
-              <a:noFill/>
-            </a:ln>
-            <a:effectLst/>
-          </p:spPr>
-          <p:style>
-            <a:lnRef idx="1">
-              <a:schemeClr val="accent1"/>
-            </a:lnRef>
-            <a:fillRef idx="3">
-              <a:schemeClr val="accent1"/>
-            </a:fillRef>
-            <a:effectRef idx="2">
-              <a:schemeClr val="accent1"/>
-            </a:effectRef>
-            <a:fontRef idx="minor">
-              <a:schemeClr val="lt1"/>
-            </a:fontRef>
-          </p:style>
-        </p:sp>
-        <p:sp>
-          <p:nvSpPr>
-            <p:cNvPr id="13" name="Rectangle 25">
-              <a:extLst>
-                <a:ext uri="{FF2B5EF4-FFF2-40B4-BE49-F238E27FC236}">
-                  <a16:creationId xmlns:a16="http://schemas.microsoft.com/office/drawing/2014/main" id="{605E9946-A240-42E3-B6CD-E6691BF46748}"/>
-                </a:ext>
-                <a:ext uri="{C183D7F6-B498-43B3-948B-1728B52AA6E4}">
-                  <adec:decorative xmlns:adec="http://schemas.microsoft.com/office/drawing/2017/decorative" val="1"/>
-                </a:ext>
-              </a:extLst>
-            </p:cNvPr>
-            <p:cNvSpPr/>
-            <p:nvPr>
-              <p:extLst>
-                <p:ext uri="{386F3935-93C4-4BCD-93E2-E3B085C9AB24}">
-                  <p16:designElem xmlns:p16="http://schemas.microsoft.com/office/powerpoint/2015/main" val="1"/>
-                </p:ext>
-              </p:extLst>
-            </p:nvPr>
-          </p:nvSpPr>
-          <p:spPr>
-            <a:xfrm>
-              <a:off x="9603442" y="-8467"/>
-              <a:ext cx="2588558" cy="6866467"/>
-            </a:xfrm>
-            <a:custGeom>
-              <a:avLst/>
-              <a:gdLst/>
-              <a:ahLst/>
-              <a:cxnLst/>
-              <a:rect l="l" t="t" r="r" b="b"/>
-              <a:pathLst>
-                <a:path w="2573311" h="6866467">
-                  <a:moveTo>
-                    <a:pt x="0" y="0"/>
-                  </a:moveTo>
-                  <a:lnTo>
-                    <a:pt x="2573311" y="0"/>
-                  </a:lnTo>
-                  <a:lnTo>
-                    <a:pt x="2573311" y="6866467"/>
-                  </a:lnTo>
-                  <a:lnTo>
-                    <a:pt x="1202336" y="6866467"/>
-                  </a:lnTo>
-                  <a:lnTo>
-                    <a:pt x="0" y="0"/>
-                  </a:lnTo>
-                  <a:close/>
-                </a:path>
-              </a:pathLst>
-            </a:custGeom>
-            <a:solidFill>
-              <a:schemeClr val="accent1">
-                <a:alpha val="20000"/>
-              </a:schemeClr>
-            </a:solidFill>
-            <a:ln>
-              <a:noFill/>
-            </a:ln>
-            <a:effectLst/>
-          </p:spPr>
-          <p:style>
-            <a:lnRef idx="1">
-              <a:schemeClr val="accent1"/>
-            </a:lnRef>
-            <a:fillRef idx="3">
-              <a:schemeClr val="accent1"/>
-            </a:fillRef>
-            <a:effectRef idx="2">
-              <a:schemeClr val="accent1"/>
-            </a:effectRef>
-            <a:fontRef idx="minor">
-              <a:schemeClr val="lt1"/>
-            </a:fontRef>
-          </p:style>
-        </p:sp>
-        <p:sp>
-          <p:nvSpPr>
-            <p:cNvPr id="14" name="Isosceles Triangle 13">
-              <a:extLst>
-                <a:ext uri="{FF2B5EF4-FFF2-40B4-BE49-F238E27FC236}">
-                  <a16:creationId xmlns:a16="http://schemas.microsoft.com/office/drawing/2014/main" id="{315B1B45-25C3-4C58-8EB8-41BCFA02A639}"/>
-                </a:ext>
-                <a:ext uri="{C183D7F6-B498-43B3-948B-1728B52AA6E4}">
-                  <adec:decorative xmlns:adec="http://schemas.microsoft.com/office/drawing/2017/decorative" val="1"/>
-                </a:ext>
-              </a:extLst>
-            </p:cNvPr>
-            <p:cNvSpPr/>
-            <p:nvPr>
-              <p:extLst>
-                <p:ext uri="{386F3935-93C4-4BCD-93E2-E3B085C9AB24}">
-                  <p16:designElem xmlns:p16="http://schemas.microsoft.com/office/powerpoint/2015/main" val="1"/>
-                </p:ext>
-              </p:extLst>
-            </p:nvPr>
-          </p:nvSpPr>
-          <p:spPr>
-            <a:xfrm>
-              <a:off x="8932333" y="3048000"/>
-              <a:ext cx="3259667" cy="3810000"/>
-            </a:xfrm>
-            <a:prstGeom prst="triangle">
-              <a:avLst>
-                <a:gd name="adj" fmla="val 100000"/>
-              </a:avLst>
-            </a:prstGeom>
-            <a:solidFill>
-              <a:schemeClr val="accent1">
-                <a:alpha val="72000"/>
-              </a:schemeClr>
-            </a:solidFill>
-            <a:ln>
-              <a:noFill/>
-            </a:ln>
-            <a:effectLst/>
-          </p:spPr>
-          <p:style>
-            <a:lnRef idx="1">
-              <a:schemeClr val="accent1"/>
-            </a:lnRef>
-            <a:fillRef idx="3">
-              <a:schemeClr val="accent1"/>
-            </a:fillRef>
-            <a:effectRef idx="2">
-              <a:schemeClr val="accent1"/>
-            </a:effectRef>
-            <a:fontRef idx="minor">
-              <a:schemeClr val="lt1"/>
-            </a:fontRef>
-          </p:style>
-        </p:sp>
-        <p:sp>
-          <p:nvSpPr>
-            <p:cNvPr id="15" name="Rectangle 27">
-              <a:extLst>
-                <a:ext uri="{FF2B5EF4-FFF2-40B4-BE49-F238E27FC236}">
-                  <a16:creationId xmlns:a16="http://schemas.microsoft.com/office/drawing/2014/main" id="{87983A9A-7A69-406F-AFEA-AD2AE87E1FA6}"/>
-                </a:ext>
-                <a:ext uri="{C183D7F6-B498-43B3-948B-1728B52AA6E4}">
-                  <adec:decorative xmlns:adec="http://schemas.microsoft.com/office/drawing/2017/decorative" val="1"/>
-                </a:ext>
-              </a:extLst>
-            </p:cNvPr>
-            <p:cNvSpPr/>
-            <p:nvPr>
-              <p:extLst>
-                <p:ext uri="{386F3935-93C4-4BCD-93E2-E3B085C9AB24}">
-                  <p16:designElem xmlns:p16="http://schemas.microsoft.com/office/powerpoint/2015/main" val="1"/>
-                </p:ext>
-              </p:extLst>
-            </p:nvPr>
-          </p:nvSpPr>
-          <p:spPr>
-            <a:xfrm>
-              <a:off x="9334500" y="-8467"/>
-              <a:ext cx="2854326" cy="6866467"/>
-            </a:xfrm>
-            <a:custGeom>
-              <a:avLst/>
-              <a:gdLst/>
-              <a:ahLst/>
-              <a:cxnLst/>
-              <a:rect l="l" t="t" r="r" b="b"/>
-              <a:pathLst>
-                <a:path w="2858013" h="6866467">
-                  <a:moveTo>
-                    <a:pt x="0" y="0"/>
-                  </a:moveTo>
-                  <a:lnTo>
-                    <a:pt x="2858013" y="0"/>
-                  </a:lnTo>
-                  <a:lnTo>
-                    <a:pt x="2858013" y="6866467"/>
-                  </a:lnTo>
-                  <a:lnTo>
-                    <a:pt x="2473942" y="6866467"/>
-                  </a:lnTo>
-                  <a:lnTo>
-                    <a:pt x="0" y="0"/>
-                  </a:lnTo>
-                  <a:close/>
-                </a:path>
-              </a:pathLst>
-            </a:custGeom>
-            <a:solidFill>
-              <a:schemeClr val="accent1">
-                <a:lumMod val="75000"/>
-                <a:alpha val="50000"/>
-              </a:schemeClr>
-            </a:solidFill>
-            <a:ln>
-              <a:noFill/>
-            </a:ln>
-            <a:effectLst/>
-          </p:spPr>
-          <p:style>
-            <a:lnRef idx="1">
-              <a:schemeClr val="accent1"/>
-            </a:lnRef>
-            <a:fillRef idx="3">
-              <a:schemeClr val="accent1"/>
-            </a:fillRef>
-            <a:effectRef idx="2">
-              <a:schemeClr val="accent1"/>
-            </a:effectRef>
-            <a:fontRef idx="minor">
-              <a:schemeClr val="lt1"/>
-            </a:fontRef>
-          </p:style>
-        </p:sp>
-        <p:sp>
-          <p:nvSpPr>
-            <p:cNvPr id="16" name="Rectangle 28">
-              <a:extLst>
-                <a:ext uri="{FF2B5EF4-FFF2-40B4-BE49-F238E27FC236}">
-                  <a16:creationId xmlns:a16="http://schemas.microsoft.com/office/drawing/2014/main" id="{FFCBC4EF-C03E-4EED-9E9A-3097DECC005C}"/>
-                </a:ext>
-                <a:ext uri="{C183D7F6-B498-43B3-948B-1728B52AA6E4}">
-                  <adec:decorative xmlns:adec="http://schemas.microsoft.com/office/drawing/2017/decorative" val="1"/>
-                </a:ext>
-              </a:extLst>
-            </p:cNvPr>
-            <p:cNvSpPr/>
-            <p:nvPr>
-              <p:extLst>
-                <p:ext uri="{386F3935-93C4-4BCD-93E2-E3B085C9AB24}">
-                  <p16:designElem xmlns:p16="http://schemas.microsoft.com/office/powerpoint/2015/main" val="1"/>
-                </p:ext>
-              </p:extLst>
-            </p:nvPr>
-          </p:nvSpPr>
-          <p:spPr>
-            <a:xfrm>
-              <a:off x="10898730" y="-8467"/>
-              <a:ext cx="1290094" cy="6866467"/>
-            </a:xfrm>
-            <a:custGeom>
-              <a:avLst/>
-              <a:gdLst/>
-              <a:ahLst/>
-              <a:cxnLst/>
-              <a:rect l="l" t="t" r="r" b="b"/>
-              <a:pathLst>
-                <a:path w="1290094" h="6858000">
-                  <a:moveTo>
-                    <a:pt x="1019735" y="0"/>
-                  </a:moveTo>
-                  <a:lnTo>
-                    <a:pt x="1290094" y="0"/>
-                  </a:lnTo>
-                  <a:lnTo>
-                    <a:pt x="1290094" y="6858000"/>
-                  </a:lnTo>
-                  <a:lnTo>
-                    <a:pt x="0" y="6858000"/>
-                  </a:lnTo>
-                  <a:lnTo>
-                    <a:pt x="1019735" y="0"/>
-                  </a:lnTo>
-                  <a:close/>
-                </a:path>
-              </a:pathLst>
-            </a:custGeom>
-            <a:solidFill>
-              <a:schemeClr val="accent1">
-                <a:lumMod val="75000"/>
-                <a:alpha val="70000"/>
-              </a:schemeClr>
-            </a:solidFill>
-            <a:ln>
-              <a:noFill/>
-            </a:ln>
-            <a:effectLst/>
-          </p:spPr>
-          <p:style>
-            <a:lnRef idx="1">
-              <a:schemeClr val="accent1"/>
-            </a:lnRef>
-            <a:fillRef idx="3">
-              <a:schemeClr val="accent1"/>
-            </a:fillRef>
-            <a:effectRef idx="2">
-              <a:schemeClr val="accent1"/>
-            </a:effectRef>
-            <a:fontRef idx="minor">
-              <a:schemeClr val="lt1"/>
-            </a:fontRef>
-          </p:style>
-        </p:sp>
-        <p:sp>
-          <p:nvSpPr>
-            <p:cNvPr id="17" name="Rectangle 29">
-              <a:extLst>
-                <a:ext uri="{FF2B5EF4-FFF2-40B4-BE49-F238E27FC236}">
-                  <a16:creationId xmlns:a16="http://schemas.microsoft.com/office/drawing/2014/main" id="{F56545EE-F94F-4B4C-AA43-9D67456645F1}"/>
-                </a:ext>
-                <a:ext uri="{C183D7F6-B498-43B3-948B-1728B52AA6E4}">
-                  <adec:decorative xmlns:adec="http://schemas.microsoft.com/office/drawing/2017/decorative" val="1"/>
-                </a:ext>
-              </a:extLst>
-            </p:cNvPr>
-            <p:cNvSpPr/>
-            <p:nvPr>
-              <p:extLst>
-                <p:ext uri="{386F3935-93C4-4BCD-93E2-E3B085C9AB24}">
-                  <p16:designElem xmlns:p16="http://schemas.microsoft.com/office/powerpoint/2015/main" val="1"/>
-                </p:ext>
-              </p:extLst>
-            </p:nvPr>
-          </p:nvSpPr>
-          <p:spPr>
-            <a:xfrm>
-              <a:off x="10938999" y="-8467"/>
-              <a:ext cx="1249825" cy="6866467"/>
-            </a:xfrm>
-            <a:custGeom>
-              <a:avLst/>
-              <a:gdLst/>
-              <a:ahLst/>
-              <a:cxnLst/>
-              <a:rect l="l" t="t" r="r" b="b"/>
-              <a:pathLst>
-                <a:path w="1249825" h="6858000">
-                  <a:moveTo>
-                    <a:pt x="0" y="0"/>
-                  </a:moveTo>
-                  <a:lnTo>
-                    <a:pt x="1249825" y="0"/>
-                  </a:lnTo>
-                  <a:lnTo>
-                    <a:pt x="1249825" y="6858000"/>
-                  </a:lnTo>
-                  <a:lnTo>
-                    <a:pt x="1109382" y="6858000"/>
-                  </a:lnTo>
-                  <a:lnTo>
-                    <a:pt x="0" y="0"/>
-                  </a:lnTo>
-                  <a:close/>
-                </a:path>
-              </a:pathLst>
-            </a:custGeom>
-            <a:solidFill>
-              <a:schemeClr val="accent1">
-                <a:lumMod val="50000"/>
-                <a:alpha val="80000"/>
-              </a:schemeClr>
-            </a:solidFill>
-            <a:ln>
-              <a:noFill/>
-            </a:ln>
-            <a:effectLst/>
-          </p:spPr>
-          <p:style>
-            <a:lnRef idx="1">
-              <a:schemeClr val="accent1"/>
-            </a:lnRef>
-            <a:fillRef idx="3">
-              <a:schemeClr val="accent1"/>
-            </a:fillRef>
-            <a:effectRef idx="2">
-              <a:schemeClr val="accent1"/>
-            </a:effectRef>
-            <a:fontRef idx="minor">
-              <a:schemeClr val="lt1"/>
-            </a:fontRef>
-          </p:style>
-        </p:sp>
-        <p:sp>
-          <p:nvSpPr>
-            <p:cNvPr id="18" name="Isosceles Triangle 17">
-              <a:extLst>
-                <a:ext uri="{FF2B5EF4-FFF2-40B4-BE49-F238E27FC236}">
-                  <a16:creationId xmlns:a16="http://schemas.microsoft.com/office/drawing/2014/main" id="{2FE2A6B2-D45B-484C-BAFD-3F4508266425}"/>
-                </a:ext>
-                <a:ext uri="{C183D7F6-B498-43B3-948B-1728B52AA6E4}">
-                  <adec:decorative xmlns:adec="http://schemas.microsoft.com/office/drawing/2017/decorative" val="1"/>
-                </a:ext>
-              </a:extLst>
-            </p:cNvPr>
-            <p:cNvSpPr/>
-            <p:nvPr>
-              <p:extLst>
-                <p:ext uri="{386F3935-93C4-4BCD-93E2-E3B085C9AB24}">
-                  <p16:designElem xmlns:p16="http://schemas.microsoft.com/office/powerpoint/2015/main" val="1"/>
-                </p:ext>
-              </p:extLst>
-            </p:nvPr>
-          </p:nvSpPr>
-          <p:spPr>
-            <a:xfrm>
-              <a:off x="10371666" y="3589867"/>
-              <a:ext cx="1817159" cy="3268133"/>
-            </a:xfrm>
-            <a:prstGeom prst="triangle">
-              <a:avLst>
-                <a:gd name="adj" fmla="val 100000"/>
-              </a:avLst>
-            </a:prstGeom>
-            <a:solidFill>
-              <a:schemeClr val="accent1">
-                <a:lumMod val="50000"/>
-                <a:alpha val="66000"/>
-              </a:schemeClr>
-            </a:solidFill>
-            <a:ln>
-              <a:noFill/>
-            </a:ln>
-            <a:effectLst/>
-          </p:spPr>
-          <p:style>
-            <a:lnRef idx="1">
-              <a:schemeClr val="accent1"/>
-            </a:lnRef>
-            <a:fillRef idx="3">
-              <a:schemeClr val="accent1"/>
-            </a:fillRef>
-            <a:effectRef idx="2">
-              <a:schemeClr val="accent1"/>
-            </a:effectRef>
-            <a:fontRef idx="minor">
-              <a:schemeClr val="lt1"/>
-            </a:fontRef>
-          </p:style>
-        </p:sp>
-        <p:sp>
-          <p:nvSpPr>
-            <p:cNvPr id="19" name="Isosceles Triangle 18">
-              <a:extLst>
-                <a:ext uri="{FF2B5EF4-FFF2-40B4-BE49-F238E27FC236}">
-                  <a16:creationId xmlns:a16="http://schemas.microsoft.com/office/drawing/2014/main" id="{EC2132BF-207E-4FB2-B0FE-E6FD0A1D1882}"/>
-                </a:ext>
-                <a:ext uri="{C183D7F6-B498-43B3-948B-1728B52AA6E4}">
-                  <adec:decorative xmlns:adec="http://schemas.microsoft.com/office/drawing/2017/decorative" val="1"/>
-                </a:ext>
-              </a:extLst>
-            </p:cNvPr>
-            <p:cNvSpPr/>
-            <p:nvPr>
-              <p:extLst>
-                <p:ext uri="{386F3935-93C4-4BCD-93E2-E3B085C9AB24}">
-                  <p16:designElem xmlns:p16="http://schemas.microsoft.com/office/powerpoint/2015/main" val="1"/>
-                </p:ext>
-              </p:extLst>
-            </p:nvPr>
-          </p:nvSpPr>
-          <p:spPr>
-            <a:xfrm rot="10800000">
-              <a:off x="0" y="0"/>
-              <a:ext cx="842596" cy="5666154"/>
-            </a:xfrm>
-            <a:prstGeom prst="triangle">
-              <a:avLst>
-                <a:gd name="adj" fmla="val 100000"/>
-              </a:avLst>
-            </a:prstGeom>
-            <a:solidFill>
-              <a:schemeClr val="accent1">
-                <a:lumMod val="75000"/>
-                <a:alpha val="70000"/>
-              </a:schemeClr>
-            </a:solidFill>
-            <a:ln>
-              <a:noFill/>
-            </a:ln>
-            <a:effectLst/>
-          </p:spPr>
-          <p:style>
-            <a:lnRef idx="1">
-              <a:schemeClr val="accent1"/>
-            </a:lnRef>
-            <a:fillRef idx="3">
-              <a:schemeClr val="accent1"/>
-            </a:fillRef>
-            <a:effectRef idx="2">
-              <a:schemeClr val="accent1"/>
-            </a:effectRef>
-            <a:fontRef idx="minor">
-              <a:schemeClr val="lt1"/>
-            </a:fontRef>
-          </p:style>
-        </p:sp>
-      </p:grpSp>
       <p:sp>
         <p:nvSpPr>
           <p:cNvPr id="2" name="Titre 1">
@@ -35287,55 +37844,24 @@
         </p:nvSpPr>
         <p:spPr>
           <a:xfrm>
-            <a:off x="2691521" y="358352"/>
-            <a:ext cx="5995335" cy="1096648"/>
+            <a:off x="1559749" y="295951"/>
+            <a:ext cx="8145912" cy="1096648"/>
           </a:xfrm>
         </p:spPr>
         <p:txBody>
           <a:bodyPr vert="horz" lIns="91440" tIns="45720" rIns="91440" bIns="45720" rtlCol="0" anchor="b">
-            <a:noAutofit/>
+            <a:normAutofit/>
           </a:bodyPr>
           <a:lstStyle/>
           <a:p>
             <a:pPr algn="ctr"/>
             <a:r>
-              <a:rPr lang="en-US" sz="6000" dirty="0" err="1"/>
-              <a:t>Démonstration</a:t>
+              <a:rPr lang="fr-CH" sz="6000" dirty="0"/>
+              <a:t>Améliorations</a:t>
             </a:r>
-            <a:endParaRPr lang="en-US" sz="6000" dirty="0"/>
           </a:p>
         </p:txBody>
       </p:sp>
-      <p:pic>
-        <p:nvPicPr>
-          <p:cNvPr id="6" name="Image 5">
-            <a:extLst>
-              <a:ext uri="{FF2B5EF4-FFF2-40B4-BE49-F238E27FC236}">
-                <a16:creationId xmlns:a16="http://schemas.microsoft.com/office/drawing/2014/main" id="{89BC5771-1754-4279-BDCB-A1A8558EFE1A}"/>
-              </a:ext>
-            </a:extLst>
-          </p:cNvPr>
-          <p:cNvPicPr>
-            <a:picLocks noChangeAspect="1"/>
-          </p:cNvPicPr>
-          <p:nvPr/>
-        </p:nvPicPr>
-        <p:blipFill>
-          <a:blip r:embed="rId2"/>
-          <a:stretch>
-            <a:fillRect/>
-          </a:stretch>
-        </p:blipFill>
-        <p:spPr>
-          <a:xfrm>
-            <a:off x="2865301" y="775520"/>
-            <a:ext cx="6082480" cy="6082480"/>
-          </a:xfrm>
-          <a:prstGeom prst="rect">
-            <a:avLst/>
-          </a:prstGeom>
-        </p:spPr>
-      </p:pic>
       <p:pic>
         <p:nvPicPr>
           <p:cNvPr id="21" name="Image 20">
@@ -35358,18 +37884,48 @@
         </p:blipFill>
         <p:spPr>
           <a:xfrm>
-            <a:off x="6341733" y="2907946"/>
-            <a:ext cx="1498592" cy="1546934"/>
+            <a:off x="4746052" y="144966"/>
+            <a:ext cx="1331361" cy="1374308"/>
           </a:xfrm>
           <a:prstGeom prst="rect">
             <a:avLst/>
           </a:prstGeom>
         </p:spPr>
       </p:pic>
+      <p:graphicFrame>
+        <p:nvGraphicFramePr>
+          <p:cNvPr id="6" name="Espace réservé du contenu 2">
+            <a:extLst>
+              <a:ext uri="{FF2B5EF4-FFF2-40B4-BE49-F238E27FC236}">
+                <a16:creationId xmlns:a16="http://schemas.microsoft.com/office/drawing/2014/main" id="{6A9662AD-8682-4EF9-970C-57559E24A97C}"/>
+              </a:ext>
+            </a:extLst>
+          </p:cNvPr>
+          <p:cNvGraphicFramePr>
+            <a:graphicFrameLocks/>
+          </p:cNvGraphicFramePr>
+          <p:nvPr>
+            <p:extLst>
+              <p:ext uri="{D42A27DB-BD31-4B8C-83A1-F6EECF244321}">
+                <p14:modId xmlns:p14="http://schemas.microsoft.com/office/powerpoint/2010/main" val="312670068"/>
+              </p:ext>
+            </p:extLst>
+          </p:nvPr>
+        </p:nvGraphicFramePr>
+        <p:xfrm>
+          <a:off x="2286298" y="1414901"/>
+          <a:ext cx="6692814" cy="4823190"/>
+        </p:xfrm>
+        <a:graphic>
+          <a:graphicData uri="http://schemas.openxmlformats.org/drawingml/2006/diagram">
+            <dgm:relIds xmlns:dgm="http://schemas.openxmlformats.org/drawingml/2006/diagram" xmlns:r="http://schemas.openxmlformats.org/officeDocument/2006/relationships" r:dm="rId4" r:lo="rId5" r:qs="rId6" r:cs="rId7"/>
+          </a:graphicData>
+        </a:graphic>
+      </p:graphicFrame>
     </p:spTree>
     <p:extLst>
       <p:ext uri="{BB962C8B-B14F-4D97-AF65-F5344CB8AC3E}">
-        <p14:creationId xmlns:p14="http://schemas.microsoft.com/office/powerpoint/2010/main" val="4041514060"/>
+        <p14:creationId xmlns:p14="http://schemas.microsoft.com/office/powerpoint/2010/main" val="3265347699"/>
       </p:ext>
     </p:extLst>
   </p:cSld>
